--- a/CS539ML_Final_Presentation.pptx
+++ b/CS539ML_Final_Presentation.pptx
@@ -5,31 +5,34 @@
     <p:sldMasterId id="2147483660" r:id="rId1"/>
   </p:sldMasterIdLst>
   <p:notesMasterIdLst>
-    <p:notesMasterId r:id="rId16"/>
+    <p:notesMasterId r:id="rId19"/>
   </p:notesMasterIdLst>
   <p:handoutMasterIdLst>
-    <p:handoutMasterId r:id="rId17"/>
+    <p:handoutMasterId r:id="rId20"/>
   </p:handoutMasterIdLst>
   <p:sldIdLst>
     <p:sldId id="256" r:id="rId2"/>
     <p:sldId id="322" r:id="rId3"/>
     <p:sldId id="462" r:id="rId4"/>
-    <p:sldId id="466" r:id="rId5"/>
-    <p:sldId id="459" r:id="rId6"/>
-    <p:sldId id="467" r:id="rId7"/>
-    <p:sldId id="468" r:id="rId8"/>
-    <p:sldId id="469" r:id="rId9"/>
-    <p:sldId id="470" r:id="rId10"/>
-    <p:sldId id="471" r:id="rId11"/>
-    <p:sldId id="472" r:id="rId12"/>
-    <p:sldId id="456" r:id="rId13"/>
-    <p:sldId id="473" r:id="rId14"/>
-    <p:sldId id="458" r:id="rId15"/>
+    <p:sldId id="475" r:id="rId5"/>
+    <p:sldId id="476" r:id="rId6"/>
+    <p:sldId id="466" r:id="rId7"/>
+    <p:sldId id="474" r:id="rId8"/>
+    <p:sldId id="459" r:id="rId9"/>
+    <p:sldId id="467" r:id="rId10"/>
+    <p:sldId id="468" r:id="rId11"/>
+    <p:sldId id="469" r:id="rId12"/>
+    <p:sldId id="470" r:id="rId13"/>
+    <p:sldId id="471" r:id="rId14"/>
+    <p:sldId id="472" r:id="rId15"/>
+    <p:sldId id="456" r:id="rId16"/>
+    <p:sldId id="473" r:id="rId17"/>
+    <p:sldId id="458" r:id="rId18"/>
   </p:sldIdLst>
   <p:sldSz cx="9144000" cy="6858000" type="screen4x3"/>
   <p:notesSz cx="6858000" cy="9144000"/>
   <p:custDataLst>
-    <p:tags r:id="rId18"/>
+    <p:tags r:id="rId21"/>
   </p:custDataLst>
   <p:defaultTextStyle>
     <a:defPPr>
@@ -256,7 +259,7 @@
           <a:p>
             <a:fld id="{550449CD-19C8-44C0-A36B-1667EDB1312B}" type="datetimeFigureOut">
               <a:rPr lang="en-US" smtClean="0"/>
-              <a:t>11/17/2018</a:t>
+              <a:t>11/28/18</a:t>
             </a:fld>
             <a:endParaRPr lang="en-US"/>
           </a:p>
@@ -422,7 +425,7 @@
             <a:fld id="{914C511E-AA3B-43E3-B946-406AB5E4C4BB}" type="datetimeFigureOut">
               <a:rPr lang="en-US" smtClean="0"/>
               <a:pPr/>
-              <a:t>11/17/2018</a:t>
+              <a:t>11/28/18</a:t>
             </a:fld>
             <a:endParaRPr lang="en-US"/>
           </a:p>
@@ -486,38 +489,37 @@
           <a:p>
             <a:pPr lvl="0"/>
             <a:r>
-              <a:rPr lang="en-US" smtClean="0"/>
+              <a:rPr lang="en-US"/>
               <a:t>Click to edit Master text styles</a:t>
             </a:r>
           </a:p>
           <a:p>
             <a:pPr lvl="1"/>
             <a:r>
-              <a:rPr lang="en-US" smtClean="0"/>
+              <a:rPr lang="en-US"/>
               <a:t>Second level</a:t>
             </a:r>
           </a:p>
           <a:p>
             <a:pPr lvl="2"/>
             <a:r>
-              <a:rPr lang="en-US" smtClean="0"/>
+              <a:rPr lang="en-US"/>
               <a:t>Third level</a:t>
             </a:r>
           </a:p>
           <a:p>
             <a:pPr lvl="3"/>
             <a:r>
-              <a:rPr lang="en-US" smtClean="0"/>
+              <a:rPr lang="en-US"/>
               <a:t>Fourth level</a:t>
             </a:r>
           </a:p>
           <a:p>
             <a:pPr lvl="4"/>
             <a:r>
-              <a:rPr lang="en-US" smtClean="0"/>
+              <a:rPr lang="en-US"/>
               <a:t>Fifth level</a:t>
             </a:r>
-            <a:endParaRPr lang="en-US"/>
           </a:p>
         </p:txBody>
       </p:sp>
@@ -735,311 +737,6 @@
           <a:bodyPr/>
           <a:lstStyle/>
           <a:p>
-            <a:r>
-              <a:rPr lang="en-US" dirty="0" smtClean="0"/>
-              <a:t>Ensemble learning is a very important technic in machine learning,</a:t>
-            </a:r>
-            <a:r>
-              <a:rPr lang="en-US" baseline="0" dirty="0" smtClean="0"/>
-              <a:t> and it is also widely used in industry field because of the good performance on predictions. However, the reason why it works so well is rarely understood. So our project aims to figure out the </a:t>
-            </a:r>
-            <a:r>
-              <a:rPr lang="en-US" sz="1200" kern="1200" dirty="0" smtClean="0">
-                <a:solidFill>
-                  <a:schemeClr val="tx1"/>
-                </a:solidFill>
-                <a:latin typeface="+mn-lt"/>
-                <a:ea typeface="+mn-ea"/>
-                <a:cs typeface="+mn-cs"/>
-              </a:rPr>
-              <a:t>mysterious</a:t>
-            </a:r>
-            <a:r>
-              <a:rPr lang="zh-CN" altLang="en-US" sz="1200" kern="1200" dirty="0" smtClean="0">
-                <a:solidFill>
-                  <a:schemeClr val="tx1"/>
-                </a:solidFill>
-                <a:latin typeface="+mn-lt"/>
-                <a:ea typeface="+mn-ea"/>
-                <a:cs typeface="+mn-cs"/>
-              </a:rPr>
-              <a:t> </a:t>
-            </a:r>
-            <a:r>
-              <a:rPr lang="en-US" altLang="zh-CN" sz="1200" kern="1200" dirty="0" smtClean="0">
-                <a:solidFill>
-                  <a:schemeClr val="tx1"/>
-                </a:solidFill>
-                <a:latin typeface="+mn-lt"/>
-                <a:ea typeface="+mn-ea"/>
-                <a:cs typeface="+mn-cs"/>
-              </a:rPr>
-              <a:t>parts</a:t>
-            </a:r>
-            <a:r>
-              <a:rPr lang="zh-CN" altLang="en-US" sz="1200" kern="1200" dirty="0" smtClean="0">
-                <a:solidFill>
-                  <a:schemeClr val="tx1"/>
-                </a:solidFill>
-                <a:latin typeface="+mn-lt"/>
-                <a:ea typeface="+mn-ea"/>
-                <a:cs typeface="+mn-cs"/>
-              </a:rPr>
-              <a:t> </a:t>
-            </a:r>
-            <a:r>
-              <a:rPr lang="en-US" altLang="zh-CN" sz="1200" kern="1200" dirty="0" smtClean="0">
-                <a:solidFill>
-                  <a:schemeClr val="tx1"/>
-                </a:solidFill>
-                <a:latin typeface="+mn-lt"/>
-                <a:ea typeface="+mn-ea"/>
-                <a:cs typeface="+mn-cs"/>
-              </a:rPr>
-              <a:t>of</a:t>
-            </a:r>
-            <a:r>
-              <a:rPr lang="zh-CN" altLang="en-US" sz="1200" kern="1200" dirty="0" smtClean="0">
-                <a:solidFill>
-                  <a:schemeClr val="tx1"/>
-                </a:solidFill>
-                <a:latin typeface="+mn-lt"/>
-                <a:ea typeface="+mn-ea"/>
-                <a:cs typeface="+mn-cs"/>
-              </a:rPr>
-              <a:t> </a:t>
-            </a:r>
-            <a:r>
-              <a:rPr lang="en-US" altLang="zh-CN" sz="1200" kern="1200" dirty="0" smtClean="0">
-                <a:solidFill>
-                  <a:schemeClr val="tx1"/>
-                </a:solidFill>
-                <a:latin typeface="+mn-lt"/>
-                <a:ea typeface="+mn-ea"/>
-                <a:cs typeface="+mn-cs"/>
-              </a:rPr>
-              <a:t>ensemble</a:t>
-            </a:r>
-            <a:r>
-              <a:rPr lang="zh-CN" altLang="en-US" sz="1200" kern="1200" dirty="0" smtClean="0">
-                <a:solidFill>
-                  <a:schemeClr val="tx1"/>
-                </a:solidFill>
-                <a:latin typeface="+mn-lt"/>
-                <a:ea typeface="+mn-ea"/>
-                <a:cs typeface="+mn-cs"/>
-              </a:rPr>
-              <a:t> </a:t>
-            </a:r>
-            <a:r>
-              <a:rPr lang="en-US" altLang="zh-CN" sz="1200" kern="1200" dirty="0" smtClean="0">
-                <a:solidFill>
-                  <a:schemeClr val="tx1"/>
-                </a:solidFill>
-                <a:latin typeface="+mn-lt"/>
-                <a:ea typeface="+mn-ea"/>
-                <a:cs typeface="+mn-cs"/>
-              </a:rPr>
-              <a:t>learning</a:t>
-            </a:r>
-            <a:r>
-              <a:rPr lang="zh-CN" altLang="en-US" sz="1200" kern="1200" dirty="0" smtClean="0">
-                <a:solidFill>
-                  <a:schemeClr val="tx1"/>
-                </a:solidFill>
-                <a:latin typeface="+mn-lt"/>
-                <a:ea typeface="+mn-ea"/>
-                <a:cs typeface="+mn-cs"/>
-              </a:rPr>
-              <a:t> </a:t>
-            </a:r>
-            <a:r>
-              <a:rPr lang="en-US" altLang="zh-CN" sz="1200" kern="1200" dirty="0" smtClean="0">
-                <a:solidFill>
-                  <a:schemeClr val="tx1"/>
-                </a:solidFill>
-                <a:latin typeface="+mn-lt"/>
-                <a:ea typeface="+mn-ea"/>
-                <a:cs typeface="+mn-cs"/>
-              </a:rPr>
-              <a:t>and</a:t>
-            </a:r>
-            <a:r>
-              <a:rPr lang="zh-CN" altLang="en-US" sz="1200" kern="1200" dirty="0" smtClean="0">
-                <a:solidFill>
-                  <a:schemeClr val="tx1"/>
-                </a:solidFill>
-                <a:latin typeface="+mn-lt"/>
-                <a:ea typeface="+mn-ea"/>
-                <a:cs typeface="+mn-cs"/>
-              </a:rPr>
-              <a:t> </a:t>
-            </a:r>
-            <a:r>
-              <a:rPr lang="en-US" altLang="zh-CN" sz="1200" kern="1200" dirty="0" smtClean="0">
-                <a:solidFill>
-                  <a:schemeClr val="tx1"/>
-                </a:solidFill>
-                <a:latin typeface="+mn-lt"/>
-                <a:ea typeface="+mn-ea"/>
-                <a:cs typeface="+mn-cs"/>
-              </a:rPr>
-              <a:t>we also hope to eventually</a:t>
-            </a:r>
-            <a:r>
-              <a:rPr lang="en-US" altLang="zh-CN" sz="1200" kern="1200" baseline="0" dirty="0" smtClean="0">
-                <a:solidFill>
-                  <a:schemeClr val="tx1"/>
-                </a:solidFill>
-                <a:latin typeface="+mn-lt"/>
-                <a:ea typeface="+mn-ea"/>
-                <a:cs typeface="+mn-cs"/>
-              </a:rPr>
-              <a:t> </a:t>
-            </a:r>
-            <a:r>
-              <a:rPr lang="en-US" altLang="zh-CN" sz="1200" kern="1200" dirty="0" smtClean="0">
-                <a:solidFill>
-                  <a:schemeClr val="tx1"/>
-                </a:solidFill>
-                <a:latin typeface="+mn-lt"/>
-                <a:ea typeface="+mn-ea"/>
-                <a:cs typeface="+mn-cs"/>
-              </a:rPr>
-              <a:t>develop</a:t>
-            </a:r>
-            <a:r>
-              <a:rPr lang="zh-CN" altLang="en-US" sz="1200" kern="1200" dirty="0" smtClean="0">
-                <a:solidFill>
-                  <a:schemeClr val="tx1"/>
-                </a:solidFill>
-                <a:latin typeface="+mn-lt"/>
-                <a:ea typeface="+mn-ea"/>
-                <a:cs typeface="+mn-cs"/>
-              </a:rPr>
-              <a:t> </a:t>
-            </a:r>
-            <a:r>
-              <a:rPr lang="en-US" altLang="zh-CN" sz="1200" kern="1200" dirty="0" smtClean="0">
-                <a:solidFill>
-                  <a:schemeClr val="tx1"/>
-                </a:solidFill>
-                <a:latin typeface="+mn-lt"/>
-                <a:ea typeface="+mn-ea"/>
-                <a:cs typeface="+mn-cs"/>
-              </a:rPr>
-              <a:t>some</a:t>
-            </a:r>
-            <a:r>
-              <a:rPr lang="zh-CN" altLang="en-US" sz="1200" kern="1200" dirty="0" smtClean="0">
-                <a:solidFill>
-                  <a:schemeClr val="tx1"/>
-                </a:solidFill>
-                <a:latin typeface="+mn-lt"/>
-                <a:ea typeface="+mn-ea"/>
-                <a:cs typeface="+mn-cs"/>
-              </a:rPr>
-              <a:t> </a:t>
-            </a:r>
-            <a:r>
-              <a:rPr lang="en-US" altLang="zh-CN" sz="1200" kern="1200" dirty="0" smtClean="0">
-                <a:solidFill>
-                  <a:schemeClr val="tx1"/>
-                </a:solidFill>
-                <a:latin typeface="+mn-lt"/>
-                <a:ea typeface="+mn-ea"/>
-                <a:cs typeface="+mn-cs"/>
-              </a:rPr>
-              <a:t>theorems</a:t>
-            </a:r>
-            <a:r>
-              <a:rPr lang="zh-CN" altLang="en-US" sz="1200" kern="1200" dirty="0" smtClean="0">
-                <a:solidFill>
-                  <a:schemeClr val="tx1"/>
-                </a:solidFill>
-                <a:latin typeface="+mn-lt"/>
-                <a:ea typeface="+mn-ea"/>
-                <a:cs typeface="+mn-cs"/>
-              </a:rPr>
-              <a:t> </a:t>
-            </a:r>
-            <a:r>
-              <a:rPr lang="en-US" altLang="zh-CN" sz="1200" kern="1200" dirty="0" smtClean="0">
-                <a:solidFill>
-                  <a:schemeClr val="tx1"/>
-                </a:solidFill>
-                <a:latin typeface="+mn-lt"/>
-                <a:ea typeface="+mn-ea"/>
-                <a:cs typeface="+mn-cs"/>
-              </a:rPr>
-              <a:t>that</a:t>
-            </a:r>
-            <a:r>
-              <a:rPr lang="zh-CN" altLang="en-US" sz="1200" kern="1200" dirty="0" smtClean="0">
-                <a:solidFill>
-                  <a:schemeClr val="tx1"/>
-                </a:solidFill>
-                <a:latin typeface="+mn-lt"/>
-                <a:ea typeface="+mn-ea"/>
-                <a:cs typeface="+mn-cs"/>
-              </a:rPr>
-              <a:t> </a:t>
-            </a:r>
-            <a:r>
-              <a:rPr lang="en-US" altLang="zh-CN" sz="1200" kern="1200" dirty="0" smtClean="0">
-                <a:solidFill>
-                  <a:schemeClr val="tx1"/>
-                </a:solidFill>
-                <a:latin typeface="+mn-lt"/>
-                <a:ea typeface="+mn-ea"/>
-                <a:cs typeface="+mn-cs"/>
-              </a:rPr>
-              <a:t>support</a:t>
-            </a:r>
-            <a:r>
-              <a:rPr lang="zh-CN" altLang="en-US" sz="1200" kern="1200" dirty="0" smtClean="0">
-                <a:solidFill>
-                  <a:schemeClr val="tx1"/>
-                </a:solidFill>
-                <a:latin typeface="+mn-lt"/>
-                <a:ea typeface="+mn-ea"/>
-                <a:cs typeface="+mn-cs"/>
-              </a:rPr>
-              <a:t> </a:t>
-            </a:r>
-            <a:r>
-              <a:rPr lang="en-US" altLang="zh-CN" sz="1200" kern="1200" dirty="0" smtClean="0">
-                <a:solidFill>
-                  <a:schemeClr val="tx1"/>
-                </a:solidFill>
-                <a:latin typeface="+mn-lt"/>
-                <a:ea typeface="+mn-ea"/>
-                <a:cs typeface="+mn-cs"/>
-              </a:rPr>
-              <a:t>ensemble</a:t>
-            </a:r>
-            <a:r>
-              <a:rPr lang="zh-CN" altLang="en-US" sz="1200" kern="1200" dirty="0" smtClean="0">
-                <a:solidFill>
-                  <a:schemeClr val="tx1"/>
-                </a:solidFill>
-                <a:latin typeface="+mn-lt"/>
-                <a:ea typeface="+mn-ea"/>
-                <a:cs typeface="+mn-cs"/>
-              </a:rPr>
-              <a:t> </a:t>
-            </a:r>
-            <a:r>
-              <a:rPr lang="en-US" altLang="zh-CN" sz="1200" kern="1200" dirty="0" smtClean="0">
-                <a:solidFill>
-                  <a:schemeClr val="tx1"/>
-                </a:solidFill>
-                <a:latin typeface="+mn-lt"/>
-                <a:ea typeface="+mn-ea"/>
-                <a:cs typeface="+mn-cs"/>
-              </a:rPr>
-              <a:t>learning.</a:t>
-            </a:r>
             <a:endParaRPr lang="en-US" dirty="0"/>
           </a:p>
         </p:txBody>
@@ -1143,7 +840,7 @@
               <a:defRPr/>
             </a:pPr>
             <a:r>
-              <a:rPr lang="en-US" sz="1200" b="1" kern="1200" dirty="0" smtClean="0">
+              <a:rPr lang="en-US" sz="1200" b="1" kern="1200" dirty="0">
                 <a:solidFill>
                   <a:schemeClr val="tx1"/>
                 </a:solidFill>
@@ -1155,7 +852,7 @@
               <a:t>Ensemble learning </a:t>
             </a:r>
             <a:r>
-              <a:rPr lang="en-US" sz="1200" kern="1200" dirty="0" smtClean="0">
+              <a:rPr lang="en-US" sz="1200" kern="1200" dirty="0">
                 <a:solidFill>
                   <a:schemeClr val="tx1"/>
                 </a:solidFill>
@@ -1167,7 +864,7 @@
               <a:t>is the process by which multiple models, such as classifiers or experts, are strategically generated and combined to solve a particular </a:t>
             </a:r>
             <a:r>
-              <a:rPr lang="en-US" sz="1200" u="sng" kern="1200" dirty="0" smtClean="0">
+              <a:rPr lang="en-US" sz="1200" u="sng" kern="1200" dirty="0">
                 <a:solidFill>
                   <a:schemeClr val="tx1"/>
                 </a:solidFill>
@@ -1180,7 +877,7 @@
               <a:t>computational intelligence</a:t>
             </a:r>
             <a:r>
-              <a:rPr lang="en-US" sz="1200" kern="1200" dirty="0" smtClean="0">
+              <a:rPr lang="en-US" sz="1200" kern="1200" dirty="0">
                 <a:solidFill>
                   <a:schemeClr val="tx1"/>
                 </a:solidFill>
@@ -1192,7 +889,7 @@
               <a:t> problem. For example, it can be used</a:t>
             </a:r>
             <a:r>
-              <a:rPr lang="en-US" sz="1200" kern="1200" baseline="0" dirty="0" smtClean="0">
+              <a:rPr lang="en-US" sz="1200" kern="1200" baseline="0" dirty="0">
                 <a:solidFill>
                   <a:schemeClr val="tx1"/>
                 </a:solidFill>
@@ -1204,7 +901,7 @@
               <a:t> </a:t>
             </a:r>
             <a:r>
-              <a:rPr lang="en-US" sz="1200" kern="1200" dirty="0" smtClean="0">
+              <a:rPr lang="en-US" sz="1200" kern="1200" dirty="0">
                 <a:solidFill>
                   <a:schemeClr val="tx1"/>
                 </a:solidFill>
@@ -1245,7 +942,7 @@
     </p:spTree>
     <p:extLst>
       <p:ext uri="{BB962C8B-B14F-4D97-AF65-F5344CB8AC3E}">
-        <p14:creationId xmlns:p14="http://schemas.microsoft.com/office/powerpoint/2010/main" val="435560812"/>
+        <p14:creationId xmlns:p14="http://schemas.microsoft.com/office/powerpoint/2010/main" val="1184190222"/>
       </p:ext>
     </p:extLst>
   </p:cSld>
@@ -1317,7 +1014,7 @@
               <a:defRPr/>
             </a:pPr>
             <a:r>
-              <a:rPr lang="en-US" sz="1200" b="1" kern="1200" dirty="0" smtClean="0">
+              <a:rPr lang="en-US" sz="1200" b="1" kern="1200" dirty="0">
                 <a:solidFill>
                   <a:schemeClr val="tx1"/>
                 </a:solidFill>
@@ -1329,7 +1026,7 @@
               <a:t>Ensemble learning </a:t>
             </a:r>
             <a:r>
-              <a:rPr lang="en-US" sz="1200" kern="1200" dirty="0" smtClean="0">
+              <a:rPr lang="en-US" sz="1200" kern="1200" dirty="0">
                 <a:solidFill>
                   <a:schemeClr val="tx1"/>
                 </a:solidFill>
@@ -1341,7 +1038,7 @@
               <a:t>is the process by which multiple models, such as classifiers or experts, are strategically generated and combined to solve a particular </a:t>
             </a:r>
             <a:r>
-              <a:rPr lang="en-US" sz="1200" u="sng" kern="1200" dirty="0" smtClean="0">
+              <a:rPr lang="en-US" sz="1200" u="sng" kern="1200" dirty="0">
                 <a:solidFill>
                   <a:schemeClr val="tx1"/>
                 </a:solidFill>
@@ -1354,7 +1051,7 @@
               <a:t>computational intelligence</a:t>
             </a:r>
             <a:r>
-              <a:rPr lang="en-US" sz="1200" kern="1200" dirty="0" smtClean="0">
+              <a:rPr lang="en-US" sz="1200" kern="1200" dirty="0">
                 <a:solidFill>
                   <a:schemeClr val="tx1"/>
                 </a:solidFill>
@@ -1366,7 +1063,7 @@
               <a:t> problem. For example, it can be used</a:t>
             </a:r>
             <a:r>
-              <a:rPr lang="en-US" sz="1200" kern="1200" baseline="0" dirty="0" smtClean="0">
+              <a:rPr lang="en-US" sz="1200" kern="1200" baseline="0" dirty="0">
                 <a:solidFill>
                   <a:schemeClr val="tx1"/>
                 </a:solidFill>
@@ -1378,7 +1075,7 @@
               <a:t> </a:t>
             </a:r>
             <a:r>
-              <a:rPr lang="en-US" sz="1200" kern="1200" dirty="0" smtClean="0">
+              <a:rPr lang="en-US" sz="1200" kern="1200" dirty="0">
                 <a:solidFill>
                   <a:schemeClr val="tx1"/>
                 </a:solidFill>
@@ -1419,7 +1116,7 @@
     </p:spTree>
     <p:extLst>
       <p:ext uri="{BB962C8B-B14F-4D97-AF65-F5344CB8AC3E}">
-        <p14:creationId xmlns:p14="http://schemas.microsoft.com/office/powerpoint/2010/main" val="2920361425"/>
+        <p14:creationId xmlns:p14="http://schemas.microsoft.com/office/powerpoint/2010/main" val="3408929225"/>
       </p:ext>
     </p:extLst>
   </p:cSld>
@@ -1491,7 +1188,7 @@
               <a:defRPr/>
             </a:pPr>
             <a:r>
-              <a:rPr lang="en-US" sz="1200" b="1" kern="1200" dirty="0" smtClean="0">
+              <a:rPr lang="en-US" sz="1200" b="1" kern="1200" dirty="0">
                 <a:solidFill>
                   <a:schemeClr val="tx1"/>
                 </a:solidFill>
@@ -1503,7 +1200,7 @@
               <a:t>Ensemble learning </a:t>
             </a:r>
             <a:r>
-              <a:rPr lang="en-US" sz="1200" kern="1200" dirty="0" smtClean="0">
+              <a:rPr lang="en-US" sz="1200" kern="1200" dirty="0">
                 <a:solidFill>
                   <a:schemeClr val="tx1"/>
                 </a:solidFill>
@@ -1515,7 +1212,7 @@
               <a:t>is the process by which multiple models, such as classifiers or experts, are strategically generated and combined to solve a particular </a:t>
             </a:r>
             <a:r>
-              <a:rPr lang="en-US" sz="1200" u="sng" kern="1200" dirty="0" smtClean="0">
+              <a:rPr lang="en-US" sz="1200" u="sng" kern="1200" dirty="0">
                 <a:solidFill>
                   <a:schemeClr val="tx1"/>
                 </a:solidFill>
@@ -1528,7 +1225,7 @@
               <a:t>computational intelligence</a:t>
             </a:r>
             <a:r>
-              <a:rPr lang="en-US" sz="1200" kern="1200" dirty="0" smtClean="0">
+              <a:rPr lang="en-US" sz="1200" kern="1200" dirty="0">
                 <a:solidFill>
                   <a:schemeClr val="tx1"/>
                 </a:solidFill>
@@ -1540,7 +1237,7 @@
               <a:t> problem. For example, it can be used</a:t>
             </a:r>
             <a:r>
-              <a:rPr lang="en-US" sz="1200" kern="1200" baseline="0" dirty="0" smtClean="0">
+              <a:rPr lang="en-US" sz="1200" kern="1200" baseline="0" dirty="0">
                 <a:solidFill>
                   <a:schemeClr val="tx1"/>
                 </a:solidFill>
@@ -1552,7 +1249,7 @@
               <a:t> </a:t>
             </a:r>
             <a:r>
-              <a:rPr lang="en-US" sz="1200" kern="1200" dirty="0" smtClean="0">
+              <a:rPr lang="en-US" sz="1200" kern="1200" dirty="0">
                 <a:solidFill>
                   <a:schemeClr val="tx1"/>
                 </a:solidFill>
@@ -1593,7 +1290,7 @@
     </p:spTree>
     <p:extLst>
       <p:ext uri="{BB962C8B-B14F-4D97-AF65-F5344CB8AC3E}">
-        <p14:creationId xmlns:p14="http://schemas.microsoft.com/office/powerpoint/2010/main" val="44456469"/>
+        <p14:creationId xmlns:p14="http://schemas.microsoft.com/office/powerpoint/2010/main" val="3465811411"/>
       </p:ext>
     </p:extLst>
   </p:cSld>
@@ -1665,7 +1362,7 @@
               <a:defRPr/>
             </a:pPr>
             <a:r>
-              <a:rPr lang="en-US" sz="1200" b="1" kern="1200" dirty="0" smtClean="0">
+              <a:rPr lang="en-US" sz="1200" b="1" kern="1200" dirty="0">
                 <a:solidFill>
                   <a:schemeClr val="tx1"/>
                 </a:solidFill>
@@ -1677,7 +1374,7 @@
               <a:t>Ensemble learning </a:t>
             </a:r>
             <a:r>
-              <a:rPr lang="en-US" sz="1200" kern="1200" dirty="0" smtClean="0">
+              <a:rPr lang="en-US" sz="1200" kern="1200" dirty="0">
                 <a:solidFill>
                   <a:schemeClr val="tx1"/>
                 </a:solidFill>
@@ -1689,7 +1386,7 @@
               <a:t>is the process by which multiple models, such as classifiers or experts, are strategically generated and combined to solve a particular </a:t>
             </a:r>
             <a:r>
-              <a:rPr lang="en-US" sz="1200" u="sng" kern="1200" dirty="0" smtClean="0">
+              <a:rPr lang="en-US" sz="1200" u="sng" kern="1200" dirty="0">
                 <a:solidFill>
                   <a:schemeClr val="tx1"/>
                 </a:solidFill>
@@ -1702,7 +1399,7 @@
               <a:t>computational intelligence</a:t>
             </a:r>
             <a:r>
-              <a:rPr lang="en-US" sz="1200" kern="1200" dirty="0" smtClean="0">
+              <a:rPr lang="en-US" sz="1200" kern="1200" dirty="0">
                 <a:solidFill>
                   <a:schemeClr val="tx1"/>
                 </a:solidFill>
@@ -1714,7 +1411,7 @@
               <a:t> problem. For example, it can be used</a:t>
             </a:r>
             <a:r>
-              <a:rPr lang="en-US" sz="1200" kern="1200" baseline="0" dirty="0" smtClean="0">
+              <a:rPr lang="en-US" sz="1200" kern="1200" baseline="0" dirty="0">
                 <a:solidFill>
                   <a:schemeClr val="tx1"/>
                 </a:solidFill>
@@ -1726,7 +1423,7 @@
               <a:t> </a:t>
             </a:r>
             <a:r>
-              <a:rPr lang="en-US" sz="1200" kern="1200" dirty="0" smtClean="0">
+              <a:rPr lang="en-US" sz="1200" kern="1200" dirty="0">
                 <a:solidFill>
                   <a:schemeClr val="tx1"/>
                 </a:solidFill>
@@ -1759,6 +1456,400 @@
               <a:rPr lang="en-US" smtClean="0"/>
               <a:pPr/>
               <a:t>13</a:t>
+            </a:fld>
+            <a:endParaRPr lang="en-US"/>
+          </a:p>
+        </p:txBody>
+      </p:sp>
+    </p:spTree>
+    <p:extLst>
+      <p:ext uri="{BB962C8B-B14F-4D97-AF65-F5344CB8AC3E}">
+        <p14:creationId xmlns:p14="http://schemas.microsoft.com/office/powerpoint/2010/main" val="435560812"/>
+      </p:ext>
+    </p:extLst>
+  </p:cSld>
+  <p:clrMapOvr>
+    <a:masterClrMapping/>
+  </p:clrMapOvr>
+</p:notes>
+</file>
+
+<file path=ppt/notesSlides/notesSlide14.xml><?xml version="1.0" encoding="utf-8"?>
+<p:notes xmlns:a="http://schemas.openxmlformats.org/drawingml/2006/main" xmlns:r="http://schemas.openxmlformats.org/officeDocument/2006/relationships" xmlns:p="http://schemas.openxmlformats.org/presentationml/2006/main">
+  <p:cSld>
+    <p:spTree>
+      <p:nvGrpSpPr>
+        <p:cNvPr id="1" name=""/>
+        <p:cNvGrpSpPr/>
+        <p:nvPr/>
+      </p:nvGrpSpPr>
+      <p:grpSpPr>
+        <a:xfrm>
+          <a:off x="0" y="0"/>
+          <a:ext cx="0" cy="0"/>
+          <a:chOff x="0" y="0"/>
+          <a:chExt cx="0" cy="0"/>
+        </a:xfrm>
+      </p:grpSpPr>
+      <p:sp>
+        <p:nvSpPr>
+          <p:cNvPr id="2" name="Slide Image Placeholder 1"/>
+          <p:cNvSpPr>
+            <a:spLocks noGrp="1" noRot="1" noChangeAspect="1"/>
+          </p:cNvSpPr>
+          <p:nvPr>
+            <p:ph type="sldImg"/>
+          </p:nvPr>
+        </p:nvSpPr>
+        <p:spPr/>
+      </p:sp>
+      <p:sp>
+        <p:nvSpPr>
+          <p:cNvPr id="3" name="Notes Placeholder 2"/>
+          <p:cNvSpPr>
+            <a:spLocks noGrp="1"/>
+          </p:cNvSpPr>
+          <p:nvPr>
+            <p:ph type="body" idx="1"/>
+          </p:nvPr>
+        </p:nvSpPr>
+        <p:spPr/>
+        <p:txBody>
+          <a:bodyPr/>
+          <a:lstStyle/>
+          <a:p>
+            <a:pPr marL="0" marR="0" indent="0" algn="l" defTabSz="914400" rtl="0" eaLnBrk="1" fontAlgn="auto" latinLnBrk="0" hangingPunct="1">
+              <a:lnSpc>
+                <a:spcPct val="100000"/>
+              </a:lnSpc>
+              <a:spcBef>
+                <a:spcPts val="0"/>
+              </a:spcBef>
+              <a:spcAft>
+                <a:spcPts val="0"/>
+              </a:spcAft>
+              <a:buClrTx/>
+              <a:buSzTx/>
+              <a:buFontTx/>
+              <a:buNone/>
+              <a:tabLst/>
+              <a:defRPr/>
+            </a:pPr>
+            <a:endParaRPr lang="en-US" sz="1200" kern="1200" dirty="0">
+              <a:solidFill>
+                <a:schemeClr val="tx1"/>
+              </a:solidFill>
+              <a:effectLst/>
+              <a:latin typeface="+mn-lt"/>
+              <a:ea typeface="+mn-ea"/>
+              <a:cs typeface="+mn-cs"/>
+            </a:endParaRPr>
+          </a:p>
+        </p:txBody>
+      </p:sp>
+      <p:sp>
+        <p:nvSpPr>
+          <p:cNvPr id="4" name="Slide Number Placeholder 3"/>
+          <p:cNvSpPr>
+            <a:spLocks noGrp="1"/>
+          </p:cNvSpPr>
+          <p:nvPr>
+            <p:ph type="sldNum" sz="quarter" idx="10"/>
+          </p:nvPr>
+        </p:nvSpPr>
+        <p:spPr/>
+        <p:txBody>
+          <a:bodyPr/>
+          <a:lstStyle/>
+          <a:p>
+            <a:fld id="{78E4A049-8685-4352-9DC2-828F08FD542B}" type="slidenum">
+              <a:rPr lang="en-US" smtClean="0"/>
+              <a:pPr/>
+              <a:t>14</a:t>
+            </a:fld>
+            <a:endParaRPr lang="en-US"/>
+          </a:p>
+        </p:txBody>
+      </p:sp>
+    </p:spTree>
+    <p:extLst>
+      <p:ext uri="{BB962C8B-B14F-4D97-AF65-F5344CB8AC3E}">
+        <p14:creationId xmlns:p14="http://schemas.microsoft.com/office/powerpoint/2010/main" val="2920361425"/>
+      </p:ext>
+    </p:extLst>
+  </p:cSld>
+  <p:clrMapOvr>
+    <a:masterClrMapping/>
+  </p:clrMapOvr>
+</p:notes>
+</file>
+
+<file path=ppt/notesSlides/notesSlide15.xml><?xml version="1.0" encoding="utf-8"?>
+<p:notes xmlns:a="http://schemas.openxmlformats.org/drawingml/2006/main" xmlns:r="http://schemas.openxmlformats.org/officeDocument/2006/relationships" xmlns:p="http://schemas.openxmlformats.org/presentationml/2006/main">
+  <p:cSld>
+    <p:spTree>
+      <p:nvGrpSpPr>
+        <p:cNvPr id="1" name=""/>
+        <p:cNvGrpSpPr/>
+        <p:nvPr/>
+      </p:nvGrpSpPr>
+      <p:grpSpPr>
+        <a:xfrm>
+          <a:off x="0" y="0"/>
+          <a:ext cx="0" cy="0"/>
+          <a:chOff x="0" y="0"/>
+          <a:chExt cx="0" cy="0"/>
+        </a:xfrm>
+      </p:grpSpPr>
+      <p:sp>
+        <p:nvSpPr>
+          <p:cNvPr id="2" name="Slide Image Placeholder 1"/>
+          <p:cNvSpPr>
+            <a:spLocks noGrp="1" noRot="1" noChangeAspect="1"/>
+          </p:cNvSpPr>
+          <p:nvPr>
+            <p:ph type="sldImg"/>
+          </p:nvPr>
+        </p:nvSpPr>
+        <p:spPr/>
+      </p:sp>
+      <p:sp>
+        <p:nvSpPr>
+          <p:cNvPr id="3" name="Notes Placeholder 2"/>
+          <p:cNvSpPr>
+            <a:spLocks noGrp="1"/>
+          </p:cNvSpPr>
+          <p:nvPr>
+            <p:ph type="body" idx="1"/>
+          </p:nvPr>
+        </p:nvSpPr>
+        <p:spPr/>
+        <p:txBody>
+          <a:bodyPr/>
+          <a:lstStyle/>
+          <a:p>
+            <a:pPr marL="0" marR="0" indent="0" algn="l" defTabSz="914400" rtl="0" eaLnBrk="1" fontAlgn="auto" latinLnBrk="0" hangingPunct="1">
+              <a:lnSpc>
+                <a:spcPct val="100000"/>
+              </a:lnSpc>
+              <a:spcBef>
+                <a:spcPts val="0"/>
+              </a:spcBef>
+              <a:spcAft>
+                <a:spcPts val="0"/>
+              </a:spcAft>
+              <a:buClrTx/>
+              <a:buSzTx/>
+              <a:buFontTx/>
+              <a:buNone/>
+              <a:tabLst/>
+              <a:defRPr/>
+            </a:pPr>
+            <a:endParaRPr lang="en-US" sz="1200" kern="1200" dirty="0">
+              <a:solidFill>
+                <a:schemeClr val="tx1"/>
+              </a:solidFill>
+              <a:effectLst/>
+              <a:latin typeface="+mn-lt"/>
+              <a:ea typeface="+mn-ea"/>
+              <a:cs typeface="+mn-cs"/>
+            </a:endParaRPr>
+          </a:p>
+        </p:txBody>
+      </p:sp>
+      <p:sp>
+        <p:nvSpPr>
+          <p:cNvPr id="4" name="Slide Number Placeholder 3"/>
+          <p:cNvSpPr>
+            <a:spLocks noGrp="1"/>
+          </p:cNvSpPr>
+          <p:nvPr>
+            <p:ph type="sldNum" sz="quarter" idx="10"/>
+          </p:nvPr>
+        </p:nvSpPr>
+        <p:spPr/>
+        <p:txBody>
+          <a:bodyPr/>
+          <a:lstStyle/>
+          <a:p>
+            <a:fld id="{78E4A049-8685-4352-9DC2-828F08FD542B}" type="slidenum">
+              <a:rPr lang="en-US" smtClean="0"/>
+              <a:pPr/>
+              <a:t>15</a:t>
+            </a:fld>
+            <a:endParaRPr lang="en-US"/>
+          </a:p>
+        </p:txBody>
+      </p:sp>
+    </p:spTree>
+    <p:extLst>
+      <p:ext uri="{BB962C8B-B14F-4D97-AF65-F5344CB8AC3E}">
+        <p14:creationId xmlns:p14="http://schemas.microsoft.com/office/powerpoint/2010/main" val="44456469"/>
+      </p:ext>
+    </p:extLst>
+  </p:cSld>
+  <p:clrMapOvr>
+    <a:masterClrMapping/>
+  </p:clrMapOvr>
+</p:notes>
+</file>
+
+<file path=ppt/notesSlides/notesSlide16.xml><?xml version="1.0" encoding="utf-8"?>
+<p:notes xmlns:a="http://schemas.openxmlformats.org/drawingml/2006/main" xmlns:r="http://schemas.openxmlformats.org/officeDocument/2006/relationships" xmlns:p="http://schemas.openxmlformats.org/presentationml/2006/main">
+  <p:cSld>
+    <p:spTree>
+      <p:nvGrpSpPr>
+        <p:cNvPr id="1" name=""/>
+        <p:cNvGrpSpPr/>
+        <p:nvPr/>
+      </p:nvGrpSpPr>
+      <p:grpSpPr>
+        <a:xfrm>
+          <a:off x="0" y="0"/>
+          <a:ext cx="0" cy="0"/>
+          <a:chOff x="0" y="0"/>
+          <a:chExt cx="0" cy="0"/>
+        </a:xfrm>
+      </p:grpSpPr>
+      <p:sp>
+        <p:nvSpPr>
+          <p:cNvPr id="2" name="Slide Image Placeholder 1"/>
+          <p:cNvSpPr>
+            <a:spLocks noGrp="1" noRot="1" noChangeAspect="1"/>
+          </p:cNvSpPr>
+          <p:nvPr>
+            <p:ph type="sldImg"/>
+          </p:nvPr>
+        </p:nvSpPr>
+        <p:spPr/>
+      </p:sp>
+      <p:sp>
+        <p:nvSpPr>
+          <p:cNvPr id="3" name="Notes Placeholder 2"/>
+          <p:cNvSpPr>
+            <a:spLocks noGrp="1"/>
+          </p:cNvSpPr>
+          <p:nvPr>
+            <p:ph type="body" idx="1"/>
+          </p:nvPr>
+        </p:nvSpPr>
+        <p:spPr/>
+        <p:txBody>
+          <a:bodyPr/>
+          <a:lstStyle/>
+          <a:p>
+            <a:pPr marL="0" marR="0" indent="0" algn="l" defTabSz="914400" rtl="0" eaLnBrk="1" fontAlgn="auto" latinLnBrk="0" hangingPunct="1">
+              <a:lnSpc>
+                <a:spcPct val="100000"/>
+              </a:lnSpc>
+              <a:spcBef>
+                <a:spcPts val="0"/>
+              </a:spcBef>
+              <a:spcAft>
+                <a:spcPts val="0"/>
+              </a:spcAft>
+              <a:buClrTx/>
+              <a:buSzTx/>
+              <a:buFontTx/>
+              <a:buNone/>
+              <a:tabLst/>
+              <a:defRPr/>
+            </a:pPr>
+            <a:r>
+              <a:rPr lang="en-US" sz="1200" b="1" kern="1200" dirty="0">
+                <a:solidFill>
+                  <a:schemeClr val="tx1"/>
+                </a:solidFill>
+                <a:effectLst/>
+                <a:latin typeface="+mn-lt"/>
+                <a:ea typeface="+mn-ea"/>
+                <a:cs typeface="+mn-cs"/>
+              </a:rPr>
+              <a:t>Ensemble learning </a:t>
+            </a:r>
+            <a:r>
+              <a:rPr lang="en-US" sz="1200" kern="1200" dirty="0">
+                <a:solidFill>
+                  <a:schemeClr val="tx1"/>
+                </a:solidFill>
+                <a:effectLst/>
+                <a:latin typeface="+mn-lt"/>
+                <a:ea typeface="+mn-ea"/>
+                <a:cs typeface="+mn-cs"/>
+              </a:rPr>
+              <a:t>is the process by which multiple models, such as classifiers or experts, are strategically generated and combined to solve a particular </a:t>
+            </a:r>
+            <a:r>
+              <a:rPr lang="en-US" sz="1200" u="sng" kern="1200" dirty="0">
+                <a:solidFill>
+                  <a:schemeClr val="tx1"/>
+                </a:solidFill>
+                <a:effectLst/>
+                <a:latin typeface="+mn-lt"/>
+                <a:ea typeface="+mn-ea"/>
+                <a:cs typeface="+mn-cs"/>
+                <a:hlinkClick r:id="rId3" tooltip="Computational intelligence"/>
+              </a:rPr>
+              <a:t>computational intelligence</a:t>
+            </a:r>
+            <a:r>
+              <a:rPr lang="en-US" sz="1200" kern="1200" dirty="0">
+                <a:solidFill>
+                  <a:schemeClr val="tx1"/>
+                </a:solidFill>
+                <a:effectLst/>
+                <a:latin typeface="+mn-lt"/>
+                <a:ea typeface="+mn-ea"/>
+                <a:cs typeface="+mn-cs"/>
+              </a:rPr>
+              <a:t> problem. For example, it can be used</a:t>
+            </a:r>
+            <a:r>
+              <a:rPr lang="en-US" sz="1200" kern="1200" baseline="0" dirty="0">
+                <a:solidFill>
+                  <a:schemeClr val="tx1"/>
+                </a:solidFill>
+                <a:effectLst/>
+                <a:latin typeface="+mn-lt"/>
+                <a:ea typeface="+mn-ea"/>
+                <a:cs typeface="+mn-cs"/>
+              </a:rPr>
+              <a:t> </a:t>
+            </a:r>
+            <a:r>
+              <a:rPr lang="en-US" sz="1200" kern="1200" dirty="0">
+                <a:solidFill>
+                  <a:schemeClr val="tx1"/>
+                </a:solidFill>
+                <a:effectLst/>
+                <a:latin typeface="+mn-lt"/>
+                <a:ea typeface="+mn-ea"/>
+                <a:cs typeface="+mn-cs"/>
+              </a:rPr>
+              <a:t>for text mining, recommendation system, etc. Ensemble learning is primarily used to improve the (classification, prediction, function approximation, etc.) performance of a model, or reduce the likelihood of an unfortunate selection of a poor one. </a:t>
+            </a:r>
+          </a:p>
+        </p:txBody>
+      </p:sp>
+      <p:sp>
+        <p:nvSpPr>
+          <p:cNvPr id="4" name="Slide Number Placeholder 3"/>
+          <p:cNvSpPr>
+            <a:spLocks noGrp="1"/>
+          </p:cNvSpPr>
+          <p:nvPr>
+            <p:ph type="sldNum" sz="quarter" idx="10"/>
+          </p:nvPr>
+        </p:nvSpPr>
+        <p:spPr/>
+        <p:txBody>
+          <a:bodyPr/>
+          <a:lstStyle/>
+          <a:p>
+            <a:fld id="{78E4A049-8685-4352-9DC2-828F08FD542B}" type="slidenum">
+              <a:rPr lang="en-US" smtClean="0"/>
+              <a:pPr/>
+              <a:t>16</a:t>
             </a:fld>
             <a:endParaRPr lang="en-US"/>
           </a:p>
@@ -1839,7 +1930,7 @@
               <a:defRPr/>
             </a:pPr>
             <a:r>
-              <a:rPr lang="en-US" sz="1200" b="1" kern="1200" dirty="0" smtClean="0">
+              <a:rPr lang="en-US" sz="1200" kern="1200" dirty="0">
                 <a:solidFill>
                   <a:schemeClr val="tx1"/>
                 </a:solidFill>
@@ -1848,68 +1939,7 @@
                 <a:ea typeface="+mn-ea"/>
                 <a:cs typeface="+mn-cs"/>
               </a:rPr>
-              <a:t>Ensemble learning </a:t>
-            </a:r>
-            <a:r>
-              <a:rPr lang="en-US" sz="1200" kern="1200" dirty="0" smtClean="0">
-                <a:solidFill>
-                  <a:schemeClr val="tx1"/>
-                </a:solidFill>
-                <a:effectLst/>
-                <a:latin typeface="+mn-lt"/>
-                <a:ea typeface="+mn-ea"/>
-                <a:cs typeface="+mn-cs"/>
-              </a:rPr>
-              <a:t>is the process by which multiple models, such as classifiers or experts, are strategically generated and combined to solve a particular </a:t>
-            </a:r>
-            <a:r>
-              <a:rPr lang="en-US" sz="1200" u="sng" kern="1200" dirty="0" smtClean="0">
-                <a:solidFill>
-                  <a:schemeClr val="tx1"/>
-                </a:solidFill>
-                <a:effectLst/>
-                <a:latin typeface="+mn-lt"/>
-                <a:ea typeface="+mn-ea"/>
-                <a:cs typeface="+mn-cs"/>
-                <a:hlinkClick r:id="rId3" tooltip="Computational intelligence"/>
-              </a:rPr>
-              <a:t>computational intelligence</a:t>
-            </a:r>
-            <a:r>
-              <a:rPr lang="en-US" sz="1200" kern="1200" dirty="0" smtClean="0">
-                <a:solidFill>
-                  <a:schemeClr val="tx1"/>
-                </a:solidFill>
-                <a:effectLst/>
-                <a:latin typeface="+mn-lt"/>
-                <a:ea typeface="+mn-ea"/>
-                <a:cs typeface="+mn-cs"/>
-              </a:rPr>
-              <a:t> problem. For example, it can be used</a:t>
-            </a:r>
-            <a:r>
-              <a:rPr lang="en-US" sz="1200" kern="1200" baseline="0" dirty="0" smtClean="0">
-                <a:solidFill>
-                  <a:schemeClr val="tx1"/>
-                </a:solidFill>
-                <a:effectLst/>
-                <a:latin typeface="+mn-lt"/>
-                <a:ea typeface="+mn-ea"/>
-                <a:cs typeface="+mn-cs"/>
-              </a:rPr>
-              <a:t> </a:t>
-            </a:r>
-            <a:r>
-              <a:rPr lang="en-US" sz="1200" kern="1200" dirty="0" smtClean="0">
-                <a:solidFill>
-                  <a:schemeClr val="tx1"/>
-                </a:solidFill>
-                <a:effectLst/>
-                <a:latin typeface="+mn-lt"/>
-                <a:ea typeface="+mn-ea"/>
-                <a:cs typeface="+mn-cs"/>
-              </a:rPr>
-              <a:t>for text mining, recommendation system, etc. Ensemble learning is primarily used to improve the (classification, prediction, function approximation, etc.) performance of a model, or reduce the likelihood of an unfortunate selection of a poor one. </a:t>
+              <a:t> </a:t>
             </a:r>
           </a:p>
         </p:txBody>
@@ -2012,79 +2042,15 @@
               <a:tabLst/>
               <a:defRPr/>
             </a:pPr>
-            <a:r>
-              <a:rPr lang="en-US" sz="1200" b="1" kern="1200" dirty="0" smtClean="0">
-                <a:solidFill>
-                  <a:schemeClr val="tx1"/>
-                </a:solidFill>
-                <a:effectLst/>
-                <a:latin typeface="+mn-lt"/>
-                <a:ea typeface="+mn-ea"/>
-                <a:cs typeface="+mn-cs"/>
-              </a:rPr>
-              <a:t>Ensemble learning </a:t>
-            </a:r>
-            <a:r>
-              <a:rPr lang="en-US" sz="1200" kern="1200" dirty="0" smtClean="0">
-                <a:solidFill>
-                  <a:schemeClr val="tx1"/>
-                </a:solidFill>
-                <a:effectLst/>
-                <a:latin typeface="+mn-lt"/>
-                <a:ea typeface="+mn-ea"/>
-                <a:cs typeface="+mn-cs"/>
-              </a:rPr>
-              <a:t>is the process by which multiple models, such as classifiers or experts, are strategically generated and combined to solve a particular </a:t>
-            </a:r>
-            <a:r>
-              <a:rPr lang="en-US" sz="1200" u="sng" kern="1200" dirty="0" smtClean="0">
-                <a:solidFill>
-                  <a:schemeClr val="tx1"/>
-                </a:solidFill>
-                <a:effectLst/>
-                <a:latin typeface="+mn-lt"/>
-                <a:ea typeface="+mn-ea"/>
-                <a:cs typeface="+mn-cs"/>
-                <a:hlinkClick r:id="rId3" tooltip="Computational intelligence"/>
-              </a:rPr>
-              <a:t>computational intelligence</a:t>
-            </a:r>
-            <a:r>
-              <a:rPr lang="en-US" sz="1200" kern="1200" dirty="0" smtClean="0">
-                <a:solidFill>
-                  <a:schemeClr val="tx1"/>
-                </a:solidFill>
-                <a:effectLst/>
-                <a:latin typeface="+mn-lt"/>
-                <a:ea typeface="+mn-ea"/>
-                <a:cs typeface="+mn-cs"/>
-              </a:rPr>
-              <a:t> problem. For example, it can be used</a:t>
-            </a:r>
-            <a:r>
-              <a:rPr lang="en-US" sz="1200" kern="1200" baseline="0" dirty="0" smtClean="0">
-                <a:solidFill>
-                  <a:schemeClr val="tx1"/>
-                </a:solidFill>
-                <a:effectLst/>
-                <a:latin typeface="+mn-lt"/>
-                <a:ea typeface="+mn-ea"/>
-                <a:cs typeface="+mn-cs"/>
-              </a:rPr>
-              <a:t> </a:t>
-            </a:r>
-            <a:r>
-              <a:rPr lang="en-US" sz="1200" kern="1200" dirty="0" smtClean="0">
-                <a:solidFill>
-                  <a:schemeClr val="tx1"/>
-                </a:solidFill>
-                <a:effectLst/>
-                <a:latin typeface="+mn-lt"/>
-                <a:ea typeface="+mn-ea"/>
-                <a:cs typeface="+mn-cs"/>
-              </a:rPr>
-              <a:t>for text mining, recommendation system, etc. Ensemble learning is primarily used to improve the (classification, prediction, function approximation, etc.) performance of a model, or reduce the likelihood of an unfortunate selection of a poor one. </a:t>
-            </a:r>
+            <a:endParaRPr lang="en-US" sz="1200" kern="1200" dirty="0">
+              <a:solidFill>
+                <a:schemeClr val="tx1"/>
+              </a:solidFill>
+              <a:effectLst/>
+              <a:latin typeface="+mn-lt"/>
+              <a:ea typeface="+mn-ea"/>
+              <a:cs typeface="+mn-cs"/>
+            </a:endParaRPr>
           </a:p>
         </p:txBody>
       </p:sp>
@@ -2186,79 +2152,15 @@
               <a:tabLst/>
               <a:defRPr/>
             </a:pPr>
-            <a:r>
-              <a:rPr lang="en-US" sz="1200" b="1" kern="1200" dirty="0" smtClean="0">
-                <a:solidFill>
-                  <a:schemeClr val="tx1"/>
-                </a:solidFill>
-                <a:effectLst/>
-                <a:latin typeface="+mn-lt"/>
-                <a:ea typeface="+mn-ea"/>
-                <a:cs typeface="+mn-cs"/>
-              </a:rPr>
-              <a:t>Ensemble learning </a:t>
-            </a:r>
-            <a:r>
-              <a:rPr lang="en-US" sz="1200" kern="1200" dirty="0" smtClean="0">
-                <a:solidFill>
-                  <a:schemeClr val="tx1"/>
-                </a:solidFill>
-                <a:effectLst/>
-                <a:latin typeface="+mn-lt"/>
-                <a:ea typeface="+mn-ea"/>
-                <a:cs typeface="+mn-cs"/>
-              </a:rPr>
-              <a:t>is the process by which multiple models, such as classifiers or experts, are strategically generated and combined to solve a particular </a:t>
-            </a:r>
-            <a:r>
-              <a:rPr lang="en-US" sz="1200" u="sng" kern="1200" dirty="0" smtClean="0">
-                <a:solidFill>
-                  <a:schemeClr val="tx1"/>
-                </a:solidFill>
-                <a:effectLst/>
-                <a:latin typeface="+mn-lt"/>
-                <a:ea typeface="+mn-ea"/>
-                <a:cs typeface="+mn-cs"/>
-                <a:hlinkClick r:id="rId3" tooltip="Computational intelligence"/>
-              </a:rPr>
-              <a:t>computational intelligence</a:t>
-            </a:r>
-            <a:r>
-              <a:rPr lang="en-US" sz="1200" kern="1200" dirty="0" smtClean="0">
-                <a:solidFill>
-                  <a:schemeClr val="tx1"/>
-                </a:solidFill>
-                <a:effectLst/>
-                <a:latin typeface="+mn-lt"/>
-                <a:ea typeface="+mn-ea"/>
-                <a:cs typeface="+mn-cs"/>
-              </a:rPr>
-              <a:t> problem. For example, it can be used</a:t>
-            </a:r>
-            <a:r>
-              <a:rPr lang="en-US" sz="1200" kern="1200" baseline="0" dirty="0" smtClean="0">
-                <a:solidFill>
-                  <a:schemeClr val="tx1"/>
-                </a:solidFill>
-                <a:effectLst/>
-                <a:latin typeface="+mn-lt"/>
-                <a:ea typeface="+mn-ea"/>
-                <a:cs typeface="+mn-cs"/>
-              </a:rPr>
-              <a:t> </a:t>
-            </a:r>
-            <a:r>
-              <a:rPr lang="en-US" sz="1200" kern="1200" dirty="0" smtClean="0">
-                <a:solidFill>
-                  <a:schemeClr val="tx1"/>
-                </a:solidFill>
-                <a:effectLst/>
-                <a:latin typeface="+mn-lt"/>
-                <a:ea typeface="+mn-ea"/>
-                <a:cs typeface="+mn-cs"/>
-              </a:rPr>
-              <a:t>for text mining, recommendation system, etc. Ensemble learning is primarily used to improve the (classification, prediction, function approximation, etc.) performance of a model, or reduce the likelihood of an unfortunate selection of a poor one. </a:t>
-            </a:r>
+            <a:endParaRPr lang="en-US" sz="1200" kern="1200" dirty="0">
+              <a:solidFill>
+                <a:schemeClr val="tx1"/>
+              </a:solidFill>
+              <a:effectLst/>
+              <a:latin typeface="+mn-lt"/>
+              <a:ea typeface="+mn-ea"/>
+              <a:cs typeface="+mn-cs"/>
+            </a:endParaRPr>
           </a:p>
         </p:txBody>
       </p:sp>
@@ -2289,7 +2191,7 @@
     </p:spTree>
     <p:extLst>
       <p:ext uri="{BB962C8B-B14F-4D97-AF65-F5344CB8AC3E}">
-        <p14:creationId xmlns:p14="http://schemas.microsoft.com/office/powerpoint/2010/main" val="3173921291"/>
+        <p14:creationId xmlns:p14="http://schemas.microsoft.com/office/powerpoint/2010/main" val="1353352954"/>
       </p:ext>
     </p:extLst>
   </p:cSld>
@@ -2360,79 +2262,15 @@
               <a:tabLst/>
               <a:defRPr/>
             </a:pPr>
-            <a:r>
-              <a:rPr lang="en-US" sz="1200" b="1" kern="1200" dirty="0" smtClean="0">
-                <a:solidFill>
-                  <a:schemeClr val="tx1"/>
-                </a:solidFill>
-                <a:effectLst/>
-                <a:latin typeface="+mn-lt"/>
-                <a:ea typeface="+mn-ea"/>
-                <a:cs typeface="+mn-cs"/>
-              </a:rPr>
-              <a:t>Ensemble learning </a:t>
-            </a:r>
-            <a:r>
-              <a:rPr lang="en-US" sz="1200" kern="1200" dirty="0" smtClean="0">
-                <a:solidFill>
-                  <a:schemeClr val="tx1"/>
-                </a:solidFill>
-                <a:effectLst/>
-                <a:latin typeface="+mn-lt"/>
-                <a:ea typeface="+mn-ea"/>
-                <a:cs typeface="+mn-cs"/>
-              </a:rPr>
-              <a:t>is the process by which multiple models, such as classifiers or experts, are strategically generated and combined to solve a particular </a:t>
-            </a:r>
-            <a:r>
-              <a:rPr lang="en-US" sz="1200" u="sng" kern="1200" dirty="0" smtClean="0">
-                <a:solidFill>
-                  <a:schemeClr val="tx1"/>
-                </a:solidFill>
-                <a:effectLst/>
-                <a:latin typeface="+mn-lt"/>
-                <a:ea typeface="+mn-ea"/>
-                <a:cs typeface="+mn-cs"/>
-                <a:hlinkClick r:id="rId3" tooltip="Computational intelligence"/>
-              </a:rPr>
-              <a:t>computational intelligence</a:t>
-            </a:r>
-            <a:r>
-              <a:rPr lang="en-US" sz="1200" kern="1200" dirty="0" smtClean="0">
-                <a:solidFill>
-                  <a:schemeClr val="tx1"/>
-                </a:solidFill>
-                <a:effectLst/>
-                <a:latin typeface="+mn-lt"/>
-                <a:ea typeface="+mn-ea"/>
-                <a:cs typeface="+mn-cs"/>
-              </a:rPr>
-              <a:t> problem. For example, it can be used</a:t>
-            </a:r>
-            <a:r>
-              <a:rPr lang="en-US" sz="1200" kern="1200" baseline="0" dirty="0" smtClean="0">
-                <a:solidFill>
-                  <a:schemeClr val="tx1"/>
-                </a:solidFill>
-                <a:effectLst/>
-                <a:latin typeface="+mn-lt"/>
-                <a:ea typeface="+mn-ea"/>
-                <a:cs typeface="+mn-cs"/>
-              </a:rPr>
-              <a:t> </a:t>
-            </a:r>
-            <a:r>
-              <a:rPr lang="en-US" sz="1200" kern="1200" dirty="0" smtClean="0">
-                <a:solidFill>
-                  <a:schemeClr val="tx1"/>
-                </a:solidFill>
-                <a:effectLst/>
-                <a:latin typeface="+mn-lt"/>
-                <a:ea typeface="+mn-ea"/>
-                <a:cs typeface="+mn-cs"/>
-              </a:rPr>
-              <a:t>for text mining, recommendation system, etc. Ensemble learning is primarily used to improve the (classification, prediction, function approximation, etc.) performance of a model, or reduce the likelihood of an unfortunate selection of a poor one. </a:t>
-            </a:r>
+            <a:endParaRPr lang="en-US" sz="1200" kern="1200" dirty="0">
+              <a:solidFill>
+                <a:schemeClr val="tx1"/>
+              </a:solidFill>
+              <a:effectLst/>
+              <a:latin typeface="+mn-lt"/>
+              <a:ea typeface="+mn-ea"/>
+              <a:cs typeface="+mn-cs"/>
+            </a:endParaRPr>
           </a:p>
         </p:txBody>
       </p:sp>
@@ -2463,7 +2301,7 @@
     </p:spTree>
     <p:extLst>
       <p:ext uri="{BB962C8B-B14F-4D97-AF65-F5344CB8AC3E}">
-        <p14:creationId xmlns:p14="http://schemas.microsoft.com/office/powerpoint/2010/main" val="3187563131"/>
+        <p14:creationId xmlns:p14="http://schemas.microsoft.com/office/powerpoint/2010/main" val="4034647510"/>
       </p:ext>
     </p:extLst>
   </p:cSld>
@@ -2534,79 +2372,15 @@
               <a:tabLst/>
               <a:defRPr/>
             </a:pPr>
-            <a:r>
-              <a:rPr lang="en-US" sz="1200" b="1" kern="1200" dirty="0" smtClean="0">
-                <a:solidFill>
-                  <a:schemeClr val="tx1"/>
-                </a:solidFill>
-                <a:effectLst/>
-                <a:latin typeface="+mn-lt"/>
-                <a:ea typeface="+mn-ea"/>
-                <a:cs typeface="+mn-cs"/>
-              </a:rPr>
-              <a:t>Ensemble learning </a:t>
-            </a:r>
-            <a:r>
-              <a:rPr lang="en-US" sz="1200" kern="1200" dirty="0" smtClean="0">
-                <a:solidFill>
-                  <a:schemeClr val="tx1"/>
-                </a:solidFill>
-                <a:effectLst/>
-                <a:latin typeface="+mn-lt"/>
-                <a:ea typeface="+mn-ea"/>
-                <a:cs typeface="+mn-cs"/>
-              </a:rPr>
-              <a:t>is the process by which multiple models, such as classifiers or experts, are strategically generated and combined to solve a particular </a:t>
-            </a:r>
-            <a:r>
-              <a:rPr lang="en-US" sz="1200" u="sng" kern="1200" dirty="0" smtClean="0">
-                <a:solidFill>
-                  <a:schemeClr val="tx1"/>
-                </a:solidFill>
-                <a:effectLst/>
-                <a:latin typeface="+mn-lt"/>
-                <a:ea typeface="+mn-ea"/>
-                <a:cs typeface="+mn-cs"/>
-                <a:hlinkClick r:id="rId3" tooltip="Computational intelligence"/>
-              </a:rPr>
-              <a:t>computational intelligence</a:t>
-            </a:r>
-            <a:r>
-              <a:rPr lang="en-US" sz="1200" kern="1200" dirty="0" smtClean="0">
-                <a:solidFill>
-                  <a:schemeClr val="tx1"/>
-                </a:solidFill>
-                <a:effectLst/>
-                <a:latin typeface="+mn-lt"/>
-                <a:ea typeface="+mn-ea"/>
-                <a:cs typeface="+mn-cs"/>
-              </a:rPr>
-              <a:t> problem. For example, it can be used</a:t>
-            </a:r>
-            <a:r>
-              <a:rPr lang="en-US" sz="1200" kern="1200" baseline="0" dirty="0" smtClean="0">
-                <a:solidFill>
-                  <a:schemeClr val="tx1"/>
-                </a:solidFill>
-                <a:effectLst/>
-                <a:latin typeface="+mn-lt"/>
-                <a:ea typeface="+mn-ea"/>
-                <a:cs typeface="+mn-cs"/>
-              </a:rPr>
-              <a:t> </a:t>
-            </a:r>
-            <a:r>
-              <a:rPr lang="en-US" sz="1200" kern="1200" dirty="0" smtClean="0">
-                <a:solidFill>
-                  <a:schemeClr val="tx1"/>
-                </a:solidFill>
-                <a:effectLst/>
-                <a:latin typeface="+mn-lt"/>
-                <a:ea typeface="+mn-ea"/>
-                <a:cs typeface="+mn-cs"/>
-              </a:rPr>
-              <a:t>for text mining, recommendation system, etc. Ensemble learning is primarily used to improve the (classification, prediction, function approximation, etc.) performance of a model, or reduce the likelihood of an unfortunate selection of a poor one. </a:t>
-            </a:r>
+            <a:endParaRPr lang="en-US" sz="1200" kern="1200" dirty="0">
+              <a:solidFill>
+                <a:schemeClr val="tx1"/>
+              </a:solidFill>
+              <a:effectLst/>
+              <a:latin typeface="+mn-lt"/>
+              <a:ea typeface="+mn-ea"/>
+              <a:cs typeface="+mn-cs"/>
+            </a:endParaRPr>
           </a:p>
         </p:txBody>
       </p:sp>
@@ -2637,7 +2411,7 @@
     </p:spTree>
     <p:extLst>
       <p:ext uri="{BB962C8B-B14F-4D97-AF65-F5344CB8AC3E}">
-        <p14:creationId xmlns:p14="http://schemas.microsoft.com/office/powerpoint/2010/main" val="140764730"/>
+        <p14:creationId xmlns:p14="http://schemas.microsoft.com/office/powerpoint/2010/main" val="3173921291"/>
       </p:ext>
     </p:extLst>
   </p:cSld>
@@ -2708,79 +2482,15 @@
               <a:tabLst/>
               <a:defRPr/>
             </a:pPr>
-            <a:r>
-              <a:rPr lang="en-US" sz="1200" b="1" kern="1200" dirty="0" smtClean="0">
-                <a:solidFill>
-                  <a:schemeClr val="tx1"/>
-                </a:solidFill>
-                <a:effectLst/>
-                <a:latin typeface="+mn-lt"/>
-                <a:ea typeface="+mn-ea"/>
-                <a:cs typeface="+mn-cs"/>
-              </a:rPr>
-              <a:t>Ensemble learning </a:t>
-            </a:r>
-            <a:r>
-              <a:rPr lang="en-US" sz="1200" kern="1200" dirty="0" smtClean="0">
-                <a:solidFill>
-                  <a:schemeClr val="tx1"/>
-                </a:solidFill>
-                <a:effectLst/>
-                <a:latin typeface="+mn-lt"/>
-                <a:ea typeface="+mn-ea"/>
-                <a:cs typeface="+mn-cs"/>
-              </a:rPr>
-              <a:t>is the process by which multiple models, such as classifiers or experts, are strategically generated and combined to solve a particular </a:t>
-            </a:r>
-            <a:r>
-              <a:rPr lang="en-US" sz="1200" u="sng" kern="1200" dirty="0" smtClean="0">
-                <a:solidFill>
-                  <a:schemeClr val="tx1"/>
-                </a:solidFill>
-                <a:effectLst/>
-                <a:latin typeface="+mn-lt"/>
-                <a:ea typeface="+mn-ea"/>
-                <a:cs typeface="+mn-cs"/>
-                <a:hlinkClick r:id="rId3" tooltip="Computational intelligence"/>
-              </a:rPr>
-              <a:t>computational intelligence</a:t>
-            </a:r>
-            <a:r>
-              <a:rPr lang="en-US" sz="1200" kern="1200" dirty="0" smtClean="0">
-                <a:solidFill>
-                  <a:schemeClr val="tx1"/>
-                </a:solidFill>
-                <a:effectLst/>
-                <a:latin typeface="+mn-lt"/>
-                <a:ea typeface="+mn-ea"/>
-                <a:cs typeface="+mn-cs"/>
-              </a:rPr>
-              <a:t> problem. For example, it can be used</a:t>
-            </a:r>
-            <a:r>
-              <a:rPr lang="en-US" sz="1200" kern="1200" baseline="0" dirty="0" smtClean="0">
-                <a:solidFill>
-                  <a:schemeClr val="tx1"/>
-                </a:solidFill>
-                <a:effectLst/>
-                <a:latin typeface="+mn-lt"/>
-                <a:ea typeface="+mn-ea"/>
-                <a:cs typeface="+mn-cs"/>
-              </a:rPr>
-              <a:t> </a:t>
-            </a:r>
-            <a:r>
-              <a:rPr lang="en-US" sz="1200" kern="1200" dirty="0" smtClean="0">
-                <a:solidFill>
-                  <a:schemeClr val="tx1"/>
-                </a:solidFill>
-                <a:effectLst/>
-                <a:latin typeface="+mn-lt"/>
-                <a:ea typeface="+mn-ea"/>
-                <a:cs typeface="+mn-cs"/>
-              </a:rPr>
-              <a:t>for text mining, recommendation system, etc. Ensemble learning is primarily used to improve the (classification, prediction, function approximation, etc.) performance of a model, or reduce the likelihood of an unfortunate selection of a poor one. </a:t>
-            </a:r>
+            <a:endParaRPr lang="en-US" sz="1200" kern="1200" dirty="0">
+              <a:solidFill>
+                <a:schemeClr val="tx1"/>
+              </a:solidFill>
+              <a:effectLst/>
+              <a:latin typeface="+mn-lt"/>
+              <a:ea typeface="+mn-ea"/>
+              <a:cs typeface="+mn-cs"/>
+            </a:endParaRPr>
           </a:p>
         </p:txBody>
       </p:sp>
@@ -2811,7 +2521,7 @@
     </p:spTree>
     <p:extLst>
       <p:ext uri="{BB962C8B-B14F-4D97-AF65-F5344CB8AC3E}">
-        <p14:creationId xmlns:p14="http://schemas.microsoft.com/office/powerpoint/2010/main" val="1184190222"/>
+        <p14:creationId xmlns:p14="http://schemas.microsoft.com/office/powerpoint/2010/main" val="776046099"/>
       </p:ext>
     </p:extLst>
   </p:cSld>
@@ -2882,79 +2592,15 @@
               <a:tabLst/>
               <a:defRPr/>
             </a:pPr>
-            <a:r>
-              <a:rPr lang="en-US" sz="1200" b="1" kern="1200" dirty="0" smtClean="0">
-                <a:solidFill>
-                  <a:schemeClr val="tx1"/>
-                </a:solidFill>
-                <a:effectLst/>
-                <a:latin typeface="+mn-lt"/>
-                <a:ea typeface="+mn-ea"/>
-                <a:cs typeface="+mn-cs"/>
-              </a:rPr>
-              <a:t>Ensemble learning </a:t>
-            </a:r>
-            <a:r>
-              <a:rPr lang="en-US" sz="1200" kern="1200" dirty="0" smtClean="0">
-                <a:solidFill>
-                  <a:schemeClr val="tx1"/>
-                </a:solidFill>
-                <a:effectLst/>
-                <a:latin typeface="+mn-lt"/>
-                <a:ea typeface="+mn-ea"/>
-                <a:cs typeface="+mn-cs"/>
-              </a:rPr>
-              <a:t>is the process by which multiple models, such as classifiers or experts, are strategically generated and combined to solve a particular </a:t>
-            </a:r>
-            <a:r>
-              <a:rPr lang="en-US" sz="1200" u="sng" kern="1200" dirty="0" smtClean="0">
-                <a:solidFill>
-                  <a:schemeClr val="tx1"/>
-                </a:solidFill>
-                <a:effectLst/>
-                <a:latin typeface="+mn-lt"/>
-                <a:ea typeface="+mn-ea"/>
-                <a:cs typeface="+mn-cs"/>
-                <a:hlinkClick r:id="rId3" tooltip="Computational intelligence"/>
-              </a:rPr>
-              <a:t>computational intelligence</a:t>
-            </a:r>
-            <a:r>
-              <a:rPr lang="en-US" sz="1200" kern="1200" dirty="0" smtClean="0">
-                <a:solidFill>
-                  <a:schemeClr val="tx1"/>
-                </a:solidFill>
-                <a:effectLst/>
-                <a:latin typeface="+mn-lt"/>
-                <a:ea typeface="+mn-ea"/>
-                <a:cs typeface="+mn-cs"/>
-              </a:rPr>
-              <a:t> problem. For example, it can be used</a:t>
-            </a:r>
-            <a:r>
-              <a:rPr lang="en-US" sz="1200" kern="1200" baseline="0" dirty="0" smtClean="0">
-                <a:solidFill>
-                  <a:schemeClr val="tx1"/>
-                </a:solidFill>
-                <a:effectLst/>
-                <a:latin typeface="+mn-lt"/>
-                <a:ea typeface="+mn-ea"/>
-                <a:cs typeface="+mn-cs"/>
-              </a:rPr>
-              <a:t> </a:t>
-            </a:r>
-            <a:r>
-              <a:rPr lang="en-US" sz="1200" kern="1200" dirty="0" smtClean="0">
-                <a:solidFill>
-                  <a:schemeClr val="tx1"/>
-                </a:solidFill>
-                <a:effectLst/>
-                <a:latin typeface="+mn-lt"/>
-                <a:ea typeface="+mn-ea"/>
-                <a:cs typeface="+mn-cs"/>
-              </a:rPr>
-              <a:t>for text mining, recommendation system, etc. Ensemble learning is primarily used to improve the (classification, prediction, function approximation, etc.) performance of a model, or reduce the likelihood of an unfortunate selection of a poor one. </a:t>
-            </a:r>
+            <a:endParaRPr lang="en-US" sz="1200" kern="1200" dirty="0">
+              <a:solidFill>
+                <a:schemeClr val="tx1"/>
+              </a:solidFill>
+              <a:effectLst/>
+              <a:latin typeface="+mn-lt"/>
+              <a:ea typeface="+mn-ea"/>
+              <a:cs typeface="+mn-cs"/>
+            </a:endParaRPr>
           </a:p>
         </p:txBody>
       </p:sp>
@@ -2985,7 +2631,7 @@
     </p:spTree>
     <p:extLst>
       <p:ext uri="{BB962C8B-B14F-4D97-AF65-F5344CB8AC3E}">
-        <p14:creationId xmlns:p14="http://schemas.microsoft.com/office/powerpoint/2010/main" val="3408929225"/>
+        <p14:creationId xmlns:p14="http://schemas.microsoft.com/office/powerpoint/2010/main" val="3187563131"/>
       </p:ext>
     </p:extLst>
   </p:cSld>
@@ -3057,7 +2703,7 @@
               <a:defRPr/>
             </a:pPr>
             <a:r>
-              <a:rPr lang="en-US" sz="1200" b="1" kern="1200" dirty="0" smtClean="0">
+              <a:rPr lang="en-US" sz="1200" b="1" kern="1200" dirty="0">
                 <a:solidFill>
                   <a:schemeClr val="tx1"/>
                 </a:solidFill>
@@ -3069,7 +2715,7 @@
               <a:t>Ensemble learning </a:t>
             </a:r>
             <a:r>
-              <a:rPr lang="en-US" sz="1200" kern="1200" dirty="0" smtClean="0">
+              <a:rPr lang="en-US" sz="1200" kern="1200" dirty="0">
                 <a:solidFill>
                   <a:schemeClr val="tx1"/>
                 </a:solidFill>
@@ -3081,7 +2727,7 @@
               <a:t>is the process by which multiple models, such as classifiers or experts, are strategically generated and combined to solve a particular </a:t>
             </a:r>
             <a:r>
-              <a:rPr lang="en-US" sz="1200" u="sng" kern="1200" dirty="0" smtClean="0">
+              <a:rPr lang="en-US" sz="1200" u="sng" kern="1200" dirty="0">
                 <a:solidFill>
                   <a:schemeClr val="tx1"/>
                 </a:solidFill>
@@ -3094,7 +2740,7 @@
               <a:t>computational intelligence</a:t>
             </a:r>
             <a:r>
-              <a:rPr lang="en-US" sz="1200" kern="1200" dirty="0" smtClean="0">
+              <a:rPr lang="en-US" sz="1200" kern="1200" dirty="0">
                 <a:solidFill>
                   <a:schemeClr val="tx1"/>
                 </a:solidFill>
@@ -3106,7 +2752,7 @@
               <a:t> problem. For example, it can be used</a:t>
             </a:r>
             <a:r>
-              <a:rPr lang="en-US" sz="1200" kern="1200" baseline="0" dirty="0" smtClean="0">
+              <a:rPr lang="en-US" sz="1200" kern="1200" baseline="0" dirty="0">
                 <a:solidFill>
                   <a:schemeClr val="tx1"/>
                 </a:solidFill>
@@ -3118,7 +2764,7 @@
               <a:t> </a:t>
             </a:r>
             <a:r>
-              <a:rPr lang="en-US" sz="1200" kern="1200" dirty="0" smtClean="0">
+              <a:rPr lang="en-US" sz="1200" kern="1200" dirty="0">
                 <a:solidFill>
                   <a:schemeClr val="tx1"/>
                 </a:solidFill>
@@ -3159,7 +2805,7 @@
     </p:spTree>
     <p:extLst>
       <p:ext uri="{BB962C8B-B14F-4D97-AF65-F5344CB8AC3E}">
-        <p14:creationId xmlns:p14="http://schemas.microsoft.com/office/powerpoint/2010/main" val="3465811411"/>
+        <p14:creationId xmlns:p14="http://schemas.microsoft.com/office/powerpoint/2010/main" val="140764730"/>
       </p:ext>
     </p:extLst>
   </p:cSld>
@@ -3237,7 +2883,7 @@
           </a:lstStyle>
           <a:p>
             <a:r>
-              <a:rPr lang="en-US" smtClean="0"/>
+              <a:rPr lang="en-US"/>
               <a:t>Click to edit Master title style</a:t>
             </a:r>
             <a:endParaRPr lang="en-US" dirty="0"/>
@@ -3356,7 +3002,7 @@
           </a:lstStyle>
           <a:p>
             <a:r>
-              <a:rPr lang="en-US" smtClean="0"/>
+              <a:rPr lang="en-US"/>
               <a:t>Click to edit Master subtitle style</a:t>
             </a:r>
             <a:endParaRPr lang="en-US" dirty="0"/>
@@ -3469,10 +3115,9 @@
           <a:lstStyle/>
           <a:p>
             <a:r>
-              <a:rPr lang="en-US" smtClean="0"/>
+              <a:rPr lang="en-US"/>
               <a:t>Click to edit Master title style</a:t>
             </a:r>
-            <a:endParaRPr lang="en-US"/>
           </a:p>
         </p:txBody>
       </p:sp>
@@ -3540,10 +3185,9 @@
           <a:lstStyle/>
           <a:p>
             <a:r>
-              <a:rPr lang="en-US" smtClean="0"/>
+              <a:rPr lang="en-US"/>
               <a:t>Click icon to add picture</a:t>
             </a:r>
-            <a:endParaRPr lang="en-US"/>
           </a:p>
         </p:txBody>
       </p:sp>
@@ -3589,35 +3233,35 @@
           <a:p>
             <a:pPr lvl="0"/>
             <a:r>
-              <a:rPr lang="en-US" smtClean="0"/>
+              <a:rPr lang="en-US"/>
               <a:t>Click to edit Master text styles</a:t>
             </a:r>
           </a:p>
           <a:p>
             <a:pPr lvl="1"/>
             <a:r>
-              <a:rPr lang="en-US" smtClean="0"/>
+              <a:rPr lang="en-US"/>
               <a:t>Second level</a:t>
             </a:r>
           </a:p>
           <a:p>
             <a:pPr lvl="2"/>
             <a:r>
-              <a:rPr lang="en-US" smtClean="0"/>
+              <a:rPr lang="en-US"/>
               <a:t>Third level</a:t>
             </a:r>
           </a:p>
           <a:p>
             <a:pPr lvl="3"/>
             <a:r>
-              <a:rPr lang="en-US" smtClean="0"/>
+              <a:rPr lang="en-US"/>
               <a:t>Fourth level</a:t>
             </a:r>
           </a:p>
           <a:p>
             <a:pPr lvl="4"/>
             <a:r>
-              <a:rPr lang="en-US" smtClean="0"/>
+              <a:rPr lang="en-US"/>
               <a:t>Fifth level</a:t>
             </a:r>
             <a:endParaRPr lang="en-US" dirty="0"/>
@@ -3825,7 +3469,7 @@
           </a:lstStyle>
           <a:p>
             <a:r>
-              <a:rPr lang="en-US" smtClean="0"/>
+              <a:rPr lang="en-US"/>
               <a:t>Click to edit Master title style</a:t>
             </a:r>
             <a:endParaRPr lang="en-US" dirty="0"/>
@@ -3944,7 +3588,7 @@
           </a:lstStyle>
           <a:p>
             <a:r>
-              <a:rPr lang="en-US" smtClean="0"/>
+              <a:rPr lang="en-US"/>
               <a:t>Click to edit Master subtitle style</a:t>
             </a:r>
             <a:endParaRPr lang="en-US" dirty="0"/>
@@ -4123,7 +3767,7 @@
           </a:lstStyle>
           <a:p>
             <a:r>
-              <a:rPr lang="en-US" smtClean="0"/>
+              <a:rPr lang="en-US"/>
               <a:t>Click to edit Master title style</a:t>
             </a:r>
             <a:endParaRPr lang="en-US" dirty="0"/>
@@ -4243,7 +3887,7 @@
           <a:p>
             <a:pPr lvl="0"/>
             <a:r>
-              <a:rPr lang="en-US" smtClean="0"/>
+              <a:rPr lang="en-US"/>
               <a:t>Click to edit Master text styles</a:t>
             </a:r>
           </a:p>
@@ -4350,7 +3994,7 @@
           <a:lstStyle/>
           <a:p>
             <a:r>
-              <a:rPr lang="en-US" noProof="1" smtClean="0"/>
+              <a:rPr lang="en-US" noProof="1"/>
               <a:t>Click to edit Master title style</a:t>
             </a:r>
             <a:endParaRPr lang="en-US" dirty="0"/>
@@ -4374,35 +4018,35 @@
           <a:p>
             <a:pPr lvl="0"/>
             <a:r>
-              <a:rPr lang="en-US" noProof="1" smtClean="0"/>
+              <a:rPr lang="en-US" noProof="1"/>
               <a:t>Click to edit Master text styles</a:t>
             </a:r>
           </a:p>
           <a:p>
             <a:pPr lvl="1"/>
             <a:r>
-              <a:rPr lang="en-US" noProof="1" smtClean="0"/>
+              <a:rPr lang="en-US" noProof="1"/>
               <a:t>Second level</a:t>
             </a:r>
           </a:p>
           <a:p>
             <a:pPr lvl="2"/>
             <a:r>
-              <a:rPr lang="en-US" noProof="1" smtClean="0"/>
+              <a:rPr lang="en-US" noProof="1"/>
               <a:t>Third level</a:t>
             </a:r>
           </a:p>
           <a:p>
             <a:pPr lvl="3"/>
             <a:r>
-              <a:rPr lang="en-US" noProof="1" smtClean="0"/>
+              <a:rPr lang="en-US" noProof="1"/>
               <a:t>Fourth level</a:t>
             </a:r>
           </a:p>
           <a:p>
             <a:pPr lvl="4"/>
             <a:r>
-              <a:rPr lang="en-US" noProof="1" smtClean="0"/>
+              <a:rPr lang="en-US" noProof="1"/>
               <a:t>Fifth level</a:t>
             </a:r>
             <a:endParaRPr lang="en-US"/>
@@ -4498,7 +4142,7 @@
           <a:lstStyle/>
           <a:p>
             <a:r>
-              <a:rPr lang="en-US" smtClean="0"/>
+              <a:rPr lang="en-US"/>
               <a:t>Click to edit Master title style</a:t>
             </a:r>
             <a:endParaRPr lang="en-US" dirty="0"/>
@@ -4557,35 +4201,35 @@
           <a:p>
             <a:pPr lvl="0"/>
             <a:r>
-              <a:rPr lang="en-US" smtClean="0"/>
+              <a:rPr lang="en-US"/>
               <a:t>Click to edit Master text styles</a:t>
             </a:r>
           </a:p>
           <a:p>
             <a:pPr lvl="1"/>
             <a:r>
-              <a:rPr lang="en-US" smtClean="0"/>
+              <a:rPr lang="en-US"/>
               <a:t>Second level</a:t>
             </a:r>
           </a:p>
           <a:p>
             <a:pPr lvl="2"/>
             <a:r>
-              <a:rPr lang="en-US" smtClean="0"/>
+              <a:rPr lang="en-US"/>
               <a:t>Third level</a:t>
             </a:r>
           </a:p>
           <a:p>
             <a:pPr lvl="3"/>
             <a:r>
-              <a:rPr lang="en-US" smtClean="0"/>
+              <a:rPr lang="en-US"/>
               <a:t>Fourth level</a:t>
             </a:r>
           </a:p>
           <a:p>
             <a:pPr lvl="4"/>
             <a:r>
-              <a:rPr lang="en-US" smtClean="0"/>
+              <a:rPr lang="en-US"/>
               <a:t>Fifth level</a:t>
             </a:r>
             <a:endParaRPr lang="en-US" dirty="0"/>
@@ -4644,38 +4288,37 @@
           <a:p>
             <a:pPr lvl="0"/>
             <a:r>
-              <a:rPr lang="en-US" smtClean="0"/>
+              <a:rPr lang="en-US"/>
               <a:t>Click to edit Master text styles</a:t>
             </a:r>
           </a:p>
           <a:p>
             <a:pPr lvl="1"/>
             <a:r>
-              <a:rPr lang="en-US" smtClean="0"/>
+              <a:rPr lang="en-US"/>
               <a:t>Second level</a:t>
             </a:r>
           </a:p>
           <a:p>
             <a:pPr lvl="2"/>
             <a:r>
-              <a:rPr lang="en-US" smtClean="0"/>
+              <a:rPr lang="en-US"/>
               <a:t>Third level</a:t>
             </a:r>
           </a:p>
           <a:p>
             <a:pPr lvl="3"/>
             <a:r>
-              <a:rPr lang="en-US" smtClean="0"/>
+              <a:rPr lang="en-US"/>
               <a:t>Fourth level</a:t>
             </a:r>
           </a:p>
           <a:p>
             <a:pPr lvl="4"/>
             <a:r>
-              <a:rPr lang="en-US" smtClean="0"/>
+              <a:rPr lang="en-US"/>
               <a:t>Fifth level</a:t>
             </a:r>
-            <a:endParaRPr lang="en-US"/>
           </a:p>
         </p:txBody>
       </p:sp>
@@ -4772,7 +4415,7 @@
           </a:lstStyle>
           <a:p>
             <a:r>
-              <a:rPr lang="en-US" smtClean="0"/>
+              <a:rPr lang="en-US"/>
               <a:t>Click to edit Master title style</a:t>
             </a:r>
             <a:endParaRPr lang="en-US" dirty="0"/>
@@ -4845,7 +4488,7 @@
           <a:p>
             <a:pPr lvl="0"/>
             <a:r>
-              <a:rPr lang="en-US" smtClean="0"/>
+              <a:rPr lang="en-US"/>
               <a:t>Click to edit Master text styles</a:t>
             </a:r>
           </a:p>
@@ -4903,35 +4546,35 @@
           <a:p>
             <a:pPr lvl="0"/>
             <a:r>
-              <a:rPr lang="en-US" smtClean="0"/>
+              <a:rPr lang="en-US"/>
               <a:t>Click to edit Master text styles</a:t>
             </a:r>
           </a:p>
           <a:p>
             <a:pPr lvl="1"/>
             <a:r>
-              <a:rPr lang="en-US" smtClean="0"/>
+              <a:rPr lang="en-US"/>
               <a:t>Second level</a:t>
             </a:r>
           </a:p>
           <a:p>
             <a:pPr lvl="2"/>
             <a:r>
-              <a:rPr lang="en-US" smtClean="0"/>
+              <a:rPr lang="en-US"/>
               <a:t>Third level</a:t>
             </a:r>
           </a:p>
           <a:p>
             <a:pPr lvl="3"/>
             <a:r>
-              <a:rPr lang="en-US" smtClean="0"/>
+              <a:rPr lang="en-US"/>
               <a:t>Fourth level</a:t>
             </a:r>
           </a:p>
           <a:p>
             <a:pPr lvl="4"/>
             <a:r>
-              <a:rPr lang="en-US" smtClean="0"/>
+              <a:rPr lang="en-US"/>
               <a:t>Fifth level</a:t>
             </a:r>
             <a:endParaRPr lang="en-US" dirty="0"/>
@@ -5004,7 +4647,7 @@
           <a:p>
             <a:pPr lvl="0"/>
             <a:r>
-              <a:rPr lang="en-US" smtClean="0"/>
+              <a:rPr lang="en-US"/>
               <a:t>Click to edit Master text styles</a:t>
             </a:r>
           </a:p>
@@ -5062,38 +4705,37 @@
           <a:p>
             <a:pPr lvl="0"/>
             <a:r>
-              <a:rPr lang="en-US" smtClean="0"/>
+              <a:rPr lang="en-US"/>
               <a:t>Click to edit Master text styles</a:t>
             </a:r>
           </a:p>
           <a:p>
             <a:pPr lvl="1"/>
             <a:r>
-              <a:rPr lang="en-US" smtClean="0"/>
+              <a:rPr lang="en-US"/>
               <a:t>Second level</a:t>
             </a:r>
           </a:p>
           <a:p>
             <a:pPr lvl="2"/>
             <a:r>
-              <a:rPr lang="en-US" smtClean="0"/>
+              <a:rPr lang="en-US"/>
               <a:t>Third level</a:t>
             </a:r>
           </a:p>
           <a:p>
             <a:pPr lvl="3"/>
             <a:r>
-              <a:rPr lang="en-US" smtClean="0"/>
+              <a:rPr lang="en-US"/>
               <a:t>Fourth level</a:t>
             </a:r>
           </a:p>
           <a:p>
             <a:pPr lvl="4"/>
             <a:r>
-              <a:rPr lang="en-US" smtClean="0"/>
+              <a:rPr lang="en-US"/>
               <a:t>Fifth level</a:t>
             </a:r>
-            <a:endParaRPr lang="en-US"/>
           </a:p>
         </p:txBody>
       </p:sp>
@@ -5186,7 +4828,7 @@
           <a:lstStyle/>
           <a:p>
             <a:r>
-              <a:rPr lang="en-US" smtClean="0"/>
+              <a:rPr lang="en-US"/>
               <a:t>Click to edit Master title style</a:t>
             </a:r>
             <a:endParaRPr lang="en-US" dirty="0"/>
@@ -5371,7 +5013,7 @@
           </a:lstStyle>
           <a:p>
             <a:r>
-              <a:rPr lang="en-US" smtClean="0"/>
+              <a:rPr lang="en-US"/>
               <a:t>Click to edit Master title style</a:t>
             </a:r>
             <a:endParaRPr lang="en-US" dirty="0"/>
@@ -5428,35 +5070,35 @@
           <a:p>
             <a:pPr lvl="0"/>
             <a:r>
-              <a:rPr lang="en-US" smtClean="0"/>
+              <a:rPr lang="en-US"/>
               <a:t>Click to edit Master text styles</a:t>
             </a:r>
           </a:p>
           <a:p>
             <a:pPr lvl="1"/>
             <a:r>
-              <a:rPr lang="en-US" smtClean="0"/>
+              <a:rPr lang="en-US"/>
               <a:t>Second level</a:t>
             </a:r>
           </a:p>
           <a:p>
             <a:pPr lvl="2"/>
             <a:r>
-              <a:rPr lang="en-US" smtClean="0"/>
+              <a:rPr lang="en-US"/>
               <a:t>Third level</a:t>
             </a:r>
           </a:p>
           <a:p>
             <a:pPr lvl="3"/>
             <a:r>
-              <a:rPr lang="en-US" smtClean="0"/>
+              <a:rPr lang="en-US"/>
               <a:t>Fourth level</a:t>
             </a:r>
           </a:p>
           <a:p>
             <a:pPr lvl="4"/>
             <a:r>
-              <a:rPr lang="en-US" smtClean="0"/>
+              <a:rPr lang="en-US"/>
               <a:t>Fifth level</a:t>
             </a:r>
             <a:endParaRPr lang="en-US" dirty="0"/>
@@ -5528,7 +5170,7 @@
           <a:p>
             <a:pPr lvl="0"/>
             <a:r>
-              <a:rPr lang="en-US" smtClean="0"/>
+              <a:rPr lang="en-US"/>
               <a:t>Click to edit Master text styles</a:t>
             </a:r>
           </a:p>
@@ -5684,7 +5326,7 @@
           <a:lstStyle/>
           <a:p>
             <a:r>
-              <a:rPr lang="en-US" smtClean="0"/>
+              <a:rPr lang="en-US"/>
               <a:t>Click to edit Master title style</a:t>
             </a:r>
             <a:endParaRPr lang="en-US" dirty="0"/>
@@ -5718,35 +5360,35 @@
           <a:p>
             <a:pPr lvl="0"/>
             <a:r>
-              <a:rPr lang="en-US" smtClean="0"/>
+              <a:rPr lang="en-US"/>
               <a:t>Click to edit Master text styles</a:t>
             </a:r>
           </a:p>
           <a:p>
             <a:pPr lvl="1"/>
             <a:r>
-              <a:rPr lang="en-US" smtClean="0"/>
+              <a:rPr lang="en-US"/>
               <a:t>Second level</a:t>
             </a:r>
           </a:p>
           <a:p>
             <a:pPr lvl="2"/>
             <a:r>
-              <a:rPr lang="en-US" smtClean="0"/>
+              <a:rPr lang="en-US"/>
               <a:t>Third level</a:t>
             </a:r>
           </a:p>
           <a:p>
             <a:pPr lvl="3"/>
             <a:r>
-              <a:rPr lang="en-US" smtClean="0"/>
+              <a:rPr lang="en-US"/>
               <a:t>Fourth level</a:t>
             </a:r>
           </a:p>
           <a:p>
             <a:pPr lvl="4"/>
             <a:r>
-              <a:rPr lang="en-US" smtClean="0"/>
+              <a:rPr lang="en-US"/>
               <a:t>Fifth level</a:t>
             </a:r>
             <a:endParaRPr lang="en-US" dirty="0"/>
@@ -5870,7 +5512,7 @@
           <a:p>
             <a:pPr algn="r"/>
             <a:r>
-              <a:rPr lang="en-US" dirty="0" smtClean="0">
+              <a:rPr lang="en-US" dirty="0">
                 <a:solidFill>
                   <a:schemeClr val="bg2"/>
                 </a:solidFill>
@@ -5879,13 +5521,6 @@
               </a:rPr>
               <a:t>Worcester Polytechnic Institute</a:t>
             </a:r>
-            <a:endParaRPr lang="en-US" dirty="0">
-              <a:solidFill>
-                <a:schemeClr val="bg2"/>
-              </a:solidFill>
-              <a:latin typeface="Times New Roman" pitchFamily="18" charset="0"/>
-              <a:cs typeface="Times New Roman" pitchFamily="18" charset="0"/>
-            </a:endParaRPr>
           </a:p>
         </p:txBody>
       </p:sp>
@@ -6334,18 +5969,11 @@
           <a:p>
             <a:pPr algn="ctr"/>
             <a:r>
-              <a:rPr lang="en-US" dirty="0" smtClean="0">
-                <a:latin typeface="Times"/>
-                <a:cs typeface="Times"/>
-              </a:rPr>
-              <a:t>Machine Learning  Algorithm </a:t>
-            </a:r>
-            <a:r>
               <a:rPr lang="en-US" dirty="0">
                 <a:latin typeface="Times"/>
                 <a:cs typeface="Times"/>
               </a:rPr>
-              <a:t/>
+              <a:t>Machine Learning  Algorithm </a:t>
             </a:r>
             <a:br>
               <a:rPr lang="en-US" dirty="0">
@@ -6354,16 +5982,12 @@
               </a:rPr>
             </a:br>
             <a:r>
-              <a:rPr lang="en-US" dirty="0" smtClean="0">
+              <a:rPr lang="en-US" dirty="0">
                 <a:latin typeface="Times"/>
                 <a:cs typeface="Times"/>
               </a:rPr>
               <a:t>in Loan Repayment </a:t>
             </a:r>
-            <a:endParaRPr lang="en-US" dirty="0">
-              <a:latin typeface="Times"/>
-              <a:cs typeface="Times"/>
-            </a:endParaRPr>
           </a:p>
         </p:txBody>
       </p:sp>
@@ -6390,7 +6014,7 @@
           <a:lstStyle/>
           <a:p>
             <a:r>
-              <a:rPr lang="en-US" dirty="0" smtClean="0">
+              <a:rPr lang="en-US" dirty="0">
                 <a:solidFill>
                   <a:schemeClr val="tx1">
                     <a:lumMod val="85000"/>
@@ -6403,7 +6027,7 @@
               <a:t>                  Presenter</a:t>
             </a:r>
             <a:r>
-              <a:rPr lang="en-US" altLang="zh-CN" dirty="0" smtClean="0">
+              <a:rPr lang="en-US" altLang="zh-CN" dirty="0">
                 <a:solidFill>
                   <a:schemeClr val="tx1">
                     <a:lumMod val="85000"/>
@@ -6416,7 +6040,7 @@
               <a:t>:</a:t>
             </a:r>
             <a:r>
-              <a:rPr lang="zh-CN" altLang="en-US" dirty="0" smtClean="0">
+              <a:rPr lang="zh-CN" altLang="en-US" dirty="0">
                 <a:solidFill>
                   <a:schemeClr val="tx1">
                     <a:lumMod val="85000"/>
@@ -6429,7 +6053,7 @@
               <a:t>  </a:t>
             </a:r>
             <a:r>
-              <a:rPr lang="en-US" altLang="zh-CN" dirty="0" err="1" smtClean="0">
+              <a:rPr lang="en-US" altLang="zh-CN" dirty="0" err="1">
                 <a:solidFill>
                   <a:schemeClr val="tx1">
                     <a:lumMod val="85000"/>
@@ -6442,7 +6066,7 @@
               <a:t>Weixi</a:t>
             </a:r>
             <a:r>
-              <a:rPr lang="en-US" altLang="zh-CN" dirty="0" smtClean="0">
+              <a:rPr lang="en-US" altLang="zh-CN" dirty="0">
                 <a:solidFill>
                   <a:schemeClr val="tx1">
                     <a:lumMod val="85000"/>
@@ -6455,7 +6079,7 @@
               <a:t> Liu, </a:t>
             </a:r>
             <a:r>
-              <a:rPr lang="en-US" altLang="zh-CN" dirty="0" err="1" smtClean="0">
+              <a:rPr lang="en-US" altLang="zh-CN" dirty="0" err="1">
                 <a:solidFill>
                   <a:schemeClr val="tx1">
                     <a:lumMod val="85000"/>
@@ -6468,7 +6092,7 @@
               <a:t>Yixuan</a:t>
             </a:r>
             <a:r>
-              <a:rPr lang="en-US" altLang="zh-CN" dirty="0" smtClean="0">
+              <a:rPr lang="en-US" altLang="zh-CN" dirty="0">
                 <a:solidFill>
                   <a:schemeClr val="tx1">
                     <a:lumMod val="85000"/>
@@ -6483,7 +6107,7 @@
           </a:p>
           <a:p>
             <a:r>
-              <a:rPr lang="en-US" altLang="zh-CN" dirty="0" smtClean="0">
+              <a:rPr lang="en-US" altLang="zh-CN" dirty="0">
                 <a:solidFill>
                   <a:schemeClr val="tx1">
                     <a:lumMod val="85000"/>
@@ -6496,7 +6120,7 @@
               <a:t>                                   </a:t>
             </a:r>
             <a:r>
-              <a:rPr lang="en-US" altLang="zh-CN" dirty="0" err="1" smtClean="0">
+              <a:rPr lang="en-US" altLang="zh-CN" dirty="0" err="1">
                 <a:solidFill>
                   <a:schemeClr val="tx1">
                     <a:lumMod val="85000"/>
@@ -6509,7 +6133,7 @@
               <a:t>Xie</a:t>
             </a:r>
             <a:r>
-              <a:rPr lang="en-US" altLang="zh-CN" dirty="0" smtClean="0">
+              <a:rPr lang="en-US" altLang="zh-CN" dirty="0">
                 <a:solidFill>
                   <a:schemeClr val="tx1">
                     <a:lumMod val="85000"/>
@@ -6524,7 +6148,7 @@
           </a:p>
           <a:p>
             <a:r>
-              <a:rPr lang="en-US" altLang="zh-CN" dirty="0" smtClean="0">
+              <a:rPr lang="en-US" altLang="zh-CN" dirty="0">
                 <a:solidFill>
                   <a:schemeClr val="tx1">
                     <a:lumMod val="85000"/>
@@ -6575,10 +6199,9 @@
               <a:t>1</a:t>
             </a:fld>
             <a:r>
-              <a:rPr lang="en-US" dirty="0" smtClean="0"/>
+              <a:rPr lang="en-US" dirty="0"/>
               <a:t>/14</a:t>
             </a:r>
-            <a:endParaRPr lang="en-US" dirty="0"/>
           </a:p>
         </p:txBody>
       </p:sp>
@@ -6592,13 +6215,6 @@
   <p:clrMapOvr>
     <a:masterClrMapping/>
   </p:clrMapOvr>
-  <p:timing>
-    <p:tnLst>
-      <p:par>
-        <p:cTn id="1" dur="indefinite" restart="never" nodeType="tmRoot"/>
-      </p:par>
-    </p:tnLst>
-  </p:timing>
 </p:sld>
 </file>
 
@@ -6635,11 +6251,11 @@
           <a:lstStyle/>
           <a:p>
             <a:r>
-              <a:rPr lang="en-US" dirty="0" smtClean="0">
+              <a:rPr lang="en-US" dirty="0">
                 <a:latin typeface="Times"/>
                 <a:cs typeface="Times"/>
               </a:rPr>
-              <a:t>Algorithm 6: Neural Network</a:t>
+              <a:t>Algorithm 3: Random Forests</a:t>
             </a:r>
             <a:endParaRPr lang="en-US" i="1" dirty="0">
               <a:latin typeface="Times"/>
@@ -6661,7 +6277,7 @@
         <p:spPr>
           <a:xfrm>
             <a:off x="0" y="6387664"/>
-            <a:ext cx="762000" cy="394136"/>
+            <a:ext cx="609599" cy="394136"/>
           </a:xfrm>
         </p:spPr>
         <p:txBody>
@@ -6674,10 +6290,9 @@
               <a:t>10</a:t>
             </a:fld>
             <a:r>
-              <a:rPr lang="en-US" dirty="0" smtClean="0"/>
+              <a:rPr lang="en-US" dirty="0"/>
               <a:t>/14</a:t>
             </a:r>
-            <a:endParaRPr lang="en-US" dirty="0"/>
           </a:p>
         </p:txBody>
       </p:sp>
@@ -6706,7 +6321,7 @@
             <a:pPr marL="0" indent="0">
               <a:buNone/>
             </a:pPr>
-            <a:endParaRPr lang="en-US" b="0" i="1" dirty="0" smtClean="0">
+            <a:endParaRPr lang="en-US" b="0" i="1" dirty="0">
               <a:latin typeface="Cambria Math" panose="02040503050406030204" pitchFamily="18" charset="0"/>
             </a:endParaRPr>
           </a:p>
@@ -6721,20 +6336,13 @@
     </p:spTree>
     <p:extLst>
       <p:ext uri="{BB962C8B-B14F-4D97-AF65-F5344CB8AC3E}">
-        <p14:creationId xmlns:p14="http://schemas.microsoft.com/office/powerpoint/2010/main" val="2073327231"/>
+        <p14:creationId xmlns:p14="http://schemas.microsoft.com/office/powerpoint/2010/main" val="888073279"/>
       </p:ext>
     </p:extLst>
   </p:cSld>
   <p:clrMapOvr>
     <a:masterClrMapping/>
   </p:clrMapOvr>
-  <p:timing>
-    <p:tnLst>
-      <p:par>
-        <p:cTn id="1" dur="indefinite" restart="never" nodeType="tmRoot"/>
-      </p:par>
-    </p:tnLst>
-  </p:timing>
 </p:sld>
 </file>
 
@@ -6771,11 +6379,11 @@
           <a:lstStyle/>
           <a:p>
             <a:r>
-              <a:rPr lang="en-US" dirty="0" smtClean="0">
+              <a:rPr lang="en-US" dirty="0">
                 <a:latin typeface="Times"/>
                 <a:cs typeface="Times"/>
               </a:rPr>
-              <a:t>Comparison </a:t>
+              <a:t>Algorithm 4: Support Vector Machines</a:t>
             </a:r>
             <a:endParaRPr lang="en-US" i="1" dirty="0">
               <a:latin typeface="Times"/>
@@ -6797,7 +6405,7 @@
         <p:spPr>
           <a:xfrm>
             <a:off x="0" y="6387664"/>
-            <a:ext cx="685799" cy="394136"/>
+            <a:ext cx="609599" cy="394136"/>
           </a:xfrm>
         </p:spPr>
         <p:txBody>
@@ -6810,10 +6418,9 @@
               <a:t>11</a:t>
             </a:fld>
             <a:r>
-              <a:rPr lang="en-US" dirty="0" smtClean="0"/>
+              <a:rPr lang="en-US" dirty="0"/>
               <a:t>/14</a:t>
             </a:r>
-            <a:endParaRPr lang="en-US" dirty="0"/>
           </a:p>
         </p:txBody>
       </p:sp>
@@ -6842,7 +6449,7 @@
             <a:pPr marL="0" indent="0">
               <a:buNone/>
             </a:pPr>
-            <a:endParaRPr lang="en-US" b="0" i="1" dirty="0" smtClean="0">
+            <a:endParaRPr lang="en-US" b="0" i="1" dirty="0">
               <a:latin typeface="Cambria Math" panose="02040503050406030204" pitchFamily="18" charset="0"/>
             </a:endParaRPr>
           </a:p>
@@ -6857,20 +6464,13 @@
     </p:spTree>
     <p:extLst>
       <p:ext uri="{BB962C8B-B14F-4D97-AF65-F5344CB8AC3E}">
-        <p14:creationId xmlns:p14="http://schemas.microsoft.com/office/powerpoint/2010/main" val="1938428461"/>
+        <p14:creationId xmlns:p14="http://schemas.microsoft.com/office/powerpoint/2010/main" val="170896004"/>
       </p:ext>
     </p:extLst>
   </p:cSld>
   <p:clrMapOvr>
     <a:masterClrMapping/>
   </p:clrMapOvr>
-  <p:timing>
-    <p:tnLst>
-      <p:par>
-        <p:cTn id="1" dur="indefinite" restart="never" nodeType="tmRoot"/>
-      </p:par>
-    </p:tnLst>
-  </p:timing>
 </p:sld>
 </file>
 
@@ -6907,13 +6507,13 @@
           <a:lstStyle/>
           <a:p>
             <a:r>
-              <a:rPr lang="en-US" dirty="0" smtClean="0">
+              <a:rPr lang="en-US" dirty="0">
                 <a:latin typeface="Times"/>
                 <a:cs typeface="Times"/>
               </a:rPr>
-              <a:t>Future Work</a:t>
-            </a:r>
-            <a:endParaRPr lang="en-US" dirty="0">
+              <a:t>Algorithm 5: Decision Tree</a:t>
+            </a:r>
+            <a:endParaRPr lang="en-US" i="1" dirty="0">
               <a:latin typeface="Times"/>
               <a:cs typeface="Times"/>
             </a:endParaRPr>
@@ -6922,34 +6522,6 @@
       </p:sp>
       <p:sp>
         <p:nvSpPr>
-          <p:cNvPr id="3" name="Content Placeholder 2"/>
-          <p:cNvSpPr>
-            <a:spLocks noGrp="1"/>
-          </p:cNvSpPr>
-          <p:nvPr>
-            <p:ph idx="1"/>
-          </p:nvPr>
-        </p:nvSpPr>
-        <p:spPr/>
-        <p:txBody>
-          <a:bodyPr/>
-          <a:lstStyle/>
-          <a:p>
-            <a:endParaRPr lang="en-US" dirty="0" smtClean="0"/>
-          </a:p>
-          <a:p>
-            <a:pPr marL="0" indent="0">
-              <a:buNone/>
-            </a:pPr>
-            <a:endParaRPr lang="en-US" dirty="0" smtClean="0"/>
-          </a:p>
-          <a:p>
-            <a:endParaRPr lang="en-US" dirty="0"/>
-          </a:p>
-        </p:txBody>
-      </p:sp>
-      <p:sp>
-        <p:nvSpPr>
           <p:cNvPr id="5" name="Slide Number Placeholder 4"/>
           <p:cNvSpPr>
             <a:spLocks noGrp="1"/>
@@ -6961,7 +6533,7 @@
         <p:spPr>
           <a:xfrm>
             <a:off x="0" y="6387664"/>
-            <a:ext cx="762000" cy="394136"/>
+            <a:ext cx="609599" cy="394136"/>
           </a:xfrm>
         </p:spPr>
         <p:txBody>
@@ -6974,9 +6546,45 @@
               <a:t>12</a:t>
             </a:fld>
             <a:r>
-              <a:rPr lang="en-US" dirty="0" smtClean="0"/>
+              <a:rPr lang="en-US" dirty="0"/>
               <a:t>/14</a:t>
             </a:r>
+          </a:p>
+        </p:txBody>
+      </p:sp>
+      <p:sp>
+        <p:nvSpPr>
+          <p:cNvPr id="8" name="Content Placeholder 7"/>
+          <p:cNvSpPr>
+            <a:spLocks noGrp="1"/>
+          </p:cNvSpPr>
+          <p:nvPr>
+            <p:ph idx="1"/>
+          </p:nvPr>
+        </p:nvSpPr>
+        <p:spPr>
+          <a:xfrm>
+            <a:off x="457200" y="1524000"/>
+            <a:ext cx="8229600" cy="4863664"/>
+          </a:xfrm>
+        </p:spPr>
+        <p:txBody>
+          <a:bodyPr>
+            <a:normAutofit/>
+          </a:bodyPr>
+          <a:lstStyle/>
+          <a:p>
+            <a:pPr marL="0" indent="0">
+              <a:buNone/>
+            </a:pPr>
+            <a:endParaRPr lang="en-US" b="0" i="1" dirty="0">
+              <a:latin typeface="Cambria Math" panose="02040503050406030204" pitchFamily="18" charset="0"/>
+            </a:endParaRPr>
+          </a:p>
+          <a:p>
+            <a:pPr marL="0" indent="0">
+              <a:buNone/>
+            </a:pPr>
             <a:endParaRPr lang="en-US" dirty="0"/>
           </a:p>
         </p:txBody>
@@ -6984,20 +6592,13 @@
     </p:spTree>
     <p:extLst>
       <p:ext uri="{BB962C8B-B14F-4D97-AF65-F5344CB8AC3E}">
-        <p14:creationId xmlns:p14="http://schemas.microsoft.com/office/powerpoint/2010/main" val="520386235"/>
+        <p14:creationId xmlns:p14="http://schemas.microsoft.com/office/powerpoint/2010/main" val="2611094509"/>
       </p:ext>
     </p:extLst>
   </p:cSld>
   <p:clrMapOvr>
     <a:masterClrMapping/>
   </p:clrMapOvr>
-  <p:timing>
-    <p:tnLst>
-      <p:par>
-        <p:cTn id="1" dur="indefinite" restart="never" nodeType="tmRoot"/>
-      </p:par>
-    </p:tnLst>
-  </p:timing>
 </p:sld>
 </file>
 
@@ -7034,13 +6635,13 @@
           <a:lstStyle/>
           <a:p>
             <a:r>
-              <a:rPr lang="en-US" dirty="0" smtClean="0">
+              <a:rPr lang="en-US" dirty="0">
                 <a:latin typeface="Times"/>
                 <a:cs typeface="Times"/>
               </a:rPr>
-              <a:t>Reference</a:t>
-            </a:r>
-            <a:endParaRPr lang="en-US" dirty="0">
+              <a:t>Algorithm 6: Neural Network</a:t>
+            </a:r>
+            <a:endParaRPr lang="en-US" i="1" dirty="0">
               <a:latin typeface="Times"/>
               <a:cs typeface="Times"/>
             </a:endParaRPr>
@@ -7049,77 +6650,6 @@
       </p:sp>
       <p:sp>
         <p:nvSpPr>
-          <p:cNvPr id="3" name="Content Placeholder 2"/>
-          <p:cNvSpPr>
-            <a:spLocks noGrp="1"/>
-          </p:cNvSpPr>
-          <p:nvPr>
-            <p:ph idx="1"/>
-          </p:nvPr>
-        </p:nvSpPr>
-        <p:spPr/>
-        <p:txBody>
-          <a:bodyPr/>
-          <a:lstStyle/>
-          <a:p>
-            <a:pPr lvl="0"/>
-            <a:r>
-              <a:rPr lang="en-US" dirty="0"/>
-              <a:t>[1] </a:t>
-            </a:r>
-            <a:r>
-              <a:rPr lang="en-US" dirty="0" smtClean="0"/>
-              <a:t>Peter </a:t>
-            </a:r>
-            <a:r>
-              <a:rPr lang="en-US" dirty="0" err="1" smtClean="0"/>
-              <a:t>Flach</a:t>
-            </a:r>
-            <a:r>
-              <a:rPr lang="en-US" dirty="0" smtClean="0"/>
-              <a:t>, Cambridge University Press</a:t>
-            </a:r>
-            <a:r>
-              <a:rPr lang="en-US" dirty="0" smtClean="0"/>
-              <a:t>. The Art and Science of Algorithms That Make Sense of Data</a:t>
-            </a:r>
-            <a:endParaRPr lang="en-US" dirty="0"/>
-          </a:p>
-          <a:p>
-            <a:r>
-              <a:rPr lang="en-US" dirty="0" smtClean="0"/>
-              <a:t>[2] </a:t>
-            </a:r>
-            <a:r>
-              <a:rPr lang="en-US" dirty="0" err="1" smtClean="0"/>
-              <a:t>Kyumin</a:t>
-            </a:r>
-            <a:r>
-              <a:rPr lang="en-US" dirty="0" smtClean="0"/>
-              <a:t> Lee, Worcester Polytechnic Institute Lecture </a:t>
-            </a:r>
-            <a:r>
-              <a:rPr lang="en-US" dirty="0" smtClean="0"/>
-              <a:t>Slides</a:t>
-            </a:r>
-            <a:r>
-              <a:rPr lang="en-US" dirty="0" smtClean="0"/>
-              <a:t>: CS539 Machine Learning</a:t>
-            </a:r>
-          </a:p>
-          <a:p>
-            <a:pPr marL="0" indent="0">
-              <a:buNone/>
-            </a:pPr>
-            <a:endParaRPr lang="en-US" dirty="0" smtClean="0"/>
-          </a:p>
-          <a:p>
-            <a:endParaRPr lang="en-US" dirty="0"/>
-          </a:p>
-        </p:txBody>
-      </p:sp>
-      <p:sp>
-        <p:nvSpPr>
           <p:cNvPr id="5" name="Slide Number Placeholder 4"/>
           <p:cNvSpPr>
             <a:spLocks noGrp="1"/>
@@ -7131,7 +6661,7 @@
         <p:spPr>
           <a:xfrm>
             <a:off x="0" y="6387664"/>
-            <a:ext cx="685800" cy="394136"/>
+            <a:ext cx="762000" cy="394136"/>
           </a:xfrm>
         </p:spPr>
         <p:txBody>
@@ -7144,9 +6674,45 @@
               <a:t>13</a:t>
             </a:fld>
             <a:r>
-              <a:rPr lang="en-US" dirty="0" smtClean="0"/>
+              <a:rPr lang="en-US" dirty="0"/>
               <a:t>/14</a:t>
             </a:r>
+          </a:p>
+        </p:txBody>
+      </p:sp>
+      <p:sp>
+        <p:nvSpPr>
+          <p:cNvPr id="8" name="Content Placeholder 7"/>
+          <p:cNvSpPr>
+            <a:spLocks noGrp="1"/>
+          </p:cNvSpPr>
+          <p:nvPr>
+            <p:ph idx="1"/>
+          </p:nvPr>
+        </p:nvSpPr>
+        <p:spPr>
+          <a:xfrm>
+            <a:off x="457200" y="1524000"/>
+            <a:ext cx="8229600" cy="4863664"/>
+          </a:xfrm>
+        </p:spPr>
+        <p:txBody>
+          <a:bodyPr>
+            <a:normAutofit/>
+          </a:bodyPr>
+          <a:lstStyle/>
+          <a:p>
+            <a:pPr marL="0" indent="0">
+              <a:buNone/>
+            </a:pPr>
+            <a:endParaRPr lang="en-US" b="0" i="1" dirty="0">
+              <a:latin typeface="Cambria Math" panose="02040503050406030204" pitchFamily="18" charset="0"/>
+            </a:endParaRPr>
+          </a:p>
+          <a:p>
+            <a:pPr marL="0" indent="0">
+              <a:buNone/>
+            </a:pPr>
             <a:endParaRPr lang="en-US" dirty="0"/>
           </a:p>
         </p:txBody>
@@ -7154,20 +6720,13 @@
     </p:spTree>
     <p:extLst>
       <p:ext uri="{BB962C8B-B14F-4D97-AF65-F5344CB8AC3E}">
-        <p14:creationId xmlns:p14="http://schemas.microsoft.com/office/powerpoint/2010/main" val="3864079531"/>
+        <p14:creationId xmlns:p14="http://schemas.microsoft.com/office/powerpoint/2010/main" val="2073327231"/>
       </p:ext>
     </p:extLst>
   </p:cSld>
   <p:clrMapOvr>
     <a:masterClrMapping/>
   </p:clrMapOvr>
-  <p:timing>
-    <p:tnLst>
-      <p:par>
-        <p:cTn id="1" dur="indefinite" restart="never" nodeType="tmRoot"/>
-      </p:par>
-    </p:tnLst>
-  </p:timing>
 </p:sld>
 </file>
 
@@ -7203,7 +6762,459 @@
           <a:bodyPr/>
           <a:lstStyle/>
           <a:p>
-            <a:endParaRPr lang="en-US"/>
+            <a:r>
+              <a:rPr lang="en-US" dirty="0">
+                <a:latin typeface="Times"/>
+                <a:cs typeface="Times"/>
+              </a:rPr>
+              <a:t>Comparison </a:t>
+            </a:r>
+            <a:endParaRPr lang="en-US" i="1" dirty="0">
+              <a:latin typeface="Times"/>
+              <a:cs typeface="Times"/>
+            </a:endParaRPr>
+          </a:p>
+        </p:txBody>
+      </p:sp>
+      <p:sp>
+        <p:nvSpPr>
+          <p:cNvPr id="5" name="Slide Number Placeholder 4"/>
+          <p:cNvSpPr>
+            <a:spLocks noGrp="1"/>
+          </p:cNvSpPr>
+          <p:nvPr>
+            <p:ph type="sldNum" sz="quarter" idx="12"/>
+          </p:nvPr>
+        </p:nvSpPr>
+        <p:spPr>
+          <a:xfrm>
+            <a:off x="0" y="6387664"/>
+            <a:ext cx="685799" cy="394136"/>
+          </a:xfrm>
+        </p:spPr>
+        <p:txBody>
+          <a:bodyPr/>
+          <a:lstStyle/>
+          <a:p>
+            <a:fld id="{963B0023-0CED-47F7-85AE-654F0B232C29}" type="slidenum">
+              <a:rPr lang="en-US" smtClean="0"/>
+              <a:pPr/>
+              <a:t>14</a:t>
+            </a:fld>
+            <a:r>
+              <a:rPr lang="en-US" dirty="0"/>
+              <a:t>/14</a:t>
+            </a:r>
+          </a:p>
+        </p:txBody>
+      </p:sp>
+      <p:sp>
+        <p:nvSpPr>
+          <p:cNvPr id="8" name="Content Placeholder 7"/>
+          <p:cNvSpPr>
+            <a:spLocks noGrp="1"/>
+          </p:cNvSpPr>
+          <p:nvPr>
+            <p:ph idx="1"/>
+          </p:nvPr>
+        </p:nvSpPr>
+        <p:spPr>
+          <a:xfrm>
+            <a:off x="457200" y="1524000"/>
+            <a:ext cx="8229600" cy="4863664"/>
+          </a:xfrm>
+        </p:spPr>
+        <p:txBody>
+          <a:bodyPr>
+            <a:normAutofit/>
+          </a:bodyPr>
+          <a:lstStyle/>
+          <a:p>
+            <a:pPr marL="0" indent="0">
+              <a:buNone/>
+            </a:pPr>
+            <a:endParaRPr lang="en-US" b="0" i="1" dirty="0">
+              <a:latin typeface="Cambria Math" panose="02040503050406030204" pitchFamily="18" charset="0"/>
+            </a:endParaRPr>
+          </a:p>
+          <a:p>
+            <a:pPr marL="0" indent="0">
+              <a:buNone/>
+            </a:pPr>
+            <a:endParaRPr lang="en-US" dirty="0"/>
+          </a:p>
+        </p:txBody>
+      </p:sp>
+      <p:graphicFrame>
+        <p:nvGraphicFramePr>
+          <p:cNvPr id="3" name="Table 2">
+            <a:extLst>
+              <a:ext uri="{FF2B5EF4-FFF2-40B4-BE49-F238E27FC236}">
+                <a16:creationId xmlns:a16="http://schemas.microsoft.com/office/drawing/2014/main" id="{D2016056-6E43-AF4E-8B41-72E114C30B11}"/>
+              </a:ext>
+            </a:extLst>
+          </p:cNvPr>
+          <p:cNvGraphicFramePr>
+            <a:graphicFrameLocks noGrp="1"/>
+          </p:cNvGraphicFramePr>
+          <p:nvPr>
+            <p:extLst>
+              <p:ext uri="{D42A27DB-BD31-4B8C-83A1-F6EECF244321}">
+                <p14:modId xmlns:p14="http://schemas.microsoft.com/office/powerpoint/2010/main" val="2247851477"/>
+              </p:ext>
+            </p:extLst>
+          </p:nvPr>
+        </p:nvGraphicFramePr>
+        <p:xfrm>
+          <a:off x="457200" y="1397000"/>
+          <a:ext cx="8001000" cy="2810380"/>
+        </p:xfrm>
+        <a:graphic>
+          <a:graphicData uri="http://schemas.openxmlformats.org/drawingml/2006/table">
+            <a:tbl>
+              <a:tblPr firstRow="1" bandRow="1">
+                <a:tableStyleId>{5C22544A-7EE6-4342-B048-85BDC9FD1C3A}</a:tableStyleId>
+              </a:tblPr>
+              <a:tblGrid>
+                <a:gridCol w="1828800">
+                  <a:extLst>
+                    <a:ext uri="{9D8B030D-6E8A-4147-A177-3AD203B41FA5}">
+                      <a16:colId xmlns:a16="http://schemas.microsoft.com/office/drawing/2014/main" val="813589321"/>
+                    </a:ext>
+                  </a:extLst>
+                </a:gridCol>
+                <a:gridCol w="1132394">
+                  <a:extLst>
+                    <a:ext uri="{9D8B030D-6E8A-4147-A177-3AD203B41FA5}">
+                      <a16:colId xmlns:a16="http://schemas.microsoft.com/office/drawing/2014/main" val="240561993"/>
+                    </a:ext>
+                  </a:extLst>
+                </a:gridCol>
+                <a:gridCol w="1153606">
+                  <a:extLst>
+                    <a:ext uri="{9D8B030D-6E8A-4147-A177-3AD203B41FA5}">
+                      <a16:colId xmlns:a16="http://schemas.microsoft.com/office/drawing/2014/main" val="4209855890"/>
+                    </a:ext>
+                  </a:extLst>
+                </a:gridCol>
+                <a:gridCol w="1143000">
+                  <a:extLst>
+                    <a:ext uri="{9D8B030D-6E8A-4147-A177-3AD203B41FA5}">
+                      <a16:colId xmlns:a16="http://schemas.microsoft.com/office/drawing/2014/main" val="2077942924"/>
+                    </a:ext>
+                  </a:extLst>
+                </a:gridCol>
+                <a:gridCol w="1295400">
+                  <a:extLst>
+                    <a:ext uri="{9D8B030D-6E8A-4147-A177-3AD203B41FA5}">
+                      <a16:colId xmlns:a16="http://schemas.microsoft.com/office/drawing/2014/main" val="1861094534"/>
+                    </a:ext>
+                  </a:extLst>
+                </a:gridCol>
+                <a:gridCol w="1447800">
+                  <a:extLst>
+                    <a:ext uri="{9D8B030D-6E8A-4147-A177-3AD203B41FA5}">
+                      <a16:colId xmlns:a16="http://schemas.microsoft.com/office/drawing/2014/main" val="3770561418"/>
+                    </a:ext>
+                  </a:extLst>
+                </a:gridCol>
+              </a:tblGrid>
+              <a:tr h="725228">
+                <a:tc>
+                  <a:txBody>
+                    <a:bodyPr/>
+                    <a:lstStyle/>
+                    <a:p>
+                      <a:pPr algn="ctr"/>
+                      <a:endParaRPr lang="en-US" dirty="0"/>
+                    </a:p>
+                  </a:txBody>
+                  <a:tcPr anchor="ctr"/>
+                </a:tc>
+                <a:tc>
+                  <a:txBody>
+                    <a:bodyPr/>
+                    <a:lstStyle/>
+                    <a:p>
+                      <a:pPr algn="ctr"/>
+                      <a:r>
+                        <a:rPr lang="en-US" dirty="0"/>
+                        <a:t>KNN</a:t>
+                      </a:r>
+                    </a:p>
+                  </a:txBody>
+                  <a:tcPr anchor="ctr"/>
+                </a:tc>
+                <a:tc>
+                  <a:txBody>
+                    <a:bodyPr/>
+                    <a:lstStyle/>
+                    <a:p>
+                      <a:pPr algn="ctr"/>
+                      <a:r>
+                        <a:rPr lang="en-US" dirty="0"/>
+                        <a:t>SVM</a:t>
+                      </a:r>
+                    </a:p>
+                  </a:txBody>
+                  <a:tcPr anchor="ctr"/>
+                </a:tc>
+                <a:tc>
+                  <a:txBody>
+                    <a:bodyPr/>
+                    <a:lstStyle/>
+                    <a:p>
+                      <a:pPr algn="ctr"/>
+                      <a:r>
+                        <a:rPr lang="en-US" dirty="0"/>
+                        <a:t>DT</a:t>
+                      </a:r>
+                    </a:p>
+                  </a:txBody>
+                  <a:tcPr anchor="ctr"/>
+                </a:tc>
+                <a:tc>
+                  <a:txBody>
+                    <a:bodyPr/>
+                    <a:lstStyle/>
+                    <a:p>
+                      <a:pPr algn="ctr"/>
+                      <a:r>
+                        <a:rPr lang="en-US" dirty="0"/>
+                        <a:t>RF</a:t>
+                      </a:r>
+                    </a:p>
+                  </a:txBody>
+                  <a:tcPr anchor="ctr"/>
+                </a:tc>
+                <a:tc>
+                  <a:txBody>
+                    <a:bodyPr/>
+                    <a:lstStyle/>
+                    <a:p>
+                      <a:pPr algn="ctr"/>
+                      <a:r>
+                        <a:rPr lang="en-US" dirty="0"/>
+                        <a:t>logistic</a:t>
+                      </a:r>
+                    </a:p>
+                  </a:txBody>
+                  <a:tcPr anchor="ctr"/>
+                </a:tc>
+                <a:extLst>
+                  <a:ext uri="{0D108BD9-81ED-4DB2-BD59-A6C34878D82A}">
+                    <a16:rowId xmlns:a16="http://schemas.microsoft.com/office/drawing/2014/main" val="26498029"/>
+                  </a:ext>
+                </a:extLst>
+              </a:tr>
+              <a:tr h="858592">
+                <a:tc>
+                  <a:txBody>
+                    <a:bodyPr/>
+                    <a:lstStyle/>
+                    <a:p>
+                      <a:pPr algn="ctr"/>
+                      <a:r>
+                        <a:rPr lang="en-US" dirty="0"/>
+                        <a:t>Down sample</a:t>
+                      </a:r>
+                    </a:p>
+                  </a:txBody>
+                  <a:tcPr anchor="ctr"/>
+                </a:tc>
+                <a:tc>
+                  <a:txBody>
+                    <a:bodyPr/>
+                    <a:lstStyle/>
+                    <a:p>
+                      <a:pPr algn="ctr"/>
+                      <a:endParaRPr lang="en-US"/>
+                    </a:p>
+                  </a:txBody>
+                  <a:tcPr anchor="ctr"/>
+                </a:tc>
+                <a:tc>
+                  <a:txBody>
+                    <a:bodyPr/>
+                    <a:lstStyle/>
+                    <a:p>
+                      <a:pPr algn="ctr"/>
+                      <a:endParaRPr lang="en-US"/>
+                    </a:p>
+                  </a:txBody>
+                  <a:tcPr anchor="ctr"/>
+                </a:tc>
+                <a:tc>
+                  <a:txBody>
+                    <a:bodyPr/>
+                    <a:lstStyle/>
+                    <a:p>
+                      <a:pPr algn="ctr"/>
+                      <a:endParaRPr lang="en-US"/>
+                    </a:p>
+                  </a:txBody>
+                  <a:tcPr anchor="ctr"/>
+                </a:tc>
+                <a:tc>
+                  <a:txBody>
+                    <a:bodyPr/>
+                    <a:lstStyle/>
+                    <a:p>
+                      <a:pPr algn="ctr"/>
+                      <a:endParaRPr lang="en-US"/>
+                    </a:p>
+                  </a:txBody>
+                  <a:tcPr anchor="ctr"/>
+                </a:tc>
+                <a:tc>
+                  <a:txBody>
+                    <a:bodyPr/>
+                    <a:lstStyle/>
+                    <a:p>
+                      <a:pPr algn="ctr"/>
+                      <a:endParaRPr lang="en-US" dirty="0"/>
+                    </a:p>
+                  </a:txBody>
+                  <a:tcPr anchor="ctr"/>
+                </a:tc>
+                <a:extLst>
+                  <a:ext uri="{0D108BD9-81ED-4DB2-BD59-A6C34878D82A}">
+                    <a16:rowId xmlns:a16="http://schemas.microsoft.com/office/drawing/2014/main" val="2801098207"/>
+                  </a:ext>
+                </a:extLst>
+              </a:tr>
+              <a:tr h="1226560">
+                <a:tc>
+                  <a:txBody>
+                    <a:bodyPr/>
+                    <a:lstStyle/>
+                    <a:p>
+                      <a:pPr algn="ctr"/>
+                      <a:r>
+                        <a:rPr lang="en-US" dirty="0"/>
+                        <a:t>Down Sample with PCA</a:t>
+                      </a:r>
+                    </a:p>
+                  </a:txBody>
+                  <a:tcPr anchor="ctr"/>
+                </a:tc>
+                <a:tc>
+                  <a:txBody>
+                    <a:bodyPr/>
+                    <a:lstStyle/>
+                    <a:p>
+                      <a:pPr algn="ctr"/>
+                      <a:endParaRPr lang="en-US"/>
+                    </a:p>
+                  </a:txBody>
+                  <a:tcPr anchor="ctr"/>
+                </a:tc>
+                <a:tc>
+                  <a:txBody>
+                    <a:bodyPr/>
+                    <a:lstStyle/>
+                    <a:p>
+                      <a:pPr algn="ctr"/>
+                      <a:endParaRPr lang="en-US"/>
+                    </a:p>
+                  </a:txBody>
+                  <a:tcPr anchor="ctr"/>
+                </a:tc>
+                <a:tc>
+                  <a:txBody>
+                    <a:bodyPr/>
+                    <a:lstStyle/>
+                    <a:p>
+                      <a:pPr algn="ctr"/>
+                      <a:endParaRPr lang="en-US"/>
+                    </a:p>
+                  </a:txBody>
+                  <a:tcPr anchor="ctr"/>
+                </a:tc>
+                <a:tc>
+                  <a:txBody>
+                    <a:bodyPr/>
+                    <a:lstStyle/>
+                    <a:p>
+                      <a:pPr algn="ctr"/>
+                      <a:endParaRPr lang="en-US"/>
+                    </a:p>
+                  </a:txBody>
+                  <a:tcPr anchor="ctr"/>
+                </a:tc>
+                <a:tc>
+                  <a:txBody>
+                    <a:bodyPr/>
+                    <a:lstStyle/>
+                    <a:p>
+                      <a:pPr algn="ctr"/>
+                      <a:endParaRPr lang="en-US" dirty="0"/>
+                    </a:p>
+                  </a:txBody>
+                  <a:tcPr anchor="ctr"/>
+                </a:tc>
+                <a:extLst>
+                  <a:ext uri="{0D108BD9-81ED-4DB2-BD59-A6C34878D82A}">
+                    <a16:rowId xmlns:a16="http://schemas.microsoft.com/office/drawing/2014/main" val="2616583364"/>
+                  </a:ext>
+                </a:extLst>
+              </a:tr>
+            </a:tbl>
+          </a:graphicData>
+        </a:graphic>
+      </p:graphicFrame>
+    </p:spTree>
+    <p:extLst>
+      <p:ext uri="{BB962C8B-B14F-4D97-AF65-F5344CB8AC3E}">
+        <p14:creationId xmlns:p14="http://schemas.microsoft.com/office/powerpoint/2010/main" val="1938428461"/>
+      </p:ext>
+    </p:extLst>
+  </p:cSld>
+  <p:clrMapOvr>
+    <a:masterClrMapping/>
+  </p:clrMapOvr>
+</p:sld>
+</file>
+
+<file path=ppt/slides/slide15.xml><?xml version="1.0" encoding="utf-8"?>
+<p:sld xmlns:a="http://schemas.openxmlformats.org/drawingml/2006/main" xmlns:r="http://schemas.openxmlformats.org/officeDocument/2006/relationships" xmlns:p="http://schemas.openxmlformats.org/presentationml/2006/main">
+  <p:cSld>
+    <p:spTree>
+      <p:nvGrpSpPr>
+        <p:cNvPr id="1" name=""/>
+        <p:cNvGrpSpPr/>
+        <p:nvPr/>
+      </p:nvGrpSpPr>
+      <p:grpSpPr>
+        <a:xfrm>
+          <a:off x="0" y="0"/>
+          <a:ext cx="0" cy="0"/>
+          <a:chOff x="0" y="0"/>
+          <a:chExt cx="0" cy="0"/>
+        </a:xfrm>
+      </p:grpSpPr>
+      <p:sp>
+        <p:nvSpPr>
+          <p:cNvPr id="2" name="Title 1"/>
+          <p:cNvSpPr>
+            <a:spLocks noGrp="1"/>
+          </p:cNvSpPr>
+          <p:nvPr>
+            <p:ph type="title"/>
+          </p:nvPr>
+        </p:nvSpPr>
+        <p:spPr/>
+        <p:txBody>
+          <a:bodyPr/>
+          <a:lstStyle/>
+          <a:p>
+            <a:r>
+              <a:rPr lang="en-US" dirty="0">
+                <a:latin typeface="Times"/>
+                <a:cs typeface="Times"/>
+              </a:rPr>
+              <a:t>Future Work</a:t>
+            </a:r>
           </a:p>
         </p:txBody>
       </p:sp>
@@ -7222,32 +7233,157 @@
           <a:bodyPr/>
           <a:lstStyle/>
           <a:p>
-            <a:endParaRPr lang="en-US" dirty="0" smtClean="0"/>
-          </a:p>
-          <a:p>
             <a:endParaRPr lang="en-US" dirty="0"/>
           </a:p>
           <a:p>
-            <a:endParaRPr lang="en-US" dirty="0" smtClean="0"/>
-          </a:p>
-          <a:p>
-            <a:pPr marL="0" indent="0" algn="ctr">
+            <a:pPr marL="0" indent="0">
               <a:buNone/>
             </a:pPr>
-            <a:r>
-              <a:rPr lang="en-US" sz="3600" b="1" dirty="0" smtClean="0"/>
-              <a:t>Thank you!</a:t>
-            </a:r>
-          </a:p>
-          <a:p>
-            <a:pPr marL="0" indent="0" algn="ctr">
+            <a:endParaRPr lang="en-US" dirty="0"/>
+          </a:p>
+          <a:p>
+            <a:endParaRPr lang="en-US" dirty="0"/>
+          </a:p>
+        </p:txBody>
+      </p:sp>
+      <p:sp>
+        <p:nvSpPr>
+          <p:cNvPr id="5" name="Slide Number Placeholder 4"/>
+          <p:cNvSpPr>
+            <a:spLocks noGrp="1"/>
+          </p:cNvSpPr>
+          <p:nvPr>
+            <p:ph type="sldNum" sz="quarter" idx="12"/>
+          </p:nvPr>
+        </p:nvSpPr>
+        <p:spPr>
+          <a:xfrm>
+            <a:off x="0" y="6387664"/>
+            <a:ext cx="762000" cy="394136"/>
+          </a:xfrm>
+        </p:spPr>
+        <p:txBody>
+          <a:bodyPr/>
+          <a:lstStyle/>
+          <a:p>
+            <a:fld id="{963B0023-0CED-47F7-85AE-654F0B232C29}" type="slidenum">
+              <a:rPr lang="en-US" smtClean="0"/>
+              <a:pPr/>
+              <a:t>15</a:t>
+            </a:fld>
+            <a:r>
+              <a:rPr lang="en-US" dirty="0"/>
+              <a:t>/14</a:t>
+            </a:r>
+          </a:p>
+        </p:txBody>
+      </p:sp>
+    </p:spTree>
+    <p:extLst>
+      <p:ext uri="{BB962C8B-B14F-4D97-AF65-F5344CB8AC3E}">
+        <p14:creationId xmlns:p14="http://schemas.microsoft.com/office/powerpoint/2010/main" val="520386235"/>
+      </p:ext>
+    </p:extLst>
+  </p:cSld>
+  <p:clrMapOvr>
+    <a:masterClrMapping/>
+  </p:clrMapOvr>
+</p:sld>
+</file>
+
+<file path=ppt/slides/slide16.xml><?xml version="1.0" encoding="utf-8"?>
+<p:sld xmlns:a="http://schemas.openxmlformats.org/drawingml/2006/main" xmlns:r="http://schemas.openxmlformats.org/officeDocument/2006/relationships" xmlns:p="http://schemas.openxmlformats.org/presentationml/2006/main">
+  <p:cSld>
+    <p:spTree>
+      <p:nvGrpSpPr>
+        <p:cNvPr id="1" name=""/>
+        <p:cNvGrpSpPr/>
+        <p:nvPr/>
+      </p:nvGrpSpPr>
+      <p:grpSpPr>
+        <a:xfrm>
+          <a:off x="0" y="0"/>
+          <a:ext cx="0" cy="0"/>
+          <a:chOff x="0" y="0"/>
+          <a:chExt cx="0" cy="0"/>
+        </a:xfrm>
+      </p:grpSpPr>
+      <p:sp>
+        <p:nvSpPr>
+          <p:cNvPr id="2" name="Title 1"/>
+          <p:cNvSpPr>
+            <a:spLocks noGrp="1"/>
+          </p:cNvSpPr>
+          <p:nvPr>
+            <p:ph type="title"/>
+          </p:nvPr>
+        </p:nvSpPr>
+        <p:spPr/>
+        <p:txBody>
+          <a:bodyPr/>
+          <a:lstStyle/>
+          <a:p>
+            <a:r>
+              <a:rPr lang="en-US" dirty="0">
+                <a:latin typeface="Times"/>
+                <a:cs typeface="Times"/>
+              </a:rPr>
+              <a:t>Reference</a:t>
+            </a:r>
+          </a:p>
+        </p:txBody>
+      </p:sp>
+      <p:sp>
+        <p:nvSpPr>
+          <p:cNvPr id="3" name="Content Placeholder 2"/>
+          <p:cNvSpPr>
+            <a:spLocks noGrp="1"/>
+          </p:cNvSpPr>
+          <p:nvPr>
+            <p:ph idx="1"/>
+          </p:nvPr>
+        </p:nvSpPr>
+        <p:spPr/>
+        <p:txBody>
+          <a:bodyPr/>
+          <a:lstStyle/>
+          <a:p>
+            <a:pPr lvl="0"/>
+            <a:r>
+              <a:rPr lang="en-US" dirty="0"/>
+              <a:t>[1] Peter </a:t>
+            </a:r>
+            <a:r>
+              <a:rPr lang="en-US" dirty="0" err="1"/>
+              <a:t>Flach</a:t>
+            </a:r>
+            <a:r>
+              <a:rPr lang="en-US" dirty="0"/>
+              <a:t>, Cambridge University Press. The Art and Science of Algorithms That Make Sense of Data</a:t>
+            </a:r>
+          </a:p>
+          <a:p>
+            <a:r>
+              <a:rPr lang="en-US" dirty="0"/>
+              <a:t>[2] </a:t>
+            </a:r>
+            <a:r>
+              <a:rPr lang="en-US" dirty="0" err="1"/>
+              <a:t>Kyumin</a:t>
+            </a:r>
+            <a:r>
+              <a:rPr lang="en-US" dirty="0"/>
+              <a:t> Lee, Worcester Polytechnic Institute Lecture Slides: CS539 Machine Learning</a:t>
+            </a:r>
+          </a:p>
+          <a:p>
+            <a:pPr marL="0" indent="0">
               <a:buNone/>
             </a:pPr>
-            <a:r>
-              <a:rPr lang="en-US" sz="3600" b="1" dirty="0" smtClean="0"/>
-              <a:t>Questions?</a:t>
-            </a:r>
-            <a:endParaRPr lang="en-US" sz="3600" b="1" dirty="0"/>
+            <a:endParaRPr lang="en-US" dirty="0"/>
+          </a:p>
+          <a:p>
+            <a:endParaRPr lang="en-US" dirty="0"/>
           </a:p>
         </p:txBody>
       </p:sp>
@@ -7274,13 +7410,136 @@
             <a:fld id="{963B0023-0CED-47F7-85AE-654F0B232C29}" type="slidenum">
               <a:rPr lang="en-US" smtClean="0"/>
               <a:pPr/>
-              <a:t>14</a:t>
+              <a:t>16</a:t>
             </a:fld>
             <a:r>
-              <a:rPr lang="en-US" dirty="0" smtClean="0"/>
+              <a:rPr lang="en-US" dirty="0"/>
               <a:t>/14</a:t>
             </a:r>
+          </a:p>
+        </p:txBody>
+      </p:sp>
+    </p:spTree>
+    <p:extLst>
+      <p:ext uri="{BB962C8B-B14F-4D97-AF65-F5344CB8AC3E}">
+        <p14:creationId xmlns:p14="http://schemas.microsoft.com/office/powerpoint/2010/main" val="3864079531"/>
+      </p:ext>
+    </p:extLst>
+  </p:cSld>
+  <p:clrMapOvr>
+    <a:masterClrMapping/>
+  </p:clrMapOvr>
+</p:sld>
+</file>
+
+<file path=ppt/slides/slide17.xml><?xml version="1.0" encoding="utf-8"?>
+<p:sld xmlns:a="http://schemas.openxmlformats.org/drawingml/2006/main" xmlns:r="http://schemas.openxmlformats.org/officeDocument/2006/relationships" xmlns:p="http://schemas.openxmlformats.org/presentationml/2006/main">
+  <p:cSld>
+    <p:spTree>
+      <p:nvGrpSpPr>
+        <p:cNvPr id="1" name=""/>
+        <p:cNvGrpSpPr/>
+        <p:nvPr/>
+      </p:nvGrpSpPr>
+      <p:grpSpPr>
+        <a:xfrm>
+          <a:off x="0" y="0"/>
+          <a:ext cx="0" cy="0"/>
+          <a:chOff x="0" y="0"/>
+          <a:chExt cx="0" cy="0"/>
+        </a:xfrm>
+      </p:grpSpPr>
+      <p:sp>
+        <p:nvSpPr>
+          <p:cNvPr id="2" name="Title 1"/>
+          <p:cNvSpPr>
+            <a:spLocks noGrp="1"/>
+          </p:cNvSpPr>
+          <p:nvPr>
+            <p:ph type="title"/>
+          </p:nvPr>
+        </p:nvSpPr>
+        <p:spPr/>
+        <p:txBody>
+          <a:bodyPr/>
+          <a:lstStyle/>
+          <a:p>
+            <a:endParaRPr lang="en-US"/>
+          </a:p>
+        </p:txBody>
+      </p:sp>
+      <p:sp>
+        <p:nvSpPr>
+          <p:cNvPr id="3" name="Content Placeholder 2"/>
+          <p:cNvSpPr>
+            <a:spLocks noGrp="1"/>
+          </p:cNvSpPr>
+          <p:nvPr>
+            <p:ph idx="1"/>
+          </p:nvPr>
+        </p:nvSpPr>
+        <p:spPr/>
+        <p:txBody>
+          <a:bodyPr/>
+          <a:lstStyle/>
+          <a:p>
             <a:endParaRPr lang="en-US" dirty="0"/>
+          </a:p>
+          <a:p>
+            <a:endParaRPr lang="en-US" dirty="0"/>
+          </a:p>
+          <a:p>
+            <a:endParaRPr lang="en-US" dirty="0"/>
+          </a:p>
+          <a:p>
+            <a:pPr marL="0" indent="0" algn="ctr">
+              <a:buNone/>
+            </a:pPr>
+            <a:r>
+              <a:rPr lang="en-US" sz="3600" b="1" dirty="0"/>
+              <a:t>Thank you!</a:t>
+            </a:r>
+          </a:p>
+          <a:p>
+            <a:pPr marL="0" indent="0" algn="ctr">
+              <a:buNone/>
+            </a:pPr>
+            <a:r>
+              <a:rPr lang="en-US" sz="3600" b="1" dirty="0"/>
+              <a:t>Questions?</a:t>
+            </a:r>
+          </a:p>
+        </p:txBody>
+      </p:sp>
+      <p:sp>
+        <p:nvSpPr>
+          <p:cNvPr id="5" name="Slide Number Placeholder 4"/>
+          <p:cNvSpPr>
+            <a:spLocks noGrp="1"/>
+          </p:cNvSpPr>
+          <p:nvPr>
+            <p:ph type="sldNum" sz="quarter" idx="12"/>
+          </p:nvPr>
+        </p:nvSpPr>
+        <p:spPr>
+          <a:xfrm>
+            <a:off x="0" y="6387664"/>
+            <a:ext cx="685800" cy="394136"/>
+          </a:xfrm>
+        </p:spPr>
+        <p:txBody>
+          <a:bodyPr/>
+          <a:lstStyle/>
+          <a:p>
+            <a:fld id="{963B0023-0CED-47F7-85AE-654F0B232C29}" type="slidenum">
+              <a:rPr lang="en-US" smtClean="0"/>
+              <a:pPr/>
+              <a:t>17</a:t>
+            </a:fld>
+            <a:r>
+              <a:rPr lang="en-US" dirty="0"/>
+              <a:t>/14</a:t>
+            </a:r>
           </a:p>
         </p:txBody>
       </p:sp>
@@ -7294,13 +7553,6 @@
   <p:clrMapOvr>
     <a:masterClrMapping/>
   </p:clrMapOvr>
-  <p:timing>
-    <p:tnLst>
-      <p:par>
-        <p:cTn id="1" dur="indefinite" restart="never" nodeType="tmRoot"/>
-      </p:par>
-    </p:tnLst>
-  </p:timing>
 </p:sld>
 </file>
 
@@ -7337,30 +7589,26 @@
           <a:lstStyle/>
           <a:p>
             <a:r>
-              <a:rPr lang="en-US" dirty="0" smtClean="0">
+              <a:rPr lang="en-US" dirty="0">
                 <a:latin typeface="Times"/>
                 <a:cs typeface="Times"/>
               </a:rPr>
               <a:t>What is </a:t>
             </a:r>
             <a:r>
-              <a:rPr lang="en-US" dirty="0" err="1" smtClean="0">
+              <a:rPr lang="en-US" dirty="0" err="1">
                 <a:latin typeface="Times"/>
                 <a:cs typeface="Times"/>
               </a:rPr>
               <a:t>LendingClub</a:t>
             </a:r>
             <a:r>
-              <a:rPr lang="en-US" dirty="0" smtClean="0">
+              <a:rPr lang="en-US" dirty="0">
                 <a:latin typeface="Times"/>
                 <a:cs typeface="Times"/>
               </a:rPr>
               <a:t>?</a:t>
             </a:r>
-            <a:endParaRPr lang="en-US" dirty="0">
-              <a:latin typeface="Times"/>
-              <a:cs typeface="Times"/>
-            </a:endParaRPr>
           </a:p>
         </p:txBody>
       </p:sp>
@@ -7390,32 +7638,15 @@
             </a:r>
             <a:r>
               <a:rPr lang="en-US" sz="2800" dirty="0"/>
-              <a:t> is a US peer-to-peer lending company, </a:t>
-            </a:r>
-            <a:r>
-              <a:rPr lang="en-US" sz="2800" dirty="0" smtClean="0"/>
-              <a:t>which operates </a:t>
-            </a:r>
+              <a:t> is a US peer-to-peer lending company, which operates an online lending platform. In Exchange for returns, investors purchase notes backed by payments made on loans. </a:t>
+            </a:r>
+          </a:p>
+          <a:p>
+            <a:pPr marL="0" indent="0">
+              <a:buNone/>
+            </a:pPr>
             <a:r>
               <a:rPr lang="en-US" sz="2800" dirty="0"/>
-              <a:t>an online lending </a:t>
-            </a:r>
-            <a:r>
-              <a:rPr lang="en-US" sz="2800" dirty="0" smtClean="0"/>
-              <a:t>platform. In Exchange for returns, investors </a:t>
-            </a:r>
-            <a:r>
-              <a:rPr lang="en-US" sz="2800" dirty="0"/>
-              <a:t>purchase notes backed by payments made on loans. </a:t>
-            </a:r>
-            <a:endParaRPr lang="en-US" sz="2800" dirty="0" smtClean="0"/>
-          </a:p>
-          <a:p>
-            <a:pPr marL="0" indent="0">
-              <a:buNone/>
-            </a:pPr>
-            <a:r>
-              <a:rPr lang="en-US" sz="2800" dirty="0" smtClean="0"/>
               <a:t>Our target is to investigate company money lending decision according to the feather of each client.</a:t>
             </a:r>
             <a:endParaRPr lang="en-US" sz="2800" dirty="0">
@@ -7429,7 +7660,7 @@
             <a:pPr marL="0" indent="0">
               <a:buNone/>
             </a:pPr>
-            <a:endParaRPr lang="en-US" dirty="0" smtClean="0">
+            <a:endParaRPr lang="en-US" dirty="0">
               <a:latin typeface="Times"/>
               <a:ea typeface="Wingdings"/>
               <a:cs typeface="Times"/>
@@ -7441,7 +7672,7 @@
               <a:buNone/>
             </a:pPr>
             <a:r>
-              <a:rPr lang="en-US" dirty="0" smtClean="0">
+              <a:rPr lang="en-US" dirty="0">
                 <a:latin typeface="Wingdings"/>
                 <a:ea typeface="Wingdings"/>
                 <a:cs typeface="Wingdings"/>
@@ -7479,10 +7710,9 @@
               <a:t>2</a:t>
             </a:fld>
             <a:r>
-              <a:rPr lang="en-US" dirty="0" smtClean="0"/>
+              <a:rPr lang="en-US" dirty="0"/>
               <a:t>/14</a:t>
             </a:r>
-            <a:endParaRPr lang="en-US" dirty="0"/>
           </a:p>
         </p:txBody>
       </p:sp>
@@ -7496,13 +7726,6 @@
   <p:clrMapOvr>
     <a:masterClrMapping/>
   </p:clrMapOvr>
-  <p:timing>
-    <p:tnLst>
-      <p:par>
-        <p:cTn id="1" dur="indefinite" restart="never" nodeType="tmRoot"/>
-      </p:par>
-    </p:tnLst>
-  </p:timing>
 </p:sld>
 </file>
 
@@ -7539,30 +7762,12 @@
           <a:lstStyle/>
           <a:p>
             <a:r>
-              <a:rPr lang="en-US" dirty="0" smtClean="0">
+              <a:rPr lang="en-US" dirty="0">
                 <a:latin typeface="Times"/>
                 <a:cs typeface="Times"/>
               </a:rPr>
-              <a:t>What is our </a:t>
-            </a:r>
-            <a:r>
-              <a:rPr lang="en-US" dirty="0" err="1" smtClean="0">
-                <a:latin typeface="Times"/>
-                <a:cs typeface="Times"/>
-              </a:rPr>
-              <a:t>Dateset</a:t>
-            </a:r>
-            <a:r>
-              <a:rPr lang="en-US" dirty="0" smtClean="0">
-                <a:latin typeface="Times"/>
-                <a:cs typeface="Times"/>
-              </a:rPr>
-              <a:t>?</a:t>
-            </a:r>
-            <a:endParaRPr lang="en-US" dirty="0">
-              <a:latin typeface="Times"/>
-              <a:cs typeface="Times"/>
-            </a:endParaRPr>
+              <a:t>What is our Dataset?</a:t>
+            </a:r>
           </a:p>
         </p:txBody>
       </p:sp>
@@ -7586,18 +7791,7 @@
             <a:pPr marL="0" indent="0" algn="ctr">
               <a:buNone/>
             </a:pPr>
-            <a:endParaRPr lang="en-US" sz="2000" i="1" dirty="0" smtClean="0"/>
-          </a:p>
-          <a:p>
-            <a:pPr marL="0" indent="0">
-              <a:buNone/>
-            </a:pPr>
-            <a:endParaRPr lang="en-US" i="1" dirty="0" smtClean="0">
-              <a:latin typeface="Times"/>
-              <a:ea typeface="Wingdings"/>
-              <a:cs typeface="Times"/>
-              <a:sym typeface="Wingdings"/>
-            </a:endParaRPr>
+            <a:endParaRPr lang="en-US" sz="2000" i="1" dirty="0"/>
           </a:p>
           <a:p>
             <a:pPr marL="0" indent="0">
@@ -7614,7 +7808,7 @@
             <a:pPr marL="0" indent="0">
               <a:buNone/>
             </a:pPr>
-            <a:endParaRPr lang="en-US" i="1" dirty="0" smtClean="0">
+            <a:endParaRPr lang="en-US" i="1" dirty="0">
               <a:latin typeface="Times"/>
               <a:ea typeface="Wingdings"/>
               <a:cs typeface="Times"/>
@@ -7633,43 +7827,48 @@
             </a:endParaRPr>
           </a:p>
           <a:p>
-            <a:r>
-              <a:rPr lang="en-US" sz="2800" dirty="0" smtClean="0">
-                <a:latin typeface="Times"/>
-                <a:ea typeface="Wingdings"/>
-                <a:cs typeface="Times"/>
-                <a:sym typeface="Wingdings"/>
-              </a:rPr>
-              <a:t>Row: Include 136 client feathers</a:t>
-            </a:r>
-          </a:p>
-          <a:p>
-            <a:r>
-              <a:rPr lang="en-US" sz="2800" dirty="0" smtClean="0">
-                <a:latin typeface="Times"/>
-                <a:ea typeface="Wingdings"/>
-                <a:cs typeface="Times"/>
-                <a:sym typeface="Wingdings"/>
-              </a:rPr>
-              <a:t>Column: Over 1500K lending records last 10 years </a:t>
-            </a:r>
-          </a:p>
-          <a:p>
-            <a:r>
-              <a:rPr lang="en-US" sz="2800" dirty="0" smtClean="0">
-                <a:latin typeface="Times"/>
-                <a:ea typeface="Wingdings"/>
-                <a:cs typeface="Times"/>
-                <a:sym typeface="Wingdings"/>
-              </a:rPr>
-              <a:t>Label: Payment status, “Good” or “bad” </a:t>
-            </a:r>
-            <a:endParaRPr lang="en-US" sz="2800" dirty="0" smtClean="0">
+            <a:pPr marL="0" indent="0">
+              <a:buNone/>
+            </a:pPr>
+            <a:endParaRPr lang="en-US" i="1" dirty="0">
               <a:latin typeface="Times"/>
               <a:ea typeface="Wingdings"/>
               <a:cs typeface="Times"/>
               <a:sym typeface="Wingdings"/>
             </a:endParaRPr>
+          </a:p>
+          <a:p>
+            <a:r>
+              <a:rPr lang="en-US" sz="2800" dirty="0">
+                <a:latin typeface="Times"/>
+                <a:ea typeface="Wingdings"/>
+                <a:cs typeface="Times"/>
+                <a:sym typeface="Wingdings"/>
+              </a:rPr>
+              <a:t>Column: Include 136 client feathers</a:t>
+            </a:r>
+          </a:p>
+          <a:p>
+            <a:r>
+              <a:rPr lang="en-US" sz="2800" dirty="0">
+                <a:latin typeface="Times"/>
+                <a:ea typeface="Wingdings"/>
+                <a:cs typeface="Times"/>
+                <a:sym typeface="Wingdings"/>
+              </a:rPr>
+              <a:t>Row: Over 60,000 lending records last 10 years </a:t>
+            </a:r>
+          </a:p>
+          <a:p>
+            <a:r>
+              <a:rPr lang="en-US" sz="2800" dirty="0">
+                <a:latin typeface="Times"/>
+                <a:ea typeface="Wingdings"/>
+                <a:cs typeface="Times"/>
+                <a:sym typeface="Wingdings"/>
+              </a:rPr>
+              <a:t>Label: Payment status, “Good” or “bad” </a:t>
+            </a:r>
           </a:p>
         </p:txBody>
       </p:sp>
@@ -7699,10 +7898,9 @@
               <a:t>3</a:t>
             </a:fld>
             <a:r>
-              <a:rPr lang="en-US" dirty="0" smtClean="0"/>
+              <a:rPr lang="en-US" dirty="0"/>
               <a:t>/14</a:t>
             </a:r>
-            <a:endParaRPr lang="en-US" dirty="0"/>
           </a:p>
         </p:txBody>
       </p:sp>
@@ -7777,13 +7975,6 @@
   <p:clrMapOvr>
     <a:masterClrMapping/>
   </p:clrMapOvr>
-  <p:timing>
-    <p:tnLst>
-      <p:par>
-        <p:cTn id="1" dur="indefinite" restart="never" nodeType="tmRoot"/>
-      </p:par>
-    </p:tnLst>
-  </p:timing>
 </p:sld>
 </file>
 
@@ -7820,16 +8011,318 @@
           <a:lstStyle/>
           <a:p>
             <a:r>
-              <a:rPr lang="en-US" dirty="0" smtClean="0">
+              <a:rPr lang="en-US" dirty="0">
                 <a:latin typeface="Times"/>
                 <a:cs typeface="Times"/>
               </a:rPr>
+              <a:t>What is our data distribution?</a:t>
+            </a:r>
+          </a:p>
+        </p:txBody>
+      </p:sp>
+      <p:pic>
+        <p:nvPicPr>
+          <p:cNvPr id="7" name="Content Placeholder 6">
+            <a:extLst>
+              <a:ext uri="{FF2B5EF4-FFF2-40B4-BE49-F238E27FC236}">
+                <a16:creationId xmlns:a16="http://schemas.microsoft.com/office/drawing/2014/main" id="{9D6D03DC-4633-F44B-8371-0A250EBB61D0}"/>
+              </a:ext>
+            </a:extLst>
+          </p:cNvPr>
+          <p:cNvPicPr>
+            <a:picLocks noGrp="1" noChangeAspect="1"/>
+          </p:cNvPicPr>
+          <p:nvPr>
+            <p:ph idx="1"/>
+          </p:nvPr>
+        </p:nvPicPr>
+        <p:blipFill>
+          <a:blip r:embed="rId3">
+            <a:extLst>
+              <a:ext uri="{28A0092B-C50C-407E-A947-70E740481C1C}">
+                <a14:useLocalDpi xmlns:a14="http://schemas.microsoft.com/office/drawing/2010/main" val="0"/>
+              </a:ext>
+            </a:extLst>
+          </a:blip>
+          <a:stretch>
+            <a:fillRect/>
+          </a:stretch>
+        </p:blipFill>
+        <p:spPr>
+          <a:xfrm>
+            <a:off x="556805" y="1524000"/>
+            <a:ext cx="8030389" cy="4648200"/>
+          </a:xfrm>
+        </p:spPr>
+      </p:pic>
+      <p:sp>
+        <p:nvSpPr>
+          <p:cNvPr id="5" name="Slide Number Placeholder 4"/>
+          <p:cNvSpPr>
+            <a:spLocks noGrp="1"/>
+          </p:cNvSpPr>
+          <p:nvPr>
+            <p:ph type="sldNum" sz="quarter" idx="12"/>
+          </p:nvPr>
+        </p:nvSpPr>
+        <p:spPr>
+          <a:xfrm>
+            <a:off x="0" y="6387664"/>
+            <a:ext cx="609599" cy="394136"/>
+          </a:xfrm>
+        </p:spPr>
+        <p:txBody>
+          <a:bodyPr/>
+          <a:lstStyle/>
+          <a:p>
+            <a:fld id="{963B0023-0CED-47F7-85AE-654F0B232C29}" type="slidenum">
+              <a:rPr lang="en-US" smtClean="0"/>
+              <a:pPr/>
+              <a:t>4</a:t>
+            </a:fld>
+            <a:r>
+              <a:rPr lang="en-US" dirty="0"/>
+              <a:t>/14</a:t>
+            </a:r>
+          </a:p>
+        </p:txBody>
+      </p:sp>
+      <p:sp>
+        <p:nvSpPr>
+          <p:cNvPr id="10" name="TextBox 9"/>
+          <p:cNvSpPr txBox="1"/>
+          <p:nvPr/>
+        </p:nvSpPr>
+        <p:spPr>
+          <a:xfrm>
+            <a:off x="5029200" y="1905000"/>
+            <a:ext cx="3048000" cy="381000"/>
+          </a:xfrm>
+          <a:prstGeom prst="rect">
+            <a:avLst/>
+          </a:prstGeom>
+          <a:noFill/>
+        </p:spPr>
+        <p:txBody>
+          <a:bodyPr wrap="square" rtlCol="0">
+            <a:noAutofit/>
+          </a:bodyPr>
+          <a:lstStyle/>
+          <a:p>
+            <a:endParaRPr lang="en-US" sz="2000" b="1" dirty="0">
+              <a:latin typeface="Times"/>
+              <a:ea typeface="Wingdings"/>
+              <a:cs typeface="Times"/>
+              <a:sym typeface="Wingdings"/>
+            </a:endParaRPr>
+          </a:p>
+        </p:txBody>
+      </p:sp>
+    </p:spTree>
+    <p:extLst>
+      <p:ext uri="{BB962C8B-B14F-4D97-AF65-F5344CB8AC3E}">
+        <p14:creationId xmlns:p14="http://schemas.microsoft.com/office/powerpoint/2010/main" val="379029725"/>
+      </p:ext>
+    </p:extLst>
+  </p:cSld>
+  <p:clrMapOvr>
+    <a:masterClrMapping/>
+  </p:clrMapOvr>
+</p:sld>
+</file>
+
+<file path=ppt/slides/slide5.xml><?xml version="1.0" encoding="utf-8"?>
+<p:sld xmlns:a="http://schemas.openxmlformats.org/drawingml/2006/main" xmlns:r="http://schemas.openxmlformats.org/officeDocument/2006/relationships" xmlns:p="http://schemas.openxmlformats.org/presentationml/2006/main">
+  <p:cSld>
+    <p:spTree>
+      <p:nvGrpSpPr>
+        <p:cNvPr id="1" name=""/>
+        <p:cNvGrpSpPr/>
+        <p:nvPr/>
+      </p:nvGrpSpPr>
+      <p:grpSpPr>
+        <a:xfrm>
+          <a:off x="0" y="0"/>
+          <a:ext cx="0" cy="0"/>
+          <a:chOff x="0" y="0"/>
+          <a:chExt cx="0" cy="0"/>
+        </a:xfrm>
+      </p:grpSpPr>
+      <p:sp>
+        <p:nvSpPr>
+          <p:cNvPr id="2" name="Title 1"/>
+          <p:cNvSpPr>
+            <a:spLocks noGrp="1"/>
+          </p:cNvSpPr>
+          <p:nvPr>
+            <p:ph type="title"/>
+          </p:nvPr>
+        </p:nvSpPr>
+        <p:spPr/>
+        <p:txBody>
+          <a:bodyPr/>
+          <a:lstStyle/>
+          <a:p>
+            <a:r>
+              <a:rPr lang="en-US" dirty="0">
+                <a:latin typeface="Times"/>
+                <a:cs typeface="Times"/>
+              </a:rPr>
+              <a:t>What is our data distribution?</a:t>
+            </a:r>
+          </a:p>
+        </p:txBody>
+      </p:sp>
+      <p:pic>
+        <p:nvPicPr>
+          <p:cNvPr id="7" name="Content Placeholder 6">
+            <a:extLst>
+              <a:ext uri="{FF2B5EF4-FFF2-40B4-BE49-F238E27FC236}">
+                <a16:creationId xmlns:a16="http://schemas.microsoft.com/office/drawing/2014/main" id="{7C1BC29A-1D39-4047-AF31-7819CDFD5E95}"/>
+              </a:ext>
+            </a:extLst>
+          </p:cNvPr>
+          <p:cNvPicPr>
+            <a:picLocks noGrp="1" noChangeAspect="1"/>
+          </p:cNvPicPr>
+          <p:nvPr>
+            <p:ph idx="1"/>
+          </p:nvPr>
+        </p:nvPicPr>
+        <p:blipFill>
+          <a:blip r:embed="rId3">
+            <a:extLst>
+              <a:ext uri="{28A0092B-C50C-407E-A947-70E740481C1C}">
+                <a14:useLocalDpi xmlns:a14="http://schemas.microsoft.com/office/drawing/2010/main" val="0"/>
+              </a:ext>
+            </a:extLst>
+          </a:blip>
+          <a:stretch>
+            <a:fillRect/>
+          </a:stretch>
+        </p:blipFill>
+        <p:spPr>
+          <a:xfrm>
+            <a:off x="526860" y="1524000"/>
+            <a:ext cx="8090280" cy="4648200"/>
+          </a:xfrm>
+        </p:spPr>
+      </p:pic>
+      <p:sp>
+        <p:nvSpPr>
+          <p:cNvPr id="5" name="Slide Number Placeholder 4"/>
+          <p:cNvSpPr>
+            <a:spLocks noGrp="1"/>
+          </p:cNvSpPr>
+          <p:nvPr>
+            <p:ph type="sldNum" sz="quarter" idx="12"/>
+          </p:nvPr>
+        </p:nvSpPr>
+        <p:spPr>
+          <a:xfrm>
+            <a:off x="0" y="6387664"/>
+            <a:ext cx="609599" cy="394136"/>
+          </a:xfrm>
+        </p:spPr>
+        <p:txBody>
+          <a:bodyPr/>
+          <a:lstStyle/>
+          <a:p>
+            <a:fld id="{963B0023-0CED-47F7-85AE-654F0B232C29}" type="slidenum">
+              <a:rPr lang="en-US" smtClean="0"/>
+              <a:pPr/>
+              <a:t>5</a:t>
+            </a:fld>
+            <a:r>
+              <a:rPr lang="en-US" dirty="0"/>
+              <a:t>/14</a:t>
+            </a:r>
+          </a:p>
+        </p:txBody>
+      </p:sp>
+      <p:sp>
+        <p:nvSpPr>
+          <p:cNvPr id="10" name="TextBox 9"/>
+          <p:cNvSpPr txBox="1"/>
+          <p:nvPr/>
+        </p:nvSpPr>
+        <p:spPr>
+          <a:xfrm>
+            <a:off x="5029200" y="1905000"/>
+            <a:ext cx="3048000" cy="381000"/>
+          </a:xfrm>
+          <a:prstGeom prst="rect">
+            <a:avLst/>
+          </a:prstGeom>
+          <a:noFill/>
+        </p:spPr>
+        <p:txBody>
+          <a:bodyPr wrap="square" rtlCol="0">
+            <a:noAutofit/>
+          </a:bodyPr>
+          <a:lstStyle/>
+          <a:p>
+            <a:endParaRPr lang="en-US" sz="2000" b="1" dirty="0">
+              <a:latin typeface="Times"/>
+              <a:ea typeface="Wingdings"/>
+              <a:cs typeface="Times"/>
+              <a:sym typeface="Wingdings"/>
+            </a:endParaRPr>
+          </a:p>
+        </p:txBody>
+      </p:sp>
+    </p:spTree>
+    <p:extLst>
+      <p:ext uri="{BB962C8B-B14F-4D97-AF65-F5344CB8AC3E}">
+        <p14:creationId xmlns:p14="http://schemas.microsoft.com/office/powerpoint/2010/main" val="1169057059"/>
+      </p:ext>
+    </p:extLst>
+  </p:cSld>
+  <p:clrMapOvr>
+    <a:masterClrMapping/>
+  </p:clrMapOvr>
+</p:sld>
+</file>
+
+<file path=ppt/slides/slide6.xml><?xml version="1.0" encoding="utf-8"?>
+<p:sld xmlns:a="http://schemas.openxmlformats.org/drawingml/2006/main" xmlns:r="http://schemas.openxmlformats.org/officeDocument/2006/relationships" xmlns:p="http://schemas.openxmlformats.org/presentationml/2006/main">
+  <p:cSld>
+    <p:spTree>
+      <p:nvGrpSpPr>
+        <p:cNvPr id="1" name=""/>
+        <p:cNvGrpSpPr/>
+        <p:nvPr/>
+      </p:nvGrpSpPr>
+      <p:grpSpPr>
+        <a:xfrm>
+          <a:off x="0" y="0"/>
+          <a:ext cx="0" cy="0"/>
+          <a:chOff x="0" y="0"/>
+          <a:chExt cx="0" cy="0"/>
+        </a:xfrm>
+      </p:grpSpPr>
+      <p:sp>
+        <p:nvSpPr>
+          <p:cNvPr id="2" name="Title 1"/>
+          <p:cNvSpPr>
+            <a:spLocks noGrp="1"/>
+          </p:cNvSpPr>
+          <p:nvPr>
+            <p:ph type="title"/>
+          </p:nvPr>
+        </p:nvSpPr>
+        <p:spPr/>
+        <p:txBody>
+          <a:bodyPr/>
+          <a:lstStyle/>
+          <a:p>
+            <a:r>
+              <a:rPr lang="en-US" dirty="0">
+                <a:latin typeface="Times"/>
+                <a:cs typeface="Times"/>
+              </a:rPr>
               <a:t>Data Preprocessing</a:t>
             </a:r>
-            <a:endParaRPr lang="en-US" dirty="0">
-              <a:latin typeface="Times"/>
-              <a:cs typeface="Times"/>
-            </a:endParaRPr>
           </a:p>
         </p:txBody>
       </p:sp>
@@ -7856,31 +8349,31 @@
           <a:lstStyle/>
           <a:p>
             <a:r>
-              <a:rPr lang="en-US" sz="2800" dirty="0" smtClean="0">
+              <a:rPr lang="en-US" sz="2800" dirty="0">
                 <a:latin typeface="Times"/>
                 <a:ea typeface="Wingdings"/>
                 <a:cs typeface="Times"/>
                 <a:sym typeface="Wingdings"/>
               </a:rPr>
-              <a:t>1</a:t>
-            </a:r>
-            <a:r>
-              <a:rPr lang="en-US" sz="2800" baseline="30000" dirty="0" smtClean="0">
+              <a:t>5</a:t>
+            </a:r>
+            <a:r>
+              <a:rPr lang="en-US" sz="2800" baseline="30000" dirty="0">
                 <a:latin typeface="Times"/>
                 <a:ea typeface="Wingdings"/>
                 <a:cs typeface="Times"/>
                 <a:sym typeface="Wingdings"/>
               </a:rPr>
-              <a:t>st</a:t>
-            </a:r>
-            <a:r>
-              <a:rPr lang="en-US" sz="2800" dirty="0" smtClean="0">
+              <a:t>th</a:t>
+            </a:r>
+            <a:r>
+              <a:rPr lang="en-US" sz="2800" dirty="0">
                 <a:latin typeface="Times"/>
                 <a:ea typeface="Wingdings"/>
                 <a:cs typeface="Times"/>
                 <a:sym typeface="Wingdings"/>
               </a:rPr>
-              <a:t> Process nan-Value</a:t>
+              <a:t> Data down Balance</a:t>
             </a:r>
           </a:p>
           <a:p>
@@ -7888,7 +8381,7 @@
               <a:buNone/>
             </a:pPr>
             <a:r>
-              <a:rPr lang="en-US" sz="2800" dirty="0" smtClean="0">
+              <a:rPr lang="en-US" sz="2800" dirty="0">
                 <a:latin typeface="Times"/>
                 <a:ea typeface="Wingdings"/>
                 <a:cs typeface="Times"/>
@@ -7896,20 +8389,6 @@
               </a:rPr>
               <a:t>        </a:t>
             </a:r>
-            <a:r>
-              <a:rPr lang="en-US" dirty="0" smtClean="0">
-                <a:latin typeface="Times"/>
-                <a:ea typeface="Wingdings"/>
-                <a:cs typeface="Times"/>
-                <a:sym typeface="Wingdings"/>
-              </a:rPr>
-              <a:t>Delete column with large proportion empty</a:t>
-            </a:r>
-          </a:p>
-          <a:p>
-            <a:pPr marL="0" indent="0">
-              <a:buNone/>
-            </a:pPr>
             <a:r>
               <a:rPr lang="en-US" dirty="0">
                 <a:latin typeface="Times"/>
@@ -7917,74 +8396,7 @@
                 <a:cs typeface="Times"/>
                 <a:sym typeface="Wingdings"/>
               </a:rPr>
-              <a:t> </a:t>
-            </a:r>
-            <a:r>
-              <a:rPr lang="en-US" dirty="0" smtClean="0">
-                <a:latin typeface="Times"/>
-                <a:ea typeface="Wingdings"/>
-                <a:cs typeface="Times"/>
-                <a:sym typeface="Wingdings"/>
-              </a:rPr>
-              <a:t>        Data imputation by column average value</a:t>
-            </a:r>
-          </a:p>
-          <a:p>
-            <a:r>
-              <a:rPr lang="en-US" sz="2800" dirty="0" smtClean="0">
-                <a:latin typeface="Times"/>
-                <a:ea typeface="Wingdings"/>
-                <a:cs typeface="Times"/>
-                <a:sym typeface="Wingdings"/>
-              </a:rPr>
-              <a:t>2</a:t>
-            </a:r>
-            <a:r>
-              <a:rPr lang="en-US" sz="2800" baseline="30000" dirty="0" smtClean="0">
-                <a:latin typeface="Times"/>
-                <a:ea typeface="Wingdings"/>
-                <a:cs typeface="Times"/>
-                <a:sym typeface="Wingdings"/>
-              </a:rPr>
-              <a:t>nd</a:t>
-            </a:r>
-            <a:r>
-              <a:rPr lang="en-US" sz="2800" dirty="0" smtClean="0">
-                <a:latin typeface="Times"/>
-                <a:ea typeface="Wingdings"/>
-                <a:cs typeface="Times"/>
-                <a:sym typeface="Wingdings"/>
-              </a:rPr>
-              <a:t> Create dummy variables</a:t>
-            </a:r>
-          </a:p>
-          <a:p>
-            <a:r>
-              <a:rPr lang="en-US" sz="2800" dirty="0" smtClean="0">
-                <a:latin typeface="Times"/>
-                <a:ea typeface="Wingdings"/>
-                <a:cs typeface="Times"/>
-                <a:sym typeface="Wingdings"/>
-              </a:rPr>
-              <a:t>3</a:t>
-            </a:r>
-            <a:r>
-              <a:rPr lang="en-US" sz="2800" baseline="30000" dirty="0" smtClean="0">
-                <a:latin typeface="Times"/>
-                <a:ea typeface="Wingdings"/>
-                <a:cs typeface="Times"/>
-                <a:sym typeface="Wingdings"/>
-              </a:rPr>
-              <a:t>rd</a:t>
-            </a:r>
-            <a:r>
-              <a:rPr lang="en-US" sz="2800" dirty="0" smtClean="0">
-                <a:latin typeface="Times"/>
-                <a:ea typeface="Wingdings"/>
-                <a:cs typeface="Times"/>
-                <a:sym typeface="Wingdings"/>
-              </a:rPr>
-              <a:t> Check variables correlation</a:t>
+              <a:t>Original contains 13000K “good” and 2000K “bad” records</a:t>
             </a:r>
           </a:p>
           <a:p>
@@ -7998,104 +8410,56 @@
                 <a:cs typeface="Times"/>
                 <a:sym typeface="Wingdings"/>
               </a:rPr>
-              <a:t> </a:t>
-            </a:r>
-            <a:r>
-              <a:rPr lang="en-US" dirty="0" smtClean="0">
+              <a:t>          Random pick 50K </a:t>
+            </a:r>
+            <a:r>
+              <a:rPr lang="zh-CN" altLang="en-US" dirty="0">
                 <a:latin typeface="Times"/>
                 <a:ea typeface="Wingdings"/>
                 <a:cs typeface="Times"/>
                 <a:sym typeface="Wingdings"/>
               </a:rPr>
-              <a:t>        Delete high correlated variables</a:t>
-            </a:r>
-          </a:p>
-          <a:p>
-            <a:pPr marL="0" indent="0">
-              <a:buNone/>
-            </a:pPr>
-            <a:r>
-              <a:rPr lang="en-US" dirty="0">
+              <a:t>“</a:t>
+            </a:r>
+            <a:r>
+              <a:rPr lang="en-US" altLang="zh-CN" dirty="0">
                 <a:latin typeface="Times"/>
                 <a:ea typeface="Wingdings"/>
                 <a:cs typeface="Times"/>
                 <a:sym typeface="Wingdings"/>
               </a:rPr>
-              <a:t> </a:t>
-            </a:r>
-            <a:r>
-              <a:rPr lang="en-US" dirty="0" smtClean="0">
+              <a:t>good</a:t>
+            </a:r>
+            <a:r>
+              <a:rPr lang="zh-CN" altLang="en-US" dirty="0">
                 <a:latin typeface="Times"/>
                 <a:ea typeface="Wingdings"/>
                 <a:cs typeface="Times"/>
                 <a:sym typeface="Wingdings"/>
               </a:rPr>
-              <a:t>        Delete zero correlated variables</a:t>
-            </a:r>
-          </a:p>
-          <a:p>
-            <a:r>
-              <a:rPr lang="en-US" sz="2800" dirty="0" smtClean="0">
+              <a:t>”</a:t>
+            </a:r>
+            <a:r>
+              <a:rPr lang="en-US" altLang="zh-CN" dirty="0">
                 <a:latin typeface="Times"/>
                 <a:ea typeface="Wingdings"/>
                 <a:cs typeface="Times"/>
                 <a:sym typeface="Wingdings"/>
               </a:rPr>
-              <a:t>4</a:t>
-            </a:r>
-            <a:r>
-              <a:rPr lang="en-US" sz="2800" baseline="30000" dirty="0" smtClean="0">
-                <a:latin typeface="Times"/>
-                <a:ea typeface="Wingdings"/>
-                <a:cs typeface="Times"/>
-                <a:sym typeface="Wingdings"/>
-              </a:rPr>
-              <a:t>th</a:t>
-            </a:r>
-            <a:r>
-              <a:rPr lang="en-US" sz="2800" dirty="0" smtClean="0">
-                <a:latin typeface="Times"/>
-                <a:ea typeface="Wingdings"/>
-                <a:cs typeface="Times"/>
-                <a:sym typeface="Wingdings"/>
-              </a:rPr>
-              <a:t> Apply dimensional reduction tool (PCA)</a:t>
-            </a:r>
-          </a:p>
-          <a:p>
-            <a:r>
-              <a:rPr lang="en-US" sz="2800" dirty="0" smtClean="0">
-                <a:latin typeface="Times"/>
-                <a:ea typeface="Wingdings"/>
-                <a:cs typeface="Times"/>
-                <a:sym typeface="Wingdings"/>
-              </a:rPr>
-              <a:t>5</a:t>
-            </a:r>
-            <a:r>
-              <a:rPr lang="en-US" sz="2800" baseline="30000" dirty="0" smtClean="0">
-                <a:latin typeface="Times"/>
-                <a:ea typeface="Wingdings"/>
-                <a:cs typeface="Times"/>
-                <a:sym typeface="Wingdings"/>
-              </a:rPr>
-              <a:t>th</a:t>
-            </a:r>
-            <a:r>
-              <a:rPr lang="en-US" sz="2800" dirty="0" smtClean="0">
-                <a:latin typeface="Times"/>
-                <a:ea typeface="Wingdings"/>
-                <a:cs typeface="Times"/>
-                <a:sym typeface="Wingdings"/>
-              </a:rPr>
-              <a:t> Random pick 30K records for “Good” and “Bad” </a:t>
-            </a:r>
+              <a:t> and 50K “bad” as training data</a:t>
+            </a:r>
+            <a:endParaRPr lang="en-US" dirty="0">
+              <a:latin typeface="Times"/>
+              <a:ea typeface="Wingdings"/>
+              <a:cs typeface="Times"/>
+              <a:sym typeface="Wingdings"/>
+            </a:endParaRPr>
           </a:p>
           <a:p>
             <a:pPr marL="0" indent="0">
               <a:buNone/>
             </a:pPr>
-            <a:endParaRPr lang="en-US" sz="2800" dirty="0" smtClean="0">
+            <a:endParaRPr lang="en-US" sz="2800" dirty="0">
               <a:latin typeface="Times"/>
               <a:ea typeface="Wingdings"/>
               <a:cs typeface="Times"/>
@@ -8127,13 +8491,314 @@
             <a:fld id="{963B0023-0CED-47F7-85AE-654F0B232C29}" type="slidenum">
               <a:rPr lang="en-US" smtClean="0"/>
               <a:pPr/>
+              <a:t>6</a:t>
+            </a:fld>
+            <a:r>
+              <a:rPr lang="en-US" dirty="0"/>
+              <a:t>/14</a:t>
+            </a:r>
+          </a:p>
+        </p:txBody>
+      </p:sp>
+    </p:spTree>
+    <p:extLst>
+      <p:ext uri="{BB962C8B-B14F-4D97-AF65-F5344CB8AC3E}">
+        <p14:creationId xmlns:p14="http://schemas.microsoft.com/office/powerpoint/2010/main" val="1773396663"/>
+      </p:ext>
+    </p:extLst>
+  </p:cSld>
+  <p:clrMapOvr>
+    <a:masterClrMapping/>
+  </p:clrMapOvr>
+</p:sld>
+</file>
+
+<file path=ppt/slides/slide7.xml><?xml version="1.0" encoding="utf-8"?>
+<p:sld xmlns:a="http://schemas.openxmlformats.org/drawingml/2006/main" xmlns:r="http://schemas.openxmlformats.org/officeDocument/2006/relationships" xmlns:p="http://schemas.openxmlformats.org/presentationml/2006/main">
+  <p:cSld>
+    <p:spTree>
+      <p:nvGrpSpPr>
+        <p:cNvPr id="1" name=""/>
+        <p:cNvGrpSpPr/>
+        <p:nvPr/>
+      </p:nvGrpSpPr>
+      <p:grpSpPr>
+        <a:xfrm>
+          <a:off x="0" y="0"/>
+          <a:ext cx="0" cy="0"/>
+          <a:chOff x="0" y="0"/>
+          <a:chExt cx="0" cy="0"/>
+        </a:xfrm>
+      </p:grpSpPr>
+      <p:sp>
+        <p:nvSpPr>
+          <p:cNvPr id="2" name="Title 1"/>
+          <p:cNvSpPr>
+            <a:spLocks noGrp="1"/>
+          </p:cNvSpPr>
+          <p:nvPr>
+            <p:ph type="title"/>
+          </p:nvPr>
+        </p:nvSpPr>
+        <p:spPr/>
+        <p:txBody>
+          <a:bodyPr/>
+          <a:lstStyle/>
+          <a:p>
+            <a:r>
+              <a:rPr lang="en-US" dirty="0">
+                <a:latin typeface="Times"/>
+                <a:cs typeface="Times"/>
+              </a:rPr>
+              <a:t>Data Preprocessing</a:t>
+            </a:r>
+          </a:p>
+        </p:txBody>
+      </p:sp>
+      <p:sp>
+        <p:nvSpPr>
+          <p:cNvPr id="3" name="Content Placeholder 2"/>
+          <p:cNvSpPr>
+            <a:spLocks noGrp="1"/>
+          </p:cNvSpPr>
+          <p:nvPr>
+            <p:ph idx="1"/>
+          </p:nvPr>
+        </p:nvSpPr>
+        <p:spPr>
+          <a:xfrm>
+            <a:off x="457200" y="1537136"/>
+            <a:ext cx="8229600" cy="4863664"/>
+          </a:xfrm>
+        </p:spPr>
+        <p:txBody>
+          <a:bodyPr>
+            <a:normAutofit/>
+          </a:bodyPr>
+          <a:lstStyle/>
+          <a:p>
+            <a:r>
+              <a:rPr lang="en-US" sz="2800" dirty="0">
+                <a:latin typeface="Times"/>
+                <a:ea typeface="Wingdings"/>
+                <a:cs typeface="Times"/>
+                <a:sym typeface="Wingdings"/>
+              </a:rPr>
+              <a:t>1</a:t>
+            </a:r>
+            <a:r>
+              <a:rPr lang="en-US" sz="2800" baseline="30000" dirty="0">
+                <a:latin typeface="Times"/>
+                <a:ea typeface="Wingdings"/>
+                <a:cs typeface="Times"/>
+                <a:sym typeface="Wingdings"/>
+              </a:rPr>
+              <a:t>st</a:t>
+            </a:r>
+            <a:r>
+              <a:rPr lang="en-US" sz="2800" dirty="0">
+                <a:latin typeface="Times"/>
+                <a:ea typeface="Wingdings"/>
+                <a:cs typeface="Times"/>
+                <a:sym typeface="Wingdings"/>
+              </a:rPr>
+              <a:t> Process nan-value</a:t>
+            </a:r>
+          </a:p>
+          <a:p>
+            <a:pPr marL="0" indent="0">
+              <a:buNone/>
+            </a:pPr>
+            <a:r>
+              <a:rPr lang="en-US" sz="2800" dirty="0">
+                <a:latin typeface="Times"/>
+                <a:ea typeface="Wingdings"/>
+                <a:cs typeface="Times"/>
+                <a:sym typeface="Wingdings"/>
+              </a:rPr>
+              <a:t>        </a:t>
+            </a:r>
+            <a:r>
+              <a:rPr lang="en-US" dirty="0">
+                <a:latin typeface="Times"/>
+                <a:ea typeface="Wingdings"/>
+                <a:cs typeface="Times"/>
+                <a:sym typeface="Wingdings"/>
+              </a:rPr>
+              <a:t>Delete column with large proportion empty</a:t>
+            </a:r>
+          </a:p>
+          <a:p>
+            <a:pPr marL="0" indent="0">
+              <a:buNone/>
+            </a:pPr>
+            <a:r>
+              <a:rPr lang="en-US" dirty="0">
+                <a:latin typeface="Times"/>
+                <a:ea typeface="Wingdings"/>
+                <a:cs typeface="Times"/>
+                <a:sym typeface="Wingdings"/>
+              </a:rPr>
+              <a:t>         Data imputation by column average value</a:t>
+            </a:r>
+          </a:p>
+          <a:p>
+            <a:r>
+              <a:rPr lang="en-US" sz="2800" dirty="0">
+                <a:latin typeface="Times"/>
+                <a:ea typeface="Wingdings"/>
+                <a:cs typeface="Times"/>
+                <a:sym typeface="Wingdings"/>
+              </a:rPr>
+              <a:t>2</a:t>
+            </a:r>
+            <a:r>
+              <a:rPr lang="en-US" sz="2800" baseline="30000" dirty="0">
+                <a:latin typeface="Times"/>
+                <a:ea typeface="Wingdings"/>
+                <a:cs typeface="Times"/>
+                <a:sym typeface="Wingdings"/>
+              </a:rPr>
+              <a:t>nd</a:t>
+            </a:r>
+            <a:r>
+              <a:rPr lang="en-US" sz="2800" dirty="0">
+                <a:latin typeface="Times"/>
+                <a:ea typeface="Wingdings"/>
+                <a:cs typeface="Times"/>
+                <a:sym typeface="Wingdings"/>
+              </a:rPr>
+              <a:t> Create dummy variables</a:t>
+            </a:r>
+          </a:p>
+          <a:p>
+            <a:r>
+              <a:rPr lang="en-US" sz="2800" dirty="0">
+                <a:latin typeface="Times"/>
+                <a:ea typeface="Wingdings"/>
+                <a:cs typeface="Times"/>
+                <a:sym typeface="Wingdings"/>
+              </a:rPr>
+              <a:t>3</a:t>
+            </a:r>
+            <a:r>
+              <a:rPr lang="en-US" sz="2800" baseline="30000" dirty="0">
+                <a:latin typeface="Times"/>
+                <a:ea typeface="Wingdings"/>
+                <a:cs typeface="Times"/>
+                <a:sym typeface="Wingdings"/>
+              </a:rPr>
+              <a:t>rd</a:t>
+            </a:r>
+            <a:r>
+              <a:rPr lang="en-US" sz="2800" dirty="0">
+                <a:latin typeface="Times"/>
+                <a:ea typeface="Wingdings"/>
+                <a:cs typeface="Times"/>
+                <a:sym typeface="Wingdings"/>
+              </a:rPr>
+              <a:t> Check variables correlation</a:t>
+            </a:r>
+          </a:p>
+          <a:p>
+            <a:pPr marL="0" indent="0">
+              <a:buNone/>
+            </a:pPr>
+            <a:r>
+              <a:rPr lang="en-US" dirty="0">
+                <a:latin typeface="Times"/>
+                <a:ea typeface="Wingdings"/>
+                <a:cs typeface="Times"/>
+                <a:sym typeface="Wingdings"/>
+              </a:rPr>
+              <a:t>         Delete high correlated variables</a:t>
+            </a:r>
+          </a:p>
+          <a:p>
+            <a:pPr marL="0" indent="0">
+              <a:buNone/>
+            </a:pPr>
+            <a:r>
+              <a:rPr lang="en-US" dirty="0">
+                <a:latin typeface="Times"/>
+                <a:ea typeface="Wingdings"/>
+                <a:cs typeface="Times"/>
+                <a:sym typeface="Wingdings"/>
+              </a:rPr>
+              <a:t>         Delete zero correlated variables</a:t>
+            </a:r>
+          </a:p>
+          <a:p>
+            <a:r>
+              <a:rPr lang="en-US" sz="2800" dirty="0">
+                <a:latin typeface="Times"/>
+                <a:ea typeface="Wingdings"/>
+                <a:cs typeface="Times"/>
+                <a:sym typeface="Wingdings"/>
+              </a:rPr>
               <a:t>4</a:t>
+            </a:r>
+            <a:r>
+              <a:rPr lang="en-US" sz="2800" baseline="30000" dirty="0">
+                <a:latin typeface="Times"/>
+                <a:ea typeface="Wingdings"/>
+                <a:cs typeface="Times"/>
+                <a:sym typeface="Wingdings"/>
+              </a:rPr>
+              <a:t>th</a:t>
+            </a:r>
+            <a:r>
+              <a:rPr lang="en-US" sz="2800" dirty="0">
+                <a:latin typeface="Times"/>
+                <a:ea typeface="Wingdings"/>
+                <a:cs typeface="Times"/>
+                <a:sym typeface="Wingdings"/>
+              </a:rPr>
+              <a:t> Apply dimensional reduction tool (PCA)</a:t>
+            </a:r>
+          </a:p>
+          <a:p>
+            <a:pPr marL="0" indent="0">
+              <a:buNone/>
+            </a:pPr>
+            <a:endParaRPr lang="en-US" sz="2800" dirty="0">
+              <a:latin typeface="Times"/>
+              <a:ea typeface="Wingdings"/>
+              <a:cs typeface="Times"/>
+              <a:sym typeface="Wingdings"/>
+            </a:endParaRPr>
+          </a:p>
+        </p:txBody>
+      </p:sp>
+      <p:sp>
+        <p:nvSpPr>
+          <p:cNvPr id="5" name="Slide Number Placeholder 4"/>
+          <p:cNvSpPr>
+            <a:spLocks noGrp="1"/>
+          </p:cNvSpPr>
+          <p:nvPr>
+            <p:ph type="sldNum" sz="quarter" idx="12"/>
+          </p:nvPr>
+        </p:nvSpPr>
+        <p:spPr>
+          <a:xfrm>
+            <a:off x="0" y="6387664"/>
+            <a:ext cx="609599" cy="394136"/>
+          </a:xfrm>
+        </p:spPr>
+        <p:txBody>
+          <a:bodyPr/>
+          <a:lstStyle/>
+          <a:p>
+            <a:fld id="{963B0023-0CED-47F7-85AE-654F0B232C29}" type="slidenum">
+              <a:rPr lang="en-US" smtClean="0"/>
+              <a:pPr/>
+              <a:t>7</a:t>
             </a:fld>
             <a:r>
-              <a:rPr lang="en-US" dirty="0" smtClean="0"/>
+              <a:rPr lang="en-US" dirty="0"/>
               <a:t>/14</a:t>
             </a:r>
-            <a:endParaRPr lang="en-US" dirty="0"/>
           </a:p>
         </p:txBody>
       </p:sp>
@@ -8145,8 +8810,8 @@
         </p:nvSpPr>
         <p:spPr>
           <a:xfrm>
-            <a:off x="7611654" y="1447800"/>
-            <a:ext cx="1059906" cy="584775"/>
+            <a:off x="7042589" y="1447800"/>
+            <a:ext cx="2198038" cy="584775"/>
           </a:xfrm>
           <a:prstGeom prst="rect">
             <a:avLst/>
@@ -8161,7 +8826,7 @@
           <a:p>
             <a:pPr algn="ctr"/>
             <a:r>
-              <a:rPr lang="en-US" sz="3200" b="1" cap="none" spc="0" dirty="0" smtClean="0">
+              <a:rPr lang="en-US" sz="3200" b="1" dirty="0">
                 <a:ln w="9525">
                   <a:solidFill>
                     <a:schemeClr val="bg1"/>
@@ -8180,7 +8845,7 @@
                   </a:outerShdw>
                 </a:effectLst>
               </a:rPr>
-              <a:t>136</a:t>
+              <a:t>Features</a:t>
             </a:r>
             <a:endParaRPr lang="en-US" sz="3200" b="1" cap="none" spc="0" dirty="0">
               <a:ln w="9525">
@@ -8236,7 +8901,7 @@
           <a:lstStyle/>
           <a:p>
             <a:pPr algn="ctr"/>
-            <a:endParaRPr lang="en-US" sz="1600" dirty="0" smtClean="0">
+            <a:endParaRPr lang="en-US" sz="1600" dirty="0">
               <a:solidFill>
                 <a:schemeClr val="bg1"/>
               </a:solidFill>
@@ -8269,7 +8934,7 @@
           <a:p>
             <a:pPr algn="ctr"/>
             <a:r>
-              <a:rPr lang="en-US" sz="3200" b="1" cap="none" spc="0" dirty="0" smtClean="0">
+              <a:rPr lang="en-US" sz="3200" b="1" cap="none" spc="0" dirty="0">
                 <a:ln w="9525">
                   <a:solidFill>
                     <a:schemeClr val="bg1"/>
@@ -8288,27 +8953,8 @@
                   </a:outerShdw>
                 </a:effectLst>
               </a:rPr>
-              <a:t>100</a:t>
-            </a:r>
-            <a:endParaRPr lang="en-US" sz="3200" b="1" cap="none" spc="0" dirty="0">
-              <a:ln w="9525">
-                <a:solidFill>
-                  <a:schemeClr val="bg1"/>
-                </a:solidFill>
-                <a:prstDash val="solid"/>
-              </a:ln>
-              <a:solidFill>
-                <a:schemeClr val="accent5"/>
-              </a:solidFill>
-              <a:effectLst>
-                <a:outerShdw blurRad="12700" dist="38100" dir="2700000" algn="tl" rotWithShape="0">
-                  <a:schemeClr val="accent5">
-                    <a:lumMod val="60000"/>
-                    <a:lumOff val="40000"/>
-                  </a:schemeClr>
-                </a:outerShdw>
-              </a:effectLst>
-            </a:endParaRPr>
+              <a:t>136</a:t>
+            </a:r>
           </a:p>
         </p:txBody>
       </p:sp>
@@ -8344,7 +8990,7 @@
           <a:lstStyle/>
           <a:p>
             <a:pPr algn="ctr"/>
-            <a:endParaRPr lang="en-US" sz="1600" dirty="0" smtClean="0">
+            <a:endParaRPr lang="en-US" sz="1600" dirty="0">
               <a:solidFill>
                 <a:schemeClr val="bg1"/>
               </a:solidFill>
@@ -8377,7 +9023,7 @@
           <a:p>
             <a:pPr algn="ctr"/>
             <a:r>
-              <a:rPr lang="en-US" sz="3200" b="1" dirty="0" smtClean="0">
+              <a:rPr lang="en-US" altLang="zh-CN" sz="3200" b="1" cap="none" spc="0" dirty="0">
                 <a:ln w="9525">
                   <a:solidFill>
                     <a:schemeClr val="bg1"/>
@@ -8396,7 +9042,7 @@
                   </a:outerShdw>
                 </a:effectLst>
               </a:rPr>
-              <a:t>80</a:t>
+              <a:t>67</a:t>
             </a:r>
             <a:endParaRPr lang="en-US" sz="3200" b="1" cap="none" spc="0" dirty="0">
               <a:ln w="9525">
@@ -8452,7 +9098,7 @@
           <a:lstStyle/>
           <a:p>
             <a:pPr algn="ctr"/>
-            <a:endParaRPr lang="en-US" sz="1600" dirty="0" smtClean="0">
+            <a:endParaRPr lang="en-US" sz="1600" dirty="0">
               <a:solidFill>
                 <a:schemeClr val="bg1"/>
               </a:solidFill>
@@ -8485,7 +9131,7 @@
           <a:p>
             <a:pPr algn="ctr"/>
             <a:r>
-              <a:rPr lang="en-US" sz="3200" b="1" dirty="0" smtClean="0">
+              <a:rPr lang="en-US" altLang="zh-CN" sz="3200" b="1" cap="none" spc="0" dirty="0">
                 <a:ln w="9525">
                   <a:solidFill>
                     <a:schemeClr val="bg1"/>
@@ -8504,7 +9150,7 @@
                   </a:outerShdw>
                 </a:effectLst>
               </a:rPr>
-              <a:t>60</a:t>
+              <a:t>44</a:t>
             </a:r>
             <a:endParaRPr lang="en-US" sz="3200" b="1" cap="none" spc="0" dirty="0">
               <a:ln w="9525">
@@ -8531,428 +9177,13 @@
     </p:spTree>
     <p:extLst>
       <p:ext uri="{BB962C8B-B14F-4D97-AF65-F5344CB8AC3E}">
-        <p14:creationId xmlns:p14="http://schemas.microsoft.com/office/powerpoint/2010/main" val="1773396663"/>
+        <p14:creationId xmlns:p14="http://schemas.microsoft.com/office/powerpoint/2010/main" val="1222348093"/>
       </p:ext>
     </p:extLst>
   </p:cSld>
   <p:clrMapOvr>
     <a:masterClrMapping/>
   </p:clrMapOvr>
-  <p:timing>
-    <p:tnLst>
-      <p:par>
-        <p:cTn id="1" dur="indefinite" restart="never" nodeType="tmRoot"/>
-      </p:par>
-    </p:tnLst>
-  </p:timing>
-</p:sld>
-</file>
-
-<file path=ppt/slides/slide5.xml><?xml version="1.0" encoding="utf-8"?>
-<p:sld xmlns:a="http://schemas.openxmlformats.org/drawingml/2006/main" xmlns:r="http://schemas.openxmlformats.org/officeDocument/2006/relationships" xmlns:p="http://schemas.openxmlformats.org/presentationml/2006/main">
-  <p:cSld>
-    <p:spTree>
-      <p:nvGrpSpPr>
-        <p:cNvPr id="1" name=""/>
-        <p:cNvGrpSpPr/>
-        <p:nvPr/>
-      </p:nvGrpSpPr>
-      <p:grpSpPr>
-        <a:xfrm>
-          <a:off x="0" y="0"/>
-          <a:ext cx="0" cy="0"/>
-          <a:chOff x="0" y="0"/>
-          <a:chExt cx="0" cy="0"/>
-        </a:xfrm>
-      </p:grpSpPr>
-      <p:sp>
-        <p:nvSpPr>
-          <p:cNvPr id="2" name="Title 1"/>
-          <p:cNvSpPr>
-            <a:spLocks noGrp="1"/>
-          </p:cNvSpPr>
-          <p:nvPr>
-            <p:ph type="title"/>
-          </p:nvPr>
-        </p:nvSpPr>
-        <p:spPr/>
-        <p:txBody>
-          <a:bodyPr/>
-          <a:lstStyle/>
-          <a:p>
-            <a:r>
-              <a:rPr lang="en-US" dirty="0" smtClean="0">
-                <a:latin typeface="Times"/>
-                <a:cs typeface="Times"/>
-              </a:rPr>
-              <a:t>Algorithm 1: Logistic Regression</a:t>
-            </a:r>
-            <a:endParaRPr lang="en-US" i="1" dirty="0">
-              <a:latin typeface="Times"/>
-              <a:cs typeface="Times"/>
-            </a:endParaRPr>
-          </a:p>
-        </p:txBody>
-      </p:sp>
-      <p:sp>
-        <p:nvSpPr>
-          <p:cNvPr id="5" name="Slide Number Placeholder 4"/>
-          <p:cNvSpPr>
-            <a:spLocks noGrp="1"/>
-          </p:cNvSpPr>
-          <p:nvPr>
-            <p:ph type="sldNum" sz="quarter" idx="12"/>
-          </p:nvPr>
-        </p:nvSpPr>
-        <p:spPr>
-          <a:xfrm>
-            <a:off x="0" y="6387664"/>
-            <a:ext cx="609600" cy="394136"/>
-          </a:xfrm>
-        </p:spPr>
-        <p:txBody>
-          <a:bodyPr/>
-          <a:lstStyle/>
-          <a:p>
-            <a:fld id="{963B0023-0CED-47F7-85AE-654F0B232C29}" type="slidenum">
-              <a:rPr lang="en-US" smtClean="0"/>
-              <a:pPr/>
-              <a:t>5</a:t>
-            </a:fld>
-            <a:r>
-              <a:rPr lang="en-US" dirty="0" smtClean="0"/>
-              <a:t>/14</a:t>
-            </a:r>
-            <a:endParaRPr lang="en-US" dirty="0"/>
-          </a:p>
-        </p:txBody>
-      </p:sp>
-      <p:sp>
-        <p:nvSpPr>
-          <p:cNvPr id="8" name="Content Placeholder 7"/>
-          <p:cNvSpPr>
-            <a:spLocks noGrp="1"/>
-          </p:cNvSpPr>
-          <p:nvPr>
-            <p:ph idx="1"/>
-          </p:nvPr>
-        </p:nvSpPr>
-        <p:spPr>
-          <a:xfrm>
-            <a:off x="457200" y="1524000"/>
-            <a:ext cx="8229600" cy="4863664"/>
-          </a:xfrm>
-        </p:spPr>
-        <p:txBody>
-          <a:bodyPr>
-            <a:normAutofit/>
-          </a:bodyPr>
-          <a:lstStyle/>
-          <a:p>
-            <a:pPr marL="0" indent="0">
-              <a:buNone/>
-            </a:pPr>
-            <a:endParaRPr lang="en-US" b="0" i="1" dirty="0" smtClean="0">
-              <a:latin typeface="Cambria Math" panose="02040503050406030204" pitchFamily="18" charset="0"/>
-            </a:endParaRPr>
-          </a:p>
-          <a:p>
-            <a:pPr marL="0" indent="0">
-              <a:buNone/>
-            </a:pPr>
-            <a:endParaRPr lang="en-US" dirty="0"/>
-          </a:p>
-        </p:txBody>
-      </p:sp>
-    </p:spTree>
-    <p:extLst>
-      <p:ext uri="{BB962C8B-B14F-4D97-AF65-F5344CB8AC3E}">
-        <p14:creationId xmlns:p14="http://schemas.microsoft.com/office/powerpoint/2010/main" val="2615690425"/>
-      </p:ext>
-    </p:extLst>
-  </p:cSld>
-  <p:clrMapOvr>
-    <a:masterClrMapping/>
-  </p:clrMapOvr>
-  <p:timing>
-    <p:tnLst>
-      <p:par>
-        <p:cTn id="1" dur="indefinite" restart="never" nodeType="tmRoot"/>
-      </p:par>
-    </p:tnLst>
-  </p:timing>
-</p:sld>
-</file>
-
-<file path=ppt/slides/slide6.xml><?xml version="1.0" encoding="utf-8"?>
-<p:sld xmlns:a="http://schemas.openxmlformats.org/drawingml/2006/main" xmlns:r="http://schemas.openxmlformats.org/officeDocument/2006/relationships" xmlns:p="http://schemas.openxmlformats.org/presentationml/2006/main">
-  <p:cSld>
-    <p:spTree>
-      <p:nvGrpSpPr>
-        <p:cNvPr id="1" name=""/>
-        <p:cNvGrpSpPr/>
-        <p:nvPr/>
-      </p:nvGrpSpPr>
-      <p:grpSpPr>
-        <a:xfrm>
-          <a:off x="0" y="0"/>
-          <a:ext cx="0" cy="0"/>
-          <a:chOff x="0" y="0"/>
-          <a:chExt cx="0" cy="0"/>
-        </a:xfrm>
-      </p:grpSpPr>
-      <p:sp>
-        <p:nvSpPr>
-          <p:cNvPr id="2" name="Title 1"/>
-          <p:cNvSpPr>
-            <a:spLocks noGrp="1"/>
-          </p:cNvSpPr>
-          <p:nvPr>
-            <p:ph type="title"/>
-          </p:nvPr>
-        </p:nvSpPr>
-        <p:spPr/>
-        <p:txBody>
-          <a:bodyPr/>
-          <a:lstStyle/>
-          <a:p>
-            <a:r>
-              <a:rPr lang="en-US" dirty="0" smtClean="0">
-                <a:latin typeface="Times"/>
-                <a:cs typeface="Times"/>
-              </a:rPr>
-              <a:t>Algorithm 2: k-Nearest Neighbors</a:t>
-            </a:r>
-            <a:endParaRPr lang="en-US" i="1" dirty="0">
-              <a:latin typeface="Times"/>
-              <a:cs typeface="Times"/>
-            </a:endParaRPr>
-          </a:p>
-        </p:txBody>
-      </p:sp>
-      <p:sp>
-        <p:nvSpPr>
-          <p:cNvPr id="5" name="Slide Number Placeholder 4"/>
-          <p:cNvSpPr>
-            <a:spLocks noGrp="1"/>
-          </p:cNvSpPr>
-          <p:nvPr>
-            <p:ph type="sldNum" sz="quarter" idx="12"/>
-          </p:nvPr>
-        </p:nvSpPr>
-        <p:spPr>
-          <a:xfrm>
-            <a:off x="0" y="6387664"/>
-            <a:ext cx="609599" cy="394136"/>
-          </a:xfrm>
-        </p:spPr>
-        <p:txBody>
-          <a:bodyPr/>
-          <a:lstStyle/>
-          <a:p>
-            <a:fld id="{963B0023-0CED-47F7-85AE-654F0B232C29}" type="slidenum">
-              <a:rPr lang="en-US" smtClean="0"/>
-              <a:pPr/>
-              <a:t>6</a:t>
-            </a:fld>
-            <a:r>
-              <a:rPr lang="en-US" dirty="0" smtClean="0"/>
-              <a:t>/14</a:t>
-            </a:r>
-            <a:endParaRPr lang="en-US" dirty="0"/>
-          </a:p>
-        </p:txBody>
-      </p:sp>
-      <p:sp>
-        <p:nvSpPr>
-          <p:cNvPr id="8" name="Content Placeholder 7"/>
-          <p:cNvSpPr>
-            <a:spLocks noGrp="1"/>
-          </p:cNvSpPr>
-          <p:nvPr>
-            <p:ph idx="1"/>
-          </p:nvPr>
-        </p:nvSpPr>
-        <p:spPr>
-          <a:xfrm>
-            <a:off x="457200" y="1524000"/>
-            <a:ext cx="8229600" cy="4863664"/>
-          </a:xfrm>
-        </p:spPr>
-        <p:txBody>
-          <a:bodyPr>
-            <a:normAutofit/>
-          </a:bodyPr>
-          <a:lstStyle/>
-          <a:p>
-            <a:pPr marL="0" indent="0">
-              <a:buNone/>
-            </a:pPr>
-            <a:endParaRPr lang="en-US" b="0" i="1" dirty="0" smtClean="0">
-              <a:latin typeface="Cambria Math" panose="02040503050406030204" pitchFamily="18" charset="0"/>
-            </a:endParaRPr>
-          </a:p>
-          <a:p>
-            <a:pPr marL="0" indent="0">
-              <a:buNone/>
-            </a:pPr>
-            <a:endParaRPr lang="en-US" dirty="0"/>
-          </a:p>
-        </p:txBody>
-      </p:sp>
-    </p:spTree>
-    <p:extLst>
-      <p:ext uri="{BB962C8B-B14F-4D97-AF65-F5344CB8AC3E}">
-        <p14:creationId xmlns:p14="http://schemas.microsoft.com/office/powerpoint/2010/main" val="548859415"/>
-      </p:ext>
-    </p:extLst>
-  </p:cSld>
-  <p:clrMapOvr>
-    <a:masterClrMapping/>
-  </p:clrMapOvr>
-  <p:timing>
-    <p:tnLst>
-      <p:par>
-        <p:cTn id="1" dur="indefinite" restart="never" nodeType="tmRoot"/>
-      </p:par>
-    </p:tnLst>
-  </p:timing>
-</p:sld>
-</file>
-
-<file path=ppt/slides/slide7.xml><?xml version="1.0" encoding="utf-8"?>
-<p:sld xmlns:a="http://schemas.openxmlformats.org/drawingml/2006/main" xmlns:r="http://schemas.openxmlformats.org/officeDocument/2006/relationships" xmlns:p="http://schemas.openxmlformats.org/presentationml/2006/main">
-  <p:cSld>
-    <p:spTree>
-      <p:nvGrpSpPr>
-        <p:cNvPr id="1" name=""/>
-        <p:cNvGrpSpPr/>
-        <p:nvPr/>
-      </p:nvGrpSpPr>
-      <p:grpSpPr>
-        <a:xfrm>
-          <a:off x="0" y="0"/>
-          <a:ext cx="0" cy="0"/>
-          <a:chOff x="0" y="0"/>
-          <a:chExt cx="0" cy="0"/>
-        </a:xfrm>
-      </p:grpSpPr>
-      <p:sp>
-        <p:nvSpPr>
-          <p:cNvPr id="2" name="Title 1"/>
-          <p:cNvSpPr>
-            <a:spLocks noGrp="1"/>
-          </p:cNvSpPr>
-          <p:nvPr>
-            <p:ph type="title"/>
-          </p:nvPr>
-        </p:nvSpPr>
-        <p:spPr/>
-        <p:txBody>
-          <a:bodyPr/>
-          <a:lstStyle/>
-          <a:p>
-            <a:r>
-              <a:rPr lang="en-US" dirty="0" smtClean="0">
-                <a:latin typeface="Times"/>
-                <a:cs typeface="Times"/>
-              </a:rPr>
-              <a:t>Algorithm 3: Random Forests</a:t>
-            </a:r>
-            <a:endParaRPr lang="en-US" i="1" dirty="0">
-              <a:latin typeface="Times"/>
-              <a:cs typeface="Times"/>
-            </a:endParaRPr>
-          </a:p>
-        </p:txBody>
-      </p:sp>
-      <p:sp>
-        <p:nvSpPr>
-          <p:cNvPr id="5" name="Slide Number Placeholder 4"/>
-          <p:cNvSpPr>
-            <a:spLocks noGrp="1"/>
-          </p:cNvSpPr>
-          <p:nvPr>
-            <p:ph type="sldNum" sz="quarter" idx="12"/>
-          </p:nvPr>
-        </p:nvSpPr>
-        <p:spPr>
-          <a:xfrm>
-            <a:off x="0" y="6387664"/>
-            <a:ext cx="609599" cy="394136"/>
-          </a:xfrm>
-        </p:spPr>
-        <p:txBody>
-          <a:bodyPr/>
-          <a:lstStyle/>
-          <a:p>
-            <a:fld id="{963B0023-0CED-47F7-85AE-654F0B232C29}" type="slidenum">
-              <a:rPr lang="en-US" smtClean="0"/>
-              <a:pPr/>
-              <a:t>7</a:t>
-            </a:fld>
-            <a:r>
-              <a:rPr lang="en-US" dirty="0" smtClean="0"/>
-              <a:t>/14</a:t>
-            </a:r>
-            <a:endParaRPr lang="en-US" dirty="0"/>
-          </a:p>
-        </p:txBody>
-      </p:sp>
-      <p:sp>
-        <p:nvSpPr>
-          <p:cNvPr id="8" name="Content Placeholder 7"/>
-          <p:cNvSpPr>
-            <a:spLocks noGrp="1"/>
-          </p:cNvSpPr>
-          <p:nvPr>
-            <p:ph idx="1"/>
-          </p:nvPr>
-        </p:nvSpPr>
-        <p:spPr>
-          <a:xfrm>
-            <a:off x="457200" y="1524000"/>
-            <a:ext cx="8229600" cy="4863664"/>
-          </a:xfrm>
-        </p:spPr>
-        <p:txBody>
-          <a:bodyPr>
-            <a:normAutofit/>
-          </a:bodyPr>
-          <a:lstStyle/>
-          <a:p>
-            <a:pPr marL="0" indent="0">
-              <a:buNone/>
-            </a:pPr>
-            <a:endParaRPr lang="en-US" b="0" i="1" dirty="0" smtClean="0">
-              <a:latin typeface="Cambria Math" panose="02040503050406030204" pitchFamily="18" charset="0"/>
-            </a:endParaRPr>
-          </a:p>
-          <a:p>
-            <a:pPr marL="0" indent="0">
-              <a:buNone/>
-            </a:pPr>
-            <a:endParaRPr lang="en-US" dirty="0"/>
-          </a:p>
-        </p:txBody>
-      </p:sp>
-    </p:spTree>
-    <p:extLst>
-      <p:ext uri="{BB962C8B-B14F-4D97-AF65-F5344CB8AC3E}">
-        <p14:creationId xmlns:p14="http://schemas.microsoft.com/office/powerpoint/2010/main" val="888073279"/>
-      </p:ext>
-    </p:extLst>
-  </p:cSld>
-  <p:clrMapOvr>
-    <a:masterClrMapping/>
-  </p:clrMapOvr>
-  <p:timing>
-    <p:tnLst>
-      <p:par>
-        <p:cTn id="1" dur="indefinite" restart="never" nodeType="tmRoot"/>
-      </p:par>
-    </p:tnLst>
-  </p:timing>
 </p:sld>
 </file>
 
@@ -8989,11 +9220,11 @@
           <a:lstStyle/>
           <a:p>
             <a:r>
-              <a:rPr lang="en-US" dirty="0" smtClean="0">
+              <a:rPr lang="en-US" dirty="0">
                 <a:latin typeface="Times"/>
                 <a:cs typeface="Times"/>
               </a:rPr>
-              <a:t>Algorithm 4: Support Vector Machines</a:t>
+              <a:t>Algorithm 1: Logistic Regression</a:t>
             </a:r>
             <a:endParaRPr lang="en-US" i="1" dirty="0">
               <a:latin typeface="Times"/>
@@ -9015,7 +9246,7 @@
         <p:spPr>
           <a:xfrm>
             <a:off x="0" y="6387664"/>
-            <a:ext cx="609599" cy="394136"/>
+            <a:ext cx="609600" cy="394136"/>
           </a:xfrm>
         </p:spPr>
         <p:txBody>
@@ -9028,10 +9259,9 @@
               <a:t>8</a:t>
             </a:fld>
             <a:r>
-              <a:rPr lang="en-US" dirty="0" smtClean="0"/>
+              <a:rPr lang="en-US" dirty="0"/>
               <a:t>/14</a:t>
             </a:r>
-            <a:endParaRPr lang="en-US" dirty="0"/>
           </a:p>
         </p:txBody>
       </p:sp>
@@ -9060,7 +9290,7 @@
             <a:pPr marL="0" indent="0">
               <a:buNone/>
             </a:pPr>
-            <a:endParaRPr lang="en-US" b="0" i="1" dirty="0" smtClean="0">
+            <a:endParaRPr lang="en-US" b="0" i="1" dirty="0">
               <a:latin typeface="Cambria Math" panose="02040503050406030204" pitchFamily="18" charset="0"/>
             </a:endParaRPr>
           </a:p>
@@ -9075,20 +9305,13 @@
     </p:spTree>
     <p:extLst>
       <p:ext uri="{BB962C8B-B14F-4D97-AF65-F5344CB8AC3E}">
-        <p14:creationId xmlns:p14="http://schemas.microsoft.com/office/powerpoint/2010/main" val="170896004"/>
+        <p14:creationId xmlns:p14="http://schemas.microsoft.com/office/powerpoint/2010/main" val="2615690425"/>
       </p:ext>
     </p:extLst>
   </p:cSld>
   <p:clrMapOvr>
     <a:masterClrMapping/>
   </p:clrMapOvr>
-  <p:timing>
-    <p:tnLst>
-      <p:par>
-        <p:cTn id="1" dur="indefinite" restart="never" nodeType="tmRoot"/>
-      </p:par>
-    </p:tnLst>
-  </p:timing>
 </p:sld>
 </file>
 
@@ -9125,11 +9348,11 @@
           <a:lstStyle/>
           <a:p>
             <a:r>
-              <a:rPr lang="en-US" dirty="0" smtClean="0">
+              <a:rPr lang="en-US" dirty="0">
                 <a:latin typeface="Times"/>
                 <a:cs typeface="Times"/>
               </a:rPr>
-              <a:t>Algorithm 5: Decision Tree</a:t>
+              <a:t>Algorithm 2: k-Nearest Neighbors</a:t>
             </a:r>
             <a:endParaRPr lang="en-US" i="1" dirty="0">
               <a:latin typeface="Times"/>
@@ -9164,10 +9387,9 @@
               <a:t>9</a:t>
             </a:fld>
             <a:r>
-              <a:rPr lang="en-US" dirty="0" smtClean="0"/>
+              <a:rPr lang="en-US" dirty="0"/>
               <a:t>/14</a:t>
             </a:r>
-            <a:endParaRPr lang="en-US" dirty="0"/>
           </a:p>
         </p:txBody>
       </p:sp>
@@ -9196,7 +9418,7 @@
             <a:pPr marL="0" indent="0">
               <a:buNone/>
             </a:pPr>
-            <a:endParaRPr lang="en-US" b="0" i="1" dirty="0" smtClean="0">
+            <a:endParaRPr lang="en-US" b="0" i="1" dirty="0">
               <a:latin typeface="Cambria Math" panose="02040503050406030204" pitchFamily="18" charset="0"/>
             </a:endParaRPr>
           </a:p>
@@ -9211,20 +9433,13 @@
     </p:spTree>
     <p:extLst>
       <p:ext uri="{BB962C8B-B14F-4D97-AF65-F5344CB8AC3E}">
-        <p14:creationId xmlns:p14="http://schemas.microsoft.com/office/powerpoint/2010/main" val="2611094509"/>
+        <p14:creationId xmlns:p14="http://schemas.microsoft.com/office/powerpoint/2010/main" val="548859415"/>
       </p:ext>
     </p:extLst>
   </p:cSld>
   <p:clrMapOvr>
     <a:masterClrMapping/>
   </p:clrMapOvr>
-  <p:timing>
-    <p:tnLst>
-      <p:par>
-        <p:cTn id="1" dur="indefinite" restart="never" nodeType="tmRoot"/>
-      </p:par>
-    </p:tnLst>
-  </p:timing>
 </p:sld>
 </file>
 

--- a/CS539ML_Final_Presentation.pptx
+++ b/CS539ML_Final_Presentation.pptx
@@ -16,8 +16,8 @@
     <p:sldId id="462" r:id="rId4"/>
     <p:sldId id="475" r:id="rId5"/>
     <p:sldId id="476" r:id="rId6"/>
-    <p:sldId id="466" r:id="rId7"/>
-    <p:sldId id="474" r:id="rId8"/>
+    <p:sldId id="474" r:id="rId7"/>
+    <p:sldId id="466" r:id="rId8"/>
     <p:sldId id="459" r:id="rId9"/>
     <p:sldId id="467" r:id="rId10"/>
     <p:sldId id="468" r:id="rId11"/>
@@ -259,7 +259,7 @@
           <a:p>
             <a:fld id="{550449CD-19C8-44C0-A36B-1667EDB1312B}" type="datetimeFigureOut">
               <a:rPr lang="en-US" smtClean="0"/>
-              <a:t>11/28/18</a:t>
+              <a:t>12/8/18</a:t>
             </a:fld>
             <a:endParaRPr lang="en-US"/>
           </a:p>
@@ -425,7 +425,7 @@
             <a:fld id="{914C511E-AA3B-43E3-B946-406AB5E4C4BB}" type="datetimeFigureOut">
               <a:rPr lang="en-US" smtClean="0"/>
               <a:pPr/>
-              <a:t>11/28/18</a:t>
+              <a:t>12/8/18</a:t>
             </a:fld>
             <a:endParaRPr lang="en-US"/>
           </a:p>
@@ -2411,7 +2411,7 @@
     </p:spTree>
     <p:extLst>
       <p:ext uri="{BB962C8B-B14F-4D97-AF65-F5344CB8AC3E}">
-        <p14:creationId xmlns:p14="http://schemas.microsoft.com/office/powerpoint/2010/main" val="3173921291"/>
+        <p14:creationId xmlns:p14="http://schemas.microsoft.com/office/powerpoint/2010/main" val="776046099"/>
       </p:ext>
     </p:extLst>
   </p:cSld>
@@ -2521,7 +2521,7 @@
     </p:spTree>
     <p:extLst>
       <p:ext uri="{BB962C8B-B14F-4D97-AF65-F5344CB8AC3E}">
-        <p14:creationId xmlns:p14="http://schemas.microsoft.com/office/powerpoint/2010/main" val="776046099"/>
+        <p14:creationId xmlns:p14="http://schemas.microsoft.com/office/powerpoint/2010/main" val="3173921291"/>
       </p:ext>
     </p:extLst>
   </p:cSld>
@@ -3045,14 +3045,14 @@
           <a:effectLst/>
           <a:extLst>
             <a:ext uri="{909E8E84-426E-40dd-AFC4-6F175D3DCCD1}">
-              <a14:hiddenFill xmlns:a14="http://schemas.microsoft.com/office/drawing/2010/main" xmlns="">
+              <a14:hiddenFill xmlns="" xmlns:a14="http://schemas.microsoft.com/office/drawing/2010/main">
                 <a:solidFill>
                   <a:schemeClr val="accent1"/>
                 </a:solidFill>
               </a14:hiddenFill>
             </a:ext>
             <a:ext uri="{91240B29-F687-4f45-9708-019B960494DF}">
-              <a14:hiddenLine xmlns:a14="http://schemas.microsoft.com/office/drawing/2010/main" xmlns="" w="9525">
+              <a14:hiddenLine xmlns="" xmlns:a14="http://schemas.microsoft.com/office/drawing/2010/main" w="9525">
                 <a:solidFill>
                   <a:schemeClr val="tx1"/>
                 </a:solidFill>
@@ -3062,7 +3062,7 @@
               </a14:hiddenLine>
             </a:ext>
             <a:ext uri="{AF507438-7753-43e0-B8FC-AC1667EBCBE1}">
-              <a14:hiddenEffects xmlns:a14="http://schemas.microsoft.com/office/drawing/2010/main" xmlns="">
+              <a14:hiddenEffects xmlns="" xmlns:a14="http://schemas.microsoft.com/office/drawing/2010/main">
                 <a:effectLst>
                   <a:outerShdw dist="35921" dir="2700000" algn="ctr" rotWithShape="0">
                     <a:schemeClr val="bg2"/>
@@ -3410,14 +3410,14 @@
           <a:effectLst/>
           <a:extLst>
             <a:ext uri="{909E8E84-426E-40dd-AFC4-6F175D3DCCD1}">
-              <a14:hiddenFill xmlns:a14="http://schemas.microsoft.com/office/drawing/2010/main" xmlns="">
+              <a14:hiddenFill xmlns="" xmlns:a14="http://schemas.microsoft.com/office/drawing/2010/main">
                 <a:solidFill>
                   <a:schemeClr val="accent1"/>
                 </a:solidFill>
               </a14:hiddenFill>
             </a:ext>
             <a:ext uri="{91240B29-F687-4f45-9708-019B960494DF}">
-              <a14:hiddenLine xmlns:a14="http://schemas.microsoft.com/office/drawing/2010/main" xmlns="" w="9525">
+              <a14:hiddenLine xmlns="" xmlns:a14="http://schemas.microsoft.com/office/drawing/2010/main" w="9525">
                 <a:solidFill>
                   <a:schemeClr val="tx1"/>
                 </a:solidFill>
@@ -3427,7 +3427,7 @@
               </a14:hiddenLine>
             </a:ext>
             <a:ext uri="{AF507438-7753-43e0-B8FC-AC1667EBCBE1}">
-              <a14:hiddenEffects xmlns:a14="http://schemas.microsoft.com/office/drawing/2010/main" xmlns="">
+              <a14:hiddenEffects xmlns="" xmlns:a14="http://schemas.microsoft.com/office/drawing/2010/main">
                 <a:effectLst>
                   <a:outerShdw dist="35921" dir="2700000" algn="ctr" rotWithShape="0">
                     <a:schemeClr val="bg2"/>
@@ -5959,8 +5959,8 @@
         </p:nvSpPr>
         <p:spPr>
           <a:xfrm>
-            <a:off x="609600" y="2590800"/>
-            <a:ext cx="8001000" cy="1066800"/>
+            <a:off x="609600" y="2286000"/>
+            <a:ext cx="8001000" cy="1371600"/>
           </a:xfrm>
         </p:spPr>
         <p:txBody>
@@ -8355,7 +8355,7 @@
                 <a:cs typeface="Times"/>
                 <a:sym typeface="Wingdings"/>
               </a:rPr>
-              <a:t>5</a:t>
+              <a:t>1</a:t>
             </a:r>
             <a:r>
               <a:rPr lang="en-US" sz="2800" baseline="30000" dirty="0">
@@ -8364,7 +8364,7 @@
                 <a:cs typeface="Times"/>
                 <a:sym typeface="Wingdings"/>
               </a:rPr>
-              <a:t>th</a:t>
+              <a:t>st</a:t>
             </a:r>
             <a:r>
               <a:rPr lang="en-US" sz="2800" dirty="0">
@@ -8373,7 +8373,7 @@
                 <a:cs typeface="Times"/>
                 <a:sym typeface="Wingdings"/>
               </a:rPr>
-              <a:t> Data down Balance</a:t>
+              <a:t> Process nan-value</a:t>
             </a:r>
           </a:p>
           <a:p>
@@ -8396,7 +8396,7 @@
                 <a:cs typeface="Times"/>
                 <a:sym typeface="Wingdings"/>
               </a:rPr>
-              <a:t>Original contains 13000K “good” and 2000K “bad” records</a:t>
+              <a:t>Delete column with large proportion empty</a:t>
             </a:r>
           </a:p>
           <a:p>
@@ -8410,50 +8410,123 @@
                 <a:cs typeface="Times"/>
                 <a:sym typeface="Wingdings"/>
               </a:rPr>
-              <a:t>          Random pick 50K </a:t>
-            </a:r>
-            <a:r>
-              <a:rPr lang="zh-CN" altLang="en-US" dirty="0">
+              <a:t>         Data imputation by column average value</a:t>
+            </a:r>
+          </a:p>
+          <a:p>
+            <a:r>
+              <a:rPr lang="en-US" sz="2800" dirty="0">
                 <a:latin typeface="Times"/>
                 <a:ea typeface="Wingdings"/>
                 <a:cs typeface="Times"/>
                 <a:sym typeface="Wingdings"/>
               </a:rPr>
-              <a:t>“</a:t>
-            </a:r>
-            <a:r>
-              <a:rPr lang="en-US" altLang="zh-CN" dirty="0">
+              <a:t>2</a:t>
+            </a:r>
+            <a:r>
+              <a:rPr lang="en-US" sz="2800" baseline="30000" dirty="0">
                 <a:latin typeface="Times"/>
                 <a:ea typeface="Wingdings"/>
                 <a:cs typeface="Times"/>
                 <a:sym typeface="Wingdings"/>
               </a:rPr>
-              <a:t>good</a:t>
-            </a:r>
-            <a:r>
-              <a:rPr lang="zh-CN" altLang="en-US" dirty="0">
+              <a:t>nd</a:t>
+            </a:r>
+            <a:r>
+              <a:rPr lang="en-US" sz="2800" dirty="0">
                 <a:latin typeface="Times"/>
                 <a:ea typeface="Wingdings"/>
                 <a:cs typeface="Times"/>
                 <a:sym typeface="Wingdings"/>
               </a:rPr>
-              <a:t>”</a:t>
-            </a:r>
-            <a:r>
-              <a:rPr lang="en-US" altLang="zh-CN" dirty="0">
+              <a:t> Create dummy variables</a:t>
+            </a:r>
+          </a:p>
+          <a:p>
+            <a:r>
+              <a:rPr lang="en-US" sz="2800" dirty="0">
                 <a:latin typeface="Times"/>
                 <a:ea typeface="Wingdings"/>
                 <a:cs typeface="Times"/>
                 <a:sym typeface="Wingdings"/>
               </a:rPr>
-              <a:t> and 50K “bad” as training data</a:t>
-            </a:r>
-            <a:endParaRPr lang="en-US" dirty="0">
-              <a:latin typeface="Times"/>
-              <a:ea typeface="Wingdings"/>
-              <a:cs typeface="Times"/>
-              <a:sym typeface="Wingdings"/>
-            </a:endParaRPr>
+              <a:t>3</a:t>
+            </a:r>
+            <a:r>
+              <a:rPr lang="en-US" sz="2800" baseline="30000" dirty="0">
+                <a:latin typeface="Times"/>
+                <a:ea typeface="Wingdings"/>
+                <a:cs typeface="Times"/>
+                <a:sym typeface="Wingdings"/>
+              </a:rPr>
+              <a:t>rd</a:t>
+            </a:r>
+            <a:r>
+              <a:rPr lang="en-US" sz="2800" dirty="0">
+                <a:latin typeface="Times"/>
+                <a:ea typeface="Wingdings"/>
+                <a:cs typeface="Times"/>
+                <a:sym typeface="Wingdings"/>
+              </a:rPr>
+              <a:t> Check variables correlation</a:t>
+            </a:r>
+          </a:p>
+          <a:p>
+            <a:pPr marL="0" indent="0">
+              <a:buNone/>
+            </a:pPr>
+            <a:r>
+              <a:rPr lang="en-US" dirty="0">
+                <a:latin typeface="Times"/>
+                <a:ea typeface="Wingdings"/>
+                <a:cs typeface="Times"/>
+                <a:sym typeface="Wingdings"/>
+              </a:rPr>
+              <a:t>         Delete high correlated variables</a:t>
+            </a:r>
+          </a:p>
+          <a:p>
+            <a:pPr marL="0" indent="0">
+              <a:buNone/>
+            </a:pPr>
+            <a:r>
+              <a:rPr lang="en-US" dirty="0">
+                <a:latin typeface="Times"/>
+                <a:ea typeface="Wingdings"/>
+                <a:cs typeface="Times"/>
+                <a:sym typeface="Wingdings"/>
+              </a:rPr>
+              <a:t>         Delete zero correlated variables</a:t>
+            </a:r>
+          </a:p>
+          <a:p>
+            <a:r>
+              <a:rPr lang="en-US" sz="2800" dirty="0">
+                <a:latin typeface="Times"/>
+                <a:ea typeface="Wingdings"/>
+                <a:cs typeface="Times"/>
+                <a:sym typeface="Wingdings"/>
+              </a:rPr>
+              <a:t>4</a:t>
+            </a:r>
+            <a:r>
+              <a:rPr lang="en-US" sz="2800" baseline="30000" dirty="0">
+                <a:latin typeface="Times"/>
+                <a:ea typeface="Wingdings"/>
+                <a:cs typeface="Times"/>
+                <a:sym typeface="Wingdings"/>
+              </a:rPr>
+              <a:t>th</a:t>
+            </a:r>
+            <a:r>
+              <a:rPr lang="en-US" sz="2800" dirty="0">
+                <a:latin typeface="Times"/>
+                <a:ea typeface="Wingdings"/>
+                <a:cs typeface="Times"/>
+                <a:sym typeface="Wingdings"/>
+              </a:rPr>
+              <a:t> Apply dimensional reduction tool (PCA)</a:t>
+            </a:r>
           </a:p>
           <a:p>
             <a:pPr marL="0" indent="0">
@@ -8500,10 +8573,382 @@
           </a:p>
         </p:txBody>
       </p:sp>
+      <p:sp>
+        <p:nvSpPr>
+          <p:cNvPr id="6" name="Rectangle 5"/>
+          <p:cNvSpPr/>
+          <p:nvPr/>
+        </p:nvSpPr>
+        <p:spPr>
+          <a:xfrm>
+            <a:off x="7042589" y="1447800"/>
+            <a:ext cx="2198038" cy="584775"/>
+          </a:xfrm>
+          <a:prstGeom prst="rect">
+            <a:avLst/>
+          </a:prstGeom>
+          <a:noFill/>
+        </p:spPr>
+        <p:txBody>
+          <a:bodyPr wrap="none" lIns="91440" tIns="45720" rIns="91440" bIns="45720">
+            <a:spAutoFit/>
+          </a:bodyPr>
+          <a:lstStyle/>
+          <a:p>
+            <a:pPr algn="ctr"/>
+            <a:r>
+              <a:rPr lang="en-US" sz="3200" b="1" dirty="0">
+                <a:ln w="9525">
+                  <a:solidFill>
+                    <a:schemeClr val="bg1"/>
+                  </a:solidFill>
+                  <a:prstDash val="solid"/>
+                </a:ln>
+                <a:solidFill>
+                  <a:schemeClr val="accent5"/>
+                </a:solidFill>
+                <a:effectLst>
+                  <a:outerShdw blurRad="12700" dist="38100" dir="2700000" algn="tl" rotWithShape="0">
+                    <a:schemeClr val="accent5">
+                      <a:lumMod val="60000"/>
+                      <a:lumOff val="40000"/>
+                    </a:schemeClr>
+                  </a:outerShdw>
+                </a:effectLst>
+              </a:rPr>
+              <a:t>Features</a:t>
+            </a:r>
+            <a:endParaRPr lang="en-US" sz="3200" b="1" cap="none" spc="0" dirty="0">
+              <a:ln w="9525">
+                <a:solidFill>
+                  <a:schemeClr val="bg1"/>
+                </a:solidFill>
+                <a:prstDash val="solid"/>
+              </a:ln>
+              <a:solidFill>
+                <a:schemeClr val="accent5"/>
+              </a:solidFill>
+              <a:effectLst>
+                <a:outerShdw blurRad="12700" dist="38100" dir="2700000" algn="tl" rotWithShape="0">
+                  <a:schemeClr val="accent5">
+                    <a:lumMod val="60000"/>
+                    <a:lumOff val="40000"/>
+                  </a:schemeClr>
+                </a:outerShdw>
+              </a:effectLst>
+            </a:endParaRPr>
+          </a:p>
+        </p:txBody>
+      </p:sp>
+      <p:sp>
+        <p:nvSpPr>
+          <p:cNvPr id="7" name="Down Arrow 6"/>
+          <p:cNvSpPr/>
+          <p:nvPr/>
+        </p:nvSpPr>
+        <p:spPr bwMode="auto">
+          <a:xfrm>
+            <a:off x="8027307" y="2057400"/>
+            <a:ext cx="228600" cy="685800"/>
+          </a:xfrm>
+          <a:prstGeom prst="downArrow">
+            <a:avLst/>
+          </a:prstGeom>
+          <a:solidFill>
+            <a:schemeClr val="accent2"/>
+          </a:solidFill>
+          <a:ln w="12700" cap="sq" algn="ctr">
+            <a:solidFill>
+              <a:schemeClr val="tx2"/>
+            </a:solidFill>
+            <a:miter lim="800000"/>
+            <a:headEnd/>
+            <a:tailEnd/>
+          </a:ln>
+          <a:effectLst/>
+        </p:spPr>
+        <p:txBody>
+          <a:bodyPr wrap="none" rtlCol="0" anchor="ctr"/>
+          <a:lstStyle/>
+          <a:p>
+            <a:pPr algn="ctr"/>
+            <a:endParaRPr lang="en-US" sz="1600" dirty="0">
+              <a:solidFill>
+                <a:schemeClr val="bg1"/>
+              </a:solidFill>
+              <a:latin typeface="+mn-lt"/>
+            </a:endParaRPr>
+          </a:p>
+        </p:txBody>
+      </p:sp>
+      <p:sp>
+        <p:nvSpPr>
+          <p:cNvPr id="9" name="Rectangle 8"/>
+          <p:cNvSpPr/>
+          <p:nvPr/>
+        </p:nvSpPr>
+        <p:spPr>
+          <a:xfrm>
+            <a:off x="7611653" y="2743200"/>
+            <a:ext cx="1059907" cy="584775"/>
+          </a:xfrm>
+          <a:prstGeom prst="rect">
+            <a:avLst/>
+          </a:prstGeom>
+          <a:noFill/>
+        </p:spPr>
+        <p:txBody>
+          <a:bodyPr wrap="none" lIns="91440" tIns="45720" rIns="91440" bIns="45720">
+            <a:spAutoFit/>
+          </a:bodyPr>
+          <a:lstStyle/>
+          <a:p>
+            <a:pPr algn="ctr"/>
+            <a:r>
+              <a:rPr lang="en-US" sz="3200" b="1" cap="none" spc="0" dirty="0">
+                <a:ln w="9525">
+                  <a:solidFill>
+                    <a:schemeClr val="bg1"/>
+                  </a:solidFill>
+                  <a:prstDash val="solid"/>
+                </a:ln>
+                <a:solidFill>
+                  <a:schemeClr val="accent5"/>
+                </a:solidFill>
+                <a:effectLst>
+                  <a:outerShdw blurRad="12700" dist="38100" dir="2700000" algn="tl" rotWithShape="0">
+                    <a:schemeClr val="accent5">
+                      <a:lumMod val="60000"/>
+                      <a:lumOff val="40000"/>
+                    </a:schemeClr>
+                  </a:outerShdw>
+                </a:effectLst>
+              </a:rPr>
+              <a:t>136</a:t>
+            </a:r>
+          </a:p>
+        </p:txBody>
+      </p:sp>
+      <p:sp>
+        <p:nvSpPr>
+          <p:cNvPr id="11" name="Down Arrow 10"/>
+          <p:cNvSpPr/>
+          <p:nvPr/>
+        </p:nvSpPr>
+        <p:spPr bwMode="auto">
+          <a:xfrm>
+            <a:off x="8027307" y="3352800"/>
+            <a:ext cx="228600" cy="685800"/>
+          </a:xfrm>
+          <a:prstGeom prst="downArrow">
+            <a:avLst/>
+          </a:prstGeom>
+          <a:solidFill>
+            <a:schemeClr val="accent2"/>
+          </a:solidFill>
+          <a:ln w="12700" cap="sq" algn="ctr">
+            <a:solidFill>
+              <a:schemeClr val="tx2"/>
+            </a:solidFill>
+            <a:miter lim="800000"/>
+            <a:headEnd/>
+            <a:tailEnd/>
+          </a:ln>
+          <a:effectLst/>
+        </p:spPr>
+        <p:txBody>
+          <a:bodyPr wrap="none" rtlCol="0" anchor="ctr"/>
+          <a:lstStyle/>
+          <a:p>
+            <a:pPr algn="ctr"/>
+            <a:endParaRPr lang="en-US" sz="1600" dirty="0">
+              <a:solidFill>
+                <a:schemeClr val="bg1"/>
+              </a:solidFill>
+              <a:latin typeface="+mn-lt"/>
+            </a:endParaRPr>
+          </a:p>
+        </p:txBody>
+      </p:sp>
+      <p:sp>
+        <p:nvSpPr>
+          <p:cNvPr id="12" name="Rectangle 11"/>
+          <p:cNvSpPr/>
+          <p:nvPr/>
+        </p:nvSpPr>
+        <p:spPr>
+          <a:xfrm>
+            <a:off x="7757526" y="3962400"/>
+            <a:ext cx="768159" cy="584775"/>
+          </a:xfrm>
+          <a:prstGeom prst="rect">
+            <a:avLst/>
+          </a:prstGeom>
+          <a:noFill/>
+        </p:spPr>
+        <p:txBody>
+          <a:bodyPr wrap="none" lIns="91440" tIns="45720" rIns="91440" bIns="45720">
+            <a:spAutoFit/>
+          </a:bodyPr>
+          <a:lstStyle/>
+          <a:p>
+            <a:pPr algn="ctr"/>
+            <a:r>
+              <a:rPr lang="en-US" altLang="zh-CN" sz="3200" b="1" cap="none" spc="0" dirty="0">
+                <a:ln w="9525">
+                  <a:solidFill>
+                    <a:schemeClr val="bg1"/>
+                  </a:solidFill>
+                  <a:prstDash val="solid"/>
+                </a:ln>
+                <a:solidFill>
+                  <a:schemeClr val="accent5"/>
+                </a:solidFill>
+                <a:effectLst>
+                  <a:outerShdw blurRad="12700" dist="38100" dir="2700000" algn="tl" rotWithShape="0">
+                    <a:schemeClr val="accent5">
+                      <a:lumMod val="60000"/>
+                      <a:lumOff val="40000"/>
+                    </a:schemeClr>
+                  </a:outerShdw>
+                </a:effectLst>
+              </a:rPr>
+              <a:t>67</a:t>
+            </a:r>
+            <a:endParaRPr lang="en-US" sz="3200" b="1" cap="none" spc="0" dirty="0">
+              <a:ln w="9525">
+                <a:solidFill>
+                  <a:schemeClr val="bg1"/>
+                </a:solidFill>
+                <a:prstDash val="solid"/>
+              </a:ln>
+              <a:solidFill>
+                <a:schemeClr val="accent5"/>
+              </a:solidFill>
+              <a:effectLst>
+                <a:outerShdw blurRad="12700" dist="38100" dir="2700000" algn="tl" rotWithShape="0">
+                  <a:schemeClr val="accent5">
+                    <a:lumMod val="60000"/>
+                    <a:lumOff val="40000"/>
+                  </a:schemeClr>
+                </a:outerShdw>
+              </a:effectLst>
+            </a:endParaRPr>
+          </a:p>
+        </p:txBody>
+      </p:sp>
+      <p:sp>
+        <p:nvSpPr>
+          <p:cNvPr id="13" name="Down Arrow 12"/>
+          <p:cNvSpPr/>
+          <p:nvPr/>
+        </p:nvSpPr>
+        <p:spPr bwMode="auto">
+          <a:xfrm>
+            <a:off x="8027305" y="4572000"/>
+            <a:ext cx="228600" cy="685800"/>
+          </a:xfrm>
+          <a:prstGeom prst="downArrow">
+            <a:avLst/>
+          </a:prstGeom>
+          <a:solidFill>
+            <a:schemeClr val="accent2"/>
+          </a:solidFill>
+          <a:ln w="12700" cap="sq" algn="ctr">
+            <a:solidFill>
+              <a:schemeClr val="tx2"/>
+            </a:solidFill>
+            <a:miter lim="800000"/>
+            <a:headEnd/>
+            <a:tailEnd/>
+          </a:ln>
+          <a:effectLst/>
+        </p:spPr>
+        <p:txBody>
+          <a:bodyPr wrap="none" rtlCol="0" anchor="ctr"/>
+          <a:lstStyle/>
+          <a:p>
+            <a:pPr algn="ctr"/>
+            <a:endParaRPr lang="en-US" sz="1600" dirty="0">
+              <a:solidFill>
+                <a:schemeClr val="bg1"/>
+              </a:solidFill>
+              <a:latin typeface="+mn-lt"/>
+            </a:endParaRPr>
+          </a:p>
+        </p:txBody>
+      </p:sp>
+      <p:sp>
+        <p:nvSpPr>
+          <p:cNvPr id="14" name="Rectangle 13"/>
+          <p:cNvSpPr/>
+          <p:nvPr/>
+        </p:nvSpPr>
+        <p:spPr>
+          <a:xfrm>
+            <a:off x="7757526" y="5181600"/>
+            <a:ext cx="768159" cy="584775"/>
+          </a:xfrm>
+          <a:prstGeom prst="rect">
+            <a:avLst/>
+          </a:prstGeom>
+          <a:noFill/>
+        </p:spPr>
+        <p:txBody>
+          <a:bodyPr wrap="none" lIns="91440" tIns="45720" rIns="91440" bIns="45720">
+            <a:spAutoFit/>
+          </a:bodyPr>
+          <a:lstStyle/>
+          <a:p>
+            <a:pPr algn="ctr"/>
+            <a:r>
+              <a:rPr lang="en-US" altLang="zh-CN" sz="3200" b="1" cap="none" spc="0" dirty="0">
+                <a:ln w="9525">
+                  <a:solidFill>
+                    <a:schemeClr val="bg1"/>
+                  </a:solidFill>
+                  <a:prstDash val="solid"/>
+                </a:ln>
+                <a:solidFill>
+                  <a:schemeClr val="accent5"/>
+                </a:solidFill>
+                <a:effectLst>
+                  <a:outerShdw blurRad="12700" dist="38100" dir="2700000" algn="tl" rotWithShape="0">
+                    <a:schemeClr val="accent5">
+                      <a:lumMod val="60000"/>
+                      <a:lumOff val="40000"/>
+                    </a:schemeClr>
+                  </a:outerShdw>
+                </a:effectLst>
+              </a:rPr>
+              <a:t>44</a:t>
+            </a:r>
+            <a:endParaRPr lang="en-US" sz="3200" b="1" cap="none" spc="0" dirty="0">
+              <a:ln w="9525">
+                <a:solidFill>
+                  <a:schemeClr val="bg1"/>
+                </a:solidFill>
+                <a:prstDash val="solid"/>
+              </a:ln>
+              <a:solidFill>
+                <a:schemeClr val="accent5"/>
+              </a:solidFill>
+              <a:effectLst>
+                <a:outerShdw blurRad="12700" dist="38100" dir="2700000" algn="tl" rotWithShape="0">
+                  <a:schemeClr val="accent5">
+                    <a:lumMod val="60000"/>
+                    <a:lumOff val="40000"/>
+                  </a:schemeClr>
+                </a:outerShdw>
+              </a:effectLst>
+            </a:endParaRPr>
+          </a:p>
+        </p:txBody>
+      </p:sp>
     </p:spTree>
     <p:extLst>
       <p:ext uri="{BB962C8B-B14F-4D97-AF65-F5344CB8AC3E}">
-        <p14:creationId xmlns:p14="http://schemas.microsoft.com/office/powerpoint/2010/main" val="1773396663"/>
+        <p14:creationId xmlns:p14="http://schemas.microsoft.com/office/powerpoint/2010/main" val="1222348093"/>
       </p:ext>
     </p:extLst>
   </p:cSld>
@@ -8584,7 +9029,7 @@
                 <a:cs typeface="Times"/>
                 <a:sym typeface="Wingdings"/>
               </a:rPr>
-              <a:t>1</a:t>
+              <a:t>5</a:t>
             </a:r>
             <a:r>
               <a:rPr lang="en-US" sz="2800" baseline="30000" dirty="0">
@@ -8593,7 +9038,7 @@
                 <a:cs typeface="Times"/>
                 <a:sym typeface="Wingdings"/>
               </a:rPr>
-              <a:t>st</a:t>
+              <a:t>th</a:t>
             </a:r>
             <a:r>
               <a:rPr lang="en-US" sz="2800" dirty="0">
@@ -8602,7 +9047,7 @@
                 <a:cs typeface="Times"/>
                 <a:sym typeface="Wingdings"/>
               </a:rPr>
-              <a:t> Process nan-value</a:t>
+              <a:t> Data down Balance</a:t>
             </a:r>
           </a:p>
           <a:p>
@@ -8625,7 +9070,7 @@
                 <a:cs typeface="Times"/>
                 <a:sym typeface="Wingdings"/>
               </a:rPr>
-              <a:t>Delete column with large proportion empty</a:t>
+              <a:t>Original contains 13000K “good” and 2000K “bad” records</a:t>
             </a:r>
           </a:p>
           <a:p>
@@ -8639,123 +9084,50 @@
                 <a:cs typeface="Times"/>
                 <a:sym typeface="Wingdings"/>
               </a:rPr>
-              <a:t>         Data imputation by column average value</a:t>
-            </a:r>
-          </a:p>
-          <a:p>
-            <a:r>
-              <a:rPr lang="en-US" sz="2800" dirty="0">
+              <a:t>          Random pick 50K </a:t>
+            </a:r>
+            <a:r>
+              <a:rPr lang="zh-CN" altLang="en-US" dirty="0">
                 <a:latin typeface="Times"/>
                 <a:ea typeface="Wingdings"/>
                 <a:cs typeface="Times"/>
                 <a:sym typeface="Wingdings"/>
               </a:rPr>
-              <a:t>2</a:t>
-            </a:r>
-            <a:r>
-              <a:rPr lang="en-US" sz="2800" baseline="30000" dirty="0">
+              <a:t>“</a:t>
+            </a:r>
+            <a:r>
+              <a:rPr lang="en-US" altLang="zh-CN" dirty="0">
                 <a:latin typeface="Times"/>
                 <a:ea typeface="Wingdings"/>
                 <a:cs typeface="Times"/>
                 <a:sym typeface="Wingdings"/>
               </a:rPr>
-              <a:t>nd</a:t>
-            </a:r>
-            <a:r>
-              <a:rPr lang="en-US" sz="2800" dirty="0">
+              <a:t>good</a:t>
+            </a:r>
+            <a:r>
+              <a:rPr lang="zh-CN" altLang="en-US" dirty="0">
                 <a:latin typeface="Times"/>
                 <a:ea typeface="Wingdings"/>
                 <a:cs typeface="Times"/>
                 <a:sym typeface="Wingdings"/>
               </a:rPr>
-              <a:t> Create dummy variables</a:t>
-            </a:r>
-          </a:p>
-          <a:p>
-            <a:r>
-              <a:rPr lang="en-US" sz="2800" dirty="0">
+              <a:t>”</a:t>
+            </a:r>
+            <a:r>
+              <a:rPr lang="en-US" altLang="zh-CN" dirty="0">
                 <a:latin typeface="Times"/>
                 <a:ea typeface="Wingdings"/>
                 <a:cs typeface="Times"/>
                 <a:sym typeface="Wingdings"/>
               </a:rPr>
-              <a:t>3</a:t>
-            </a:r>
-            <a:r>
-              <a:rPr lang="en-US" sz="2800" baseline="30000" dirty="0">
-                <a:latin typeface="Times"/>
-                <a:ea typeface="Wingdings"/>
-                <a:cs typeface="Times"/>
-                <a:sym typeface="Wingdings"/>
-              </a:rPr>
-              <a:t>rd</a:t>
-            </a:r>
-            <a:r>
-              <a:rPr lang="en-US" sz="2800" dirty="0">
-                <a:latin typeface="Times"/>
-                <a:ea typeface="Wingdings"/>
-                <a:cs typeface="Times"/>
-                <a:sym typeface="Wingdings"/>
-              </a:rPr>
-              <a:t> Check variables correlation</a:t>
-            </a:r>
-          </a:p>
-          <a:p>
-            <a:pPr marL="0" indent="0">
-              <a:buNone/>
-            </a:pPr>
-            <a:r>
-              <a:rPr lang="en-US" dirty="0">
-                <a:latin typeface="Times"/>
-                <a:ea typeface="Wingdings"/>
-                <a:cs typeface="Times"/>
-                <a:sym typeface="Wingdings"/>
-              </a:rPr>
-              <a:t>         Delete high correlated variables</a:t>
-            </a:r>
-          </a:p>
-          <a:p>
-            <a:pPr marL="0" indent="0">
-              <a:buNone/>
-            </a:pPr>
-            <a:r>
-              <a:rPr lang="en-US" dirty="0">
-                <a:latin typeface="Times"/>
-                <a:ea typeface="Wingdings"/>
-                <a:cs typeface="Times"/>
-                <a:sym typeface="Wingdings"/>
-              </a:rPr>
-              <a:t>         Delete zero correlated variables</a:t>
-            </a:r>
-          </a:p>
-          <a:p>
-            <a:r>
-              <a:rPr lang="en-US" sz="2800" dirty="0">
-                <a:latin typeface="Times"/>
-                <a:ea typeface="Wingdings"/>
-                <a:cs typeface="Times"/>
-                <a:sym typeface="Wingdings"/>
-              </a:rPr>
-              <a:t>4</a:t>
-            </a:r>
-            <a:r>
-              <a:rPr lang="en-US" sz="2800" baseline="30000" dirty="0">
-                <a:latin typeface="Times"/>
-                <a:ea typeface="Wingdings"/>
-                <a:cs typeface="Times"/>
-                <a:sym typeface="Wingdings"/>
-              </a:rPr>
-              <a:t>th</a:t>
-            </a:r>
-            <a:r>
-              <a:rPr lang="en-US" sz="2800" dirty="0">
-                <a:latin typeface="Times"/>
-                <a:ea typeface="Wingdings"/>
-                <a:cs typeface="Times"/>
-                <a:sym typeface="Wingdings"/>
-              </a:rPr>
-              <a:t> Apply dimensional reduction tool (PCA)</a:t>
-            </a:r>
+              <a:t> and 50K “bad” as training data</a:t>
+            </a:r>
+            <a:endParaRPr lang="en-US" dirty="0">
+              <a:latin typeface="Times"/>
+              <a:ea typeface="Wingdings"/>
+              <a:cs typeface="Times"/>
+              <a:sym typeface="Wingdings"/>
+            </a:endParaRPr>
           </a:p>
           <a:p>
             <a:pPr marL="0" indent="0">
@@ -8802,382 +9174,10 @@
           </a:p>
         </p:txBody>
       </p:sp>
-      <p:sp>
-        <p:nvSpPr>
-          <p:cNvPr id="6" name="Rectangle 5"/>
-          <p:cNvSpPr/>
-          <p:nvPr/>
-        </p:nvSpPr>
-        <p:spPr>
-          <a:xfrm>
-            <a:off x="7042589" y="1447800"/>
-            <a:ext cx="2198038" cy="584775"/>
-          </a:xfrm>
-          <a:prstGeom prst="rect">
-            <a:avLst/>
-          </a:prstGeom>
-          <a:noFill/>
-        </p:spPr>
-        <p:txBody>
-          <a:bodyPr wrap="none" lIns="91440" tIns="45720" rIns="91440" bIns="45720">
-            <a:spAutoFit/>
-          </a:bodyPr>
-          <a:lstStyle/>
-          <a:p>
-            <a:pPr algn="ctr"/>
-            <a:r>
-              <a:rPr lang="en-US" sz="3200" b="1" dirty="0">
-                <a:ln w="9525">
-                  <a:solidFill>
-                    <a:schemeClr val="bg1"/>
-                  </a:solidFill>
-                  <a:prstDash val="solid"/>
-                </a:ln>
-                <a:solidFill>
-                  <a:schemeClr val="accent5"/>
-                </a:solidFill>
-                <a:effectLst>
-                  <a:outerShdw blurRad="12700" dist="38100" dir="2700000" algn="tl" rotWithShape="0">
-                    <a:schemeClr val="accent5">
-                      <a:lumMod val="60000"/>
-                      <a:lumOff val="40000"/>
-                    </a:schemeClr>
-                  </a:outerShdw>
-                </a:effectLst>
-              </a:rPr>
-              <a:t>Features</a:t>
-            </a:r>
-            <a:endParaRPr lang="en-US" sz="3200" b="1" cap="none" spc="0" dirty="0">
-              <a:ln w="9525">
-                <a:solidFill>
-                  <a:schemeClr val="bg1"/>
-                </a:solidFill>
-                <a:prstDash val="solid"/>
-              </a:ln>
-              <a:solidFill>
-                <a:schemeClr val="accent5"/>
-              </a:solidFill>
-              <a:effectLst>
-                <a:outerShdw blurRad="12700" dist="38100" dir="2700000" algn="tl" rotWithShape="0">
-                  <a:schemeClr val="accent5">
-                    <a:lumMod val="60000"/>
-                    <a:lumOff val="40000"/>
-                  </a:schemeClr>
-                </a:outerShdw>
-              </a:effectLst>
-            </a:endParaRPr>
-          </a:p>
-        </p:txBody>
-      </p:sp>
-      <p:sp>
-        <p:nvSpPr>
-          <p:cNvPr id="7" name="Down Arrow 6"/>
-          <p:cNvSpPr/>
-          <p:nvPr/>
-        </p:nvSpPr>
-        <p:spPr bwMode="auto">
-          <a:xfrm>
-            <a:off x="8027307" y="2057400"/>
-            <a:ext cx="228600" cy="685800"/>
-          </a:xfrm>
-          <a:prstGeom prst="downArrow">
-            <a:avLst/>
-          </a:prstGeom>
-          <a:solidFill>
-            <a:schemeClr val="accent2"/>
-          </a:solidFill>
-          <a:ln w="12700" cap="sq" algn="ctr">
-            <a:solidFill>
-              <a:schemeClr val="tx2"/>
-            </a:solidFill>
-            <a:miter lim="800000"/>
-            <a:headEnd/>
-            <a:tailEnd/>
-          </a:ln>
-          <a:effectLst/>
-        </p:spPr>
-        <p:txBody>
-          <a:bodyPr wrap="none" rtlCol="0" anchor="ctr"/>
-          <a:lstStyle/>
-          <a:p>
-            <a:pPr algn="ctr"/>
-            <a:endParaRPr lang="en-US" sz="1600" dirty="0">
-              <a:solidFill>
-                <a:schemeClr val="bg1"/>
-              </a:solidFill>
-              <a:latin typeface="+mn-lt"/>
-            </a:endParaRPr>
-          </a:p>
-        </p:txBody>
-      </p:sp>
-      <p:sp>
-        <p:nvSpPr>
-          <p:cNvPr id="9" name="Rectangle 8"/>
-          <p:cNvSpPr/>
-          <p:nvPr/>
-        </p:nvSpPr>
-        <p:spPr>
-          <a:xfrm>
-            <a:off x="7611653" y="2743200"/>
-            <a:ext cx="1059907" cy="584775"/>
-          </a:xfrm>
-          <a:prstGeom prst="rect">
-            <a:avLst/>
-          </a:prstGeom>
-          <a:noFill/>
-        </p:spPr>
-        <p:txBody>
-          <a:bodyPr wrap="none" lIns="91440" tIns="45720" rIns="91440" bIns="45720">
-            <a:spAutoFit/>
-          </a:bodyPr>
-          <a:lstStyle/>
-          <a:p>
-            <a:pPr algn="ctr"/>
-            <a:r>
-              <a:rPr lang="en-US" sz="3200" b="1" cap="none" spc="0" dirty="0">
-                <a:ln w="9525">
-                  <a:solidFill>
-                    <a:schemeClr val="bg1"/>
-                  </a:solidFill>
-                  <a:prstDash val="solid"/>
-                </a:ln>
-                <a:solidFill>
-                  <a:schemeClr val="accent5"/>
-                </a:solidFill>
-                <a:effectLst>
-                  <a:outerShdw blurRad="12700" dist="38100" dir="2700000" algn="tl" rotWithShape="0">
-                    <a:schemeClr val="accent5">
-                      <a:lumMod val="60000"/>
-                      <a:lumOff val="40000"/>
-                    </a:schemeClr>
-                  </a:outerShdw>
-                </a:effectLst>
-              </a:rPr>
-              <a:t>136</a:t>
-            </a:r>
-          </a:p>
-        </p:txBody>
-      </p:sp>
-      <p:sp>
-        <p:nvSpPr>
-          <p:cNvPr id="11" name="Down Arrow 10"/>
-          <p:cNvSpPr/>
-          <p:nvPr/>
-        </p:nvSpPr>
-        <p:spPr bwMode="auto">
-          <a:xfrm>
-            <a:off x="8027307" y="3352800"/>
-            <a:ext cx="228600" cy="685800"/>
-          </a:xfrm>
-          <a:prstGeom prst="downArrow">
-            <a:avLst/>
-          </a:prstGeom>
-          <a:solidFill>
-            <a:schemeClr val="accent2"/>
-          </a:solidFill>
-          <a:ln w="12700" cap="sq" algn="ctr">
-            <a:solidFill>
-              <a:schemeClr val="tx2"/>
-            </a:solidFill>
-            <a:miter lim="800000"/>
-            <a:headEnd/>
-            <a:tailEnd/>
-          </a:ln>
-          <a:effectLst/>
-        </p:spPr>
-        <p:txBody>
-          <a:bodyPr wrap="none" rtlCol="0" anchor="ctr"/>
-          <a:lstStyle/>
-          <a:p>
-            <a:pPr algn="ctr"/>
-            <a:endParaRPr lang="en-US" sz="1600" dirty="0">
-              <a:solidFill>
-                <a:schemeClr val="bg1"/>
-              </a:solidFill>
-              <a:latin typeface="+mn-lt"/>
-            </a:endParaRPr>
-          </a:p>
-        </p:txBody>
-      </p:sp>
-      <p:sp>
-        <p:nvSpPr>
-          <p:cNvPr id="12" name="Rectangle 11"/>
-          <p:cNvSpPr/>
-          <p:nvPr/>
-        </p:nvSpPr>
-        <p:spPr>
-          <a:xfrm>
-            <a:off x="7757526" y="3962400"/>
-            <a:ext cx="768159" cy="584775"/>
-          </a:xfrm>
-          <a:prstGeom prst="rect">
-            <a:avLst/>
-          </a:prstGeom>
-          <a:noFill/>
-        </p:spPr>
-        <p:txBody>
-          <a:bodyPr wrap="none" lIns="91440" tIns="45720" rIns="91440" bIns="45720">
-            <a:spAutoFit/>
-          </a:bodyPr>
-          <a:lstStyle/>
-          <a:p>
-            <a:pPr algn="ctr"/>
-            <a:r>
-              <a:rPr lang="en-US" altLang="zh-CN" sz="3200" b="1" cap="none" spc="0" dirty="0">
-                <a:ln w="9525">
-                  <a:solidFill>
-                    <a:schemeClr val="bg1"/>
-                  </a:solidFill>
-                  <a:prstDash val="solid"/>
-                </a:ln>
-                <a:solidFill>
-                  <a:schemeClr val="accent5"/>
-                </a:solidFill>
-                <a:effectLst>
-                  <a:outerShdw blurRad="12700" dist="38100" dir="2700000" algn="tl" rotWithShape="0">
-                    <a:schemeClr val="accent5">
-                      <a:lumMod val="60000"/>
-                      <a:lumOff val="40000"/>
-                    </a:schemeClr>
-                  </a:outerShdw>
-                </a:effectLst>
-              </a:rPr>
-              <a:t>67</a:t>
-            </a:r>
-            <a:endParaRPr lang="en-US" sz="3200" b="1" cap="none" spc="0" dirty="0">
-              <a:ln w="9525">
-                <a:solidFill>
-                  <a:schemeClr val="bg1"/>
-                </a:solidFill>
-                <a:prstDash val="solid"/>
-              </a:ln>
-              <a:solidFill>
-                <a:schemeClr val="accent5"/>
-              </a:solidFill>
-              <a:effectLst>
-                <a:outerShdw blurRad="12700" dist="38100" dir="2700000" algn="tl" rotWithShape="0">
-                  <a:schemeClr val="accent5">
-                    <a:lumMod val="60000"/>
-                    <a:lumOff val="40000"/>
-                  </a:schemeClr>
-                </a:outerShdw>
-              </a:effectLst>
-            </a:endParaRPr>
-          </a:p>
-        </p:txBody>
-      </p:sp>
-      <p:sp>
-        <p:nvSpPr>
-          <p:cNvPr id="13" name="Down Arrow 12"/>
-          <p:cNvSpPr/>
-          <p:nvPr/>
-        </p:nvSpPr>
-        <p:spPr bwMode="auto">
-          <a:xfrm>
-            <a:off x="8027305" y="4572000"/>
-            <a:ext cx="228600" cy="685800"/>
-          </a:xfrm>
-          <a:prstGeom prst="downArrow">
-            <a:avLst/>
-          </a:prstGeom>
-          <a:solidFill>
-            <a:schemeClr val="accent2"/>
-          </a:solidFill>
-          <a:ln w="12700" cap="sq" algn="ctr">
-            <a:solidFill>
-              <a:schemeClr val="tx2"/>
-            </a:solidFill>
-            <a:miter lim="800000"/>
-            <a:headEnd/>
-            <a:tailEnd/>
-          </a:ln>
-          <a:effectLst/>
-        </p:spPr>
-        <p:txBody>
-          <a:bodyPr wrap="none" rtlCol="0" anchor="ctr"/>
-          <a:lstStyle/>
-          <a:p>
-            <a:pPr algn="ctr"/>
-            <a:endParaRPr lang="en-US" sz="1600" dirty="0">
-              <a:solidFill>
-                <a:schemeClr val="bg1"/>
-              </a:solidFill>
-              <a:latin typeface="+mn-lt"/>
-            </a:endParaRPr>
-          </a:p>
-        </p:txBody>
-      </p:sp>
-      <p:sp>
-        <p:nvSpPr>
-          <p:cNvPr id="14" name="Rectangle 13"/>
-          <p:cNvSpPr/>
-          <p:nvPr/>
-        </p:nvSpPr>
-        <p:spPr>
-          <a:xfrm>
-            <a:off x="7757526" y="5181600"/>
-            <a:ext cx="768159" cy="584775"/>
-          </a:xfrm>
-          <a:prstGeom prst="rect">
-            <a:avLst/>
-          </a:prstGeom>
-          <a:noFill/>
-        </p:spPr>
-        <p:txBody>
-          <a:bodyPr wrap="none" lIns="91440" tIns="45720" rIns="91440" bIns="45720">
-            <a:spAutoFit/>
-          </a:bodyPr>
-          <a:lstStyle/>
-          <a:p>
-            <a:pPr algn="ctr"/>
-            <a:r>
-              <a:rPr lang="en-US" altLang="zh-CN" sz="3200" b="1" cap="none" spc="0" dirty="0">
-                <a:ln w="9525">
-                  <a:solidFill>
-                    <a:schemeClr val="bg1"/>
-                  </a:solidFill>
-                  <a:prstDash val="solid"/>
-                </a:ln>
-                <a:solidFill>
-                  <a:schemeClr val="accent5"/>
-                </a:solidFill>
-                <a:effectLst>
-                  <a:outerShdw blurRad="12700" dist="38100" dir="2700000" algn="tl" rotWithShape="0">
-                    <a:schemeClr val="accent5">
-                      <a:lumMod val="60000"/>
-                      <a:lumOff val="40000"/>
-                    </a:schemeClr>
-                  </a:outerShdw>
-                </a:effectLst>
-              </a:rPr>
-              <a:t>44</a:t>
-            </a:r>
-            <a:endParaRPr lang="en-US" sz="3200" b="1" cap="none" spc="0" dirty="0">
-              <a:ln w="9525">
-                <a:solidFill>
-                  <a:schemeClr val="bg1"/>
-                </a:solidFill>
-                <a:prstDash val="solid"/>
-              </a:ln>
-              <a:solidFill>
-                <a:schemeClr val="accent5"/>
-              </a:solidFill>
-              <a:effectLst>
-                <a:outerShdw blurRad="12700" dist="38100" dir="2700000" algn="tl" rotWithShape="0">
-                  <a:schemeClr val="accent5">
-                    <a:lumMod val="60000"/>
-                    <a:lumOff val="40000"/>
-                  </a:schemeClr>
-                </a:outerShdw>
-              </a:effectLst>
-            </a:endParaRPr>
-          </a:p>
-        </p:txBody>
-      </p:sp>
     </p:spTree>
     <p:extLst>
       <p:ext uri="{BB962C8B-B14F-4D97-AF65-F5344CB8AC3E}">
-        <p14:creationId xmlns:p14="http://schemas.microsoft.com/office/powerpoint/2010/main" val="1222348093"/>
+        <p14:creationId xmlns:p14="http://schemas.microsoft.com/office/powerpoint/2010/main" val="1773396663"/>
       </p:ext>
     </p:extLst>
   </p:cSld>
